--- a/Capstone2_Recommendation System for movies/Recommendation system.pptx
+++ b/Capstone2_Recommendation System for movies/Recommendation system.pptx
@@ -23,9 +23,30 @@
     <p:sldId id="274" r:id="rId17"/>
     <p:sldId id="278" r:id="rId18"/>
     <p:sldId id="290" r:id="rId19"/>
-    <p:sldId id="287" r:id="rId20"/>
-    <p:sldId id="288" r:id="rId21"/>
-    <p:sldId id="289" r:id="rId22"/>
+    <p:sldId id="291" r:id="rId20"/>
+    <p:sldId id="292" r:id="rId21"/>
+    <p:sldId id="294" r:id="rId22"/>
+    <p:sldId id="295" r:id="rId23"/>
+    <p:sldId id="296" r:id="rId24"/>
+    <p:sldId id="297" r:id="rId25"/>
+    <p:sldId id="298" r:id="rId26"/>
+    <p:sldId id="300" r:id="rId27"/>
+    <p:sldId id="293" r:id="rId28"/>
+    <p:sldId id="301" r:id="rId29"/>
+    <p:sldId id="302" r:id="rId30"/>
+    <p:sldId id="303" r:id="rId31"/>
+    <p:sldId id="304" r:id="rId32"/>
+    <p:sldId id="305" r:id="rId33"/>
+    <p:sldId id="306" r:id="rId34"/>
+    <p:sldId id="307" r:id="rId35"/>
+    <p:sldId id="308" r:id="rId36"/>
+    <p:sldId id="309" r:id="rId37"/>
+    <p:sldId id="310" r:id="rId38"/>
+    <p:sldId id="311" r:id="rId39"/>
+    <p:sldId id="312" r:id="rId40"/>
+    <p:sldId id="287" r:id="rId41"/>
+    <p:sldId id="313" r:id="rId42"/>
+    <p:sldId id="289" r:id="rId43"/>
   </p:sldIdLst>
   <p:sldSz cx="12192000" cy="6858000"/>
   <p:notesSz cx="6858000" cy="9144000"/>
@@ -287,7 +308,7 @@
           <a:p>
             <a:fld id="{9FBA363D-5A31-49C4-A40D-EE48DE7F4A55}" type="datetimeFigureOut">
               <a:rPr lang="en-US" smtClean="0"/>
-              <a:t>10/27/2020</a:t>
+              <a:t>11/25/2020</a:t>
             </a:fld>
             <a:endParaRPr lang="en-US"/>
           </a:p>
@@ -485,7 +506,7 @@
           <a:p>
             <a:fld id="{9FBA363D-5A31-49C4-A40D-EE48DE7F4A55}" type="datetimeFigureOut">
               <a:rPr lang="en-US" smtClean="0"/>
-              <a:t>10/27/2020</a:t>
+              <a:t>11/25/2020</a:t>
             </a:fld>
             <a:endParaRPr lang="en-US"/>
           </a:p>
@@ -693,7 +714,7 @@
           <a:p>
             <a:fld id="{9FBA363D-5A31-49C4-A40D-EE48DE7F4A55}" type="datetimeFigureOut">
               <a:rPr lang="en-US" smtClean="0"/>
-              <a:t>10/27/2020</a:t>
+              <a:t>11/25/2020</a:t>
             </a:fld>
             <a:endParaRPr lang="en-US"/>
           </a:p>
@@ -929,7 +950,7 @@
           <a:p>
             <a:fld id="{403CB87E-4591-47A1-9046-CF63F17215EF}" type="datetime2">
               <a:rPr lang="en-US" smtClean="0"/>
-              <a:t>Tuesday, October 27, 2020</a:t>
+              <a:t>Wednesday, November 25, 2020</a:t>
             </a:fld>
             <a:endParaRPr lang="en-US" dirty="0"/>
           </a:p>
@@ -1183,7 +1204,7 @@
           <a:p>
             <a:fld id="{F33DE70B-B772-416E-A790-995760B1742E}" type="datetime2">
               <a:rPr lang="en-US" smtClean="0"/>
-              <a:t>Tuesday, October 27, 2020</a:t>
+              <a:t>Wednesday, November 25, 2020</a:t>
             </a:fld>
             <a:endParaRPr lang="en-US" dirty="0"/>
           </a:p>
@@ -1482,7 +1503,7 @@
           <a:p>
             <a:fld id="{76760CDE-A6F1-4138-AF12-ED09E8E5FB6B}" type="datetime2">
               <a:rPr lang="en-US" smtClean="0"/>
-              <a:t>Tuesday, October 27, 2020</a:t>
+              <a:t>Wednesday, November 25, 2020</a:t>
             </a:fld>
             <a:endParaRPr lang="en-US"/>
           </a:p>
@@ -1814,7 +1835,7 @@
           <a:p>
             <a:fld id="{DB15F8B1-DB7B-4D28-A97D-40FB2DD1EF78}" type="datetime2">
               <a:rPr lang="en-US" smtClean="0"/>
-              <a:t>Tuesday, October 27, 2020</a:t>
+              <a:t>Wednesday, November 25, 2020</a:t>
             </a:fld>
             <a:endParaRPr lang="en-US"/>
           </a:p>
@@ -2260,7 +2281,7 @@
           <a:p>
             <a:fld id="{14039161-23B8-4738-9069-73EBE8884FDD}" type="datetime2">
               <a:rPr lang="en-US" smtClean="0"/>
-              <a:t>Tuesday, October 27, 2020</a:t>
+              <a:t>Wednesday, November 25, 2020</a:t>
             </a:fld>
             <a:endParaRPr lang="en-US"/>
           </a:p>
@@ -2416,7 +2437,7 @@
           <a:p>
             <a:fld id="{FA994D44-7693-499F-AC6C-11696134FE3F}" type="datetime2">
               <a:rPr lang="en-US" smtClean="0"/>
-              <a:t>Tuesday, October 27, 2020</a:t>
+              <a:t>Wednesday, November 25, 2020</a:t>
             </a:fld>
             <a:endParaRPr lang="en-US"/>
           </a:p>
@@ -2533,7 +2554,7 @@
           <a:p>
             <a:fld id="{363AF2AE-472C-4EF3-ABB2-24BAA9AE3CF7}" type="datetime2">
               <a:rPr lang="en-US" smtClean="0"/>
-              <a:t>Tuesday, October 27, 2020</a:t>
+              <a:t>Wednesday, November 25, 2020</a:t>
             </a:fld>
             <a:endParaRPr lang="en-US"/>
           </a:p>
@@ -2860,7 +2881,7 @@
           <a:p>
             <a:fld id="{EAEA162C-A7C1-4263-9453-1BAFF8C39559}" type="datetime2">
               <a:rPr lang="en-US" smtClean="0"/>
-              <a:t>Tuesday, October 27, 2020</a:t>
+              <a:t>Wednesday, November 25, 2020</a:t>
             </a:fld>
             <a:endParaRPr lang="en-US"/>
           </a:p>
@@ -3062,7 +3083,7 @@
           <a:p>
             <a:fld id="{9FBA363D-5A31-49C4-A40D-EE48DE7F4A55}" type="datetimeFigureOut">
               <a:rPr lang="en-US" smtClean="0"/>
-              <a:t>10/27/2020</a:t>
+              <a:t>11/25/2020</a:t>
             </a:fld>
             <a:endParaRPr lang="en-US"/>
           </a:p>
@@ -3364,7 +3385,7 @@
           <a:p>
             <a:fld id="{64DF6793-3458-4587-8168-65F0C37A92D2}" type="datetime2">
               <a:rPr lang="en-US" smtClean="0"/>
-              <a:t>Tuesday, October 27, 2020</a:t>
+              <a:t>Wednesday, November 25, 2020</a:t>
             </a:fld>
             <a:endParaRPr lang="en-US"/>
           </a:p>
@@ -3573,7 +3594,7 @@
           <a:p>
             <a:fld id="{2FA17F0E-8070-4DFE-A821-9A699EDBAD7E}" type="datetime2">
               <a:rPr lang="en-US" smtClean="0"/>
-              <a:t>Tuesday, October 27, 2020</a:t>
+              <a:t>Wednesday, November 25, 2020</a:t>
             </a:fld>
             <a:endParaRPr lang="en-US"/>
           </a:p>
@@ -3785,7 +3806,7 @@
           <a:p>
             <a:fld id="{D88D34AE-C7BF-46E5-A968-01C6641F6476}" type="datetime2">
               <a:rPr lang="en-US" smtClean="0"/>
-              <a:t>Tuesday, October 27, 2020</a:t>
+              <a:t>Wednesday, November 25, 2020</a:t>
             </a:fld>
             <a:endParaRPr lang="en-US"/>
           </a:p>
@@ -4064,7 +4085,7 @@
           <a:p>
             <a:fld id="{9FBA363D-5A31-49C4-A40D-EE48DE7F4A55}" type="datetimeFigureOut">
               <a:rPr lang="en-US" smtClean="0"/>
-              <a:t>10/27/2020</a:t>
+              <a:t>11/25/2020</a:t>
             </a:fld>
             <a:endParaRPr lang="en-US"/>
           </a:p>
@@ -4329,7 +4350,7 @@
           <a:p>
             <a:fld id="{9FBA363D-5A31-49C4-A40D-EE48DE7F4A55}" type="datetimeFigureOut">
               <a:rPr lang="en-US" smtClean="0"/>
-              <a:t>10/27/2020</a:t>
+              <a:t>11/25/2020</a:t>
             </a:fld>
             <a:endParaRPr lang="en-US"/>
           </a:p>
@@ -4741,7 +4762,7 @@
           <a:p>
             <a:fld id="{9FBA363D-5A31-49C4-A40D-EE48DE7F4A55}" type="datetimeFigureOut">
               <a:rPr lang="en-US" smtClean="0"/>
-              <a:t>10/27/2020</a:t>
+              <a:t>11/25/2020</a:t>
             </a:fld>
             <a:endParaRPr lang="en-US"/>
           </a:p>
@@ -4882,7 +4903,7 @@
           <a:p>
             <a:fld id="{9FBA363D-5A31-49C4-A40D-EE48DE7F4A55}" type="datetimeFigureOut">
               <a:rPr lang="en-US" smtClean="0"/>
-              <a:t>10/27/2020</a:t>
+              <a:t>11/25/2020</a:t>
             </a:fld>
             <a:endParaRPr lang="en-US"/>
           </a:p>
@@ -4995,7 +5016,7 @@
           <a:p>
             <a:fld id="{9FBA363D-5A31-49C4-A40D-EE48DE7F4A55}" type="datetimeFigureOut">
               <a:rPr lang="en-US" smtClean="0"/>
-              <a:t>10/27/2020</a:t>
+              <a:t>11/25/2020</a:t>
             </a:fld>
             <a:endParaRPr lang="en-US"/>
           </a:p>
@@ -5306,7 +5327,7 @@
           <a:p>
             <a:fld id="{9FBA363D-5A31-49C4-A40D-EE48DE7F4A55}" type="datetimeFigureOut">
               <a:rPr lang="en-US" smtClean="0"/>
-              <a:t>10/27/2020</a:t>
+              <a:t>11/25/2020</a:t>
             </a:fld>
             <a:endParaRPr lang="en-US"/>
           </a:p>
@@ -5594,7 +5615,7 @@
           <a:p>
             <a:fld id="{9FBA363D-5A31-49C4-A40D-EE48DE7F4A55}" type="datetimeFigureOut">
               <a:rPr lang="en-US" smtClean="0"/>
-              <a:t>10/27/2020</a:t>
+              <a:t>11/25/2020</a:t>
             </a:fld>
             <a:endParaRPr lang="en-US"/>
           </a:p>
@@ -5835,7 +5856,7 @@
           <a:p>
             <a:fld id="{9FBA363D-5A31-49C4-A40D-EE48DE7F4A55}" type="datetimeFigureOut">
               <a:rPr lang="en-US" smtClean="0"/>
-              <a:t>10/27/2020</a:t>
+              <a:t>11/25/2020</a:t>
             </a:fld>
             <a:endParaRPr lang="en-US"/>
           </a:p>
@@ -6511,7 +6532,7 @@
             <a:fld id="{E8352ED3-3C46-4C9A-9738-67B2D875E7E2}" type="datetime2">
               <a:rPr lang="en-US" smtClean="0"/>
               <a:pPr/>
-              <a:t>Tuesday, October 27, 2020</a:t>
+              <a:t>Wednesday, November 25, 2020</a:t>
             </a:fld>
             <a:endParaRPr lang="en-US" dirty="0"/>
           </a:p>
@@ -7837,8 +7858,8 @@
         </p:blipFill>
         <p:spPr bwMode="auto">
           <a:xfrm>
-            <a:off x="5724525" y="1452562"/>
-            <a:ext cx="5817235" cy="5040313"/>
+            <a:off x="5724525" y="1690688"/>
+            <a:ext cx="5629275" cy="4486275"/>
           </a:xfrm>
           <a:prstGeom prst="rect">
             <a:avLst/>
@@ -8112,8 +8133,8 @@
         </p:blipFill>
         <p:spPr bwMode="auto">
           <a:xfrm>
-            <a:off x="5183500" y="1904282"/>
-            <a:ext cx="6170299" cy="4224808"/>
+            <a:off x="5183500" y="1671568"/>
+            <a:ext cx="6170300" cy="4457521"/>
           </a:xfrm>
           <a:prstGeom prst="rect">
             <a:avLst/>
@@ -8364,7 +8385,7 @@
         <p:spPr bwMode="auto">
           <a:xfrm>
             <a:off x="5923280" y="1825625"/>
-            <a:ext cx="5943600" cy="4667250"/>
+            <a:ext cx="5430520" cy="4351338"/>
           </a:xfrm>
           <a:prstGeom prst="rect">
             <a:avLst/>
@@ -8537,8 +8558,8 @@
         </p:nvSpPr>
         <p:spPr>
           <a:xfrm>
-            <a:off x="838200" y="1825625"/>
-            <a:ext cx="4152774" cy="4303464"/>
+            <a:off x="838200" y="2036693"/>
+            <a:ext cx="4152774" cy="4092396"/>
           </a:xfrm>
         </p:spPr>
         <p:txBody>
@@ -8547,6 +8568,7 @@
           </a:bodyPr>
           <a:lstStyle/>
           <a:p>
+            <a:pPr algn="just"/>
             <a:r>
               <a:rPr lang="en-US" sz="2000" b="0" i="0" u="none" strike="noStrike" dirty="0">
                 <a:solidFill>
@@ -8558,6 +8580,7 @@
             </a:r>
           </a:p>
           <a:p>
+            <a:pPr algn="just"/>
             <a:r>
               <a:rPr lang="en-US" sz="2000" b="0" i="0" u="none" strike="noStrike" dirty="0">
                 <a:solidFill>
@@ -8569,6 +8592,7 @@
             </a:r>
           </a:p>
           <a:p>
+            <a:pPr algn="just"/>
             <a:r>
               <a:rPr lang="en-US" sz="2000" b="0" i="0" u="none" strike="noStrike" dirty="0">
                 <a:solidFill>
@@ -8611,8 +8635,8 @@
         </p:blipFill>
         <p:spPr bwMode="auto">
           <a:xfrm>
-            <a:off x="5542280" y="1671568"/>
-            <a:ext cx="5943600" cy="4597152"/>
+            <a:off x="5542280" y="1825625"/>
+            <a:ext cx="5811520" cy="4303464"/>
           </a:xfrm>
           <a:prstGeom prst="rect">
             <a:avLst/>
@@ -8878,7 +8902,7 @@
         <p:spPr bwMode="auto">
           <a:xfrm>
             <a:off x="5829175" y="1671568"/>
-            <a:ext cx="5773545" cy="4546352"/>
+            <a:ext cx="5524625" cy="4457521"/>
           </a:xfrm>
           <a:prstGeom prst="rect">
             <a:avLst/>
@@ -9055,8 +9079,8 @@
         </p:blipFill>
         <p:spPr bwMode="auto">
           <a:xfrm>
-            <a:off x="6096000" y="1485900"/>
-            <a:ext cx="5943600" cy="4833620"/>
+            <a:off x="6096000" y="1690688"/>
+            <a:ext cx="5257800" cy="4351338"/>
           </a:xfrm>
           <a:prstGeom prst="rect">
             <a:avLst/>
@@ -9135,7 +9159,7 @@
               </a:rPr>
             </a:br>
             <a:r>
-              <a:rPr lang="en-US" sz="4000" b="1" dirty="0">
+              <a:rPr lang="en-US" b="1" dirty="0">
                 <a:solidFill>
                   <a:schemeClr val="tx1"/>
                 </a:solidFill>
@@ -9316,8 +9340,8 @@
         </p:blipFill>
         <p:spPr bwMode="auto">
           <a:xfrm>
-            <a:off x="6096000" y="1538604"/>
-            <a:ext cx="5695950" cy="4862195"/>
+            <a:off x="6096000" y="1690688"/>
+            <a:ext cx="5257800" cy="4486275"/>
           </a:xfrm>
           <a:prstGeom prst="rect">
             <a:avLst/>
@@ -9396,7 +9420,7 @@
               </a:rPr>
             </a:br>
             <a:r>
-              <a:rPr lang="en-US" sz="4000" b="1" dirty="0">
+              <a:rPr lang="en-US" b="1" dirty="0">
                 <a:solidFill>
                   <a:schemeClr val="tx1"/>
                 </a:solidFill>
@@ -9579,8 +9603,8 @@
         </p:blipFill>
         <p:spPr bwMode="auto">
           <a:xfrm>
-            <a:off x="6491288" y="1466851"/>
-            <a:ext cx="5000625" cy="5026024"/>
+            <a:off x="6491289" y="1690688"/>
+            <a:ext cx="4862512" cy="4486276"/>
           </a:xfrm>
           <a:prstGeom prst="rect">
             <a:avLst/>
@@ -9632,7 +9656,7 @@
           <p:cNvPr id="2" name="Title 1">
             <a:extLst>
               <a:ext uri="{FF2B5EF4-FFF2-40B4-BE49-F238E27FC236}">
-                <a16:creationId xmlns:a16="http://schemas.microsoft.com/office/drawing/2014/main" id="{BBE4324A-23A1-4148-A01C-8D6029B2F53D}"/>
+                <a16:creationId xmlns:a16="http://schemas.microsoft.com/office/drawing/2014/main" id="{8A092788-B168-42A5-BCF2-75E09F252AE1}"/>
               </a:ext>
             </a:extLst>
           </p:cNvPr>
@@ -9646,16 +9670,39 @@
         <p:spPr/>
         <p:txBody>
           <a:bodyPr>
-            <a:normAutofit/>
+            <a:normAutofit fontScale="90000"/>
           </a:bodyPr>
           <a:lstStyle/>
           <a:p>
-            <a:r>
+            <a:br>
               <a:rPr lang="en-US" sz="4000" b="1" dirty="0">
+                <a:solidFill>
+                  <a:schemeClr val="tx1"/>
+                </a:solidFill>
                 <a:latin typeface="+mn-lt"/>
               </a:rPr>
-              <a:t>Conclusion</a:t>
-            </a:r>
+            </a:br>
+            <a:r>
+              <a:rPr lang="en-US" b="0" i="0" u="none" strike="noStrike" dirty="0">
+                <a:solidFill>
+                  <a:srgbClr val="000000"/>
+                </a:solidFill>
+                <a:effectLst/>
+                <a:latin typeface="+mn-lt"/>
+              </a:rPr>
+              <a:t>Most commonly occurring genres in movies</a:t>
+            </a:r>
+            <a:br>
+              <a:rPr lang="en-US" sz="4000" b="1" dirty="0">
+                <a:solidFill>
+                  <a:schemeClr val="tx1"/>
+                </a:solidFill>
+                <a:latin typeface="+mn-lt"/>
+              </a:rPr>
+            </a:br>
+            <a:endParaRPr lang="en-US" sz="4000" dirty="0">
+              <a:latin typeface="+mn-lt"/>
+            </a:endParaRPr>
           </a:p>
         </p:txBody>
       </p:sp>
@@ -9664,7 +9711,7 @@
           <p:cNvPr id="3" name="Content Placeholder 2">
             <a:extLst>
               <a:ext uri="{FF2B5EF4-FFF2-40B4-BE49-F238E27FC236}">
-                <a16:creationId xmlns:a16="http://schemas.microsoft.com/office/drawing/2014/main" id="{E9CD826B-7382-44DF-B961-99CAA9FA85F2}"/>
+                <a16:creationId xmlns:a16="http://schemas.microsoft.com/office/drawing/2014/main" id="{5700940F-8BF7-4DBF-BD77-64DA689E2303}"/>
               </a:ext>
             </a:extLst>
           </p:cNvPr>
@@ -9675,19 +9722,169 @@
             <p:ph idx="1"/>
           </p:nvPr>
         </p:nvSpPr>
-        <p:spPr/>
-        <p:txBody>
-          <a:bodyPr/>
+        <p:spPr>
+          <a:xfrm>
+            <a:off x="838200" y="1825625"/>
+            <a:ext cx="4810125" cy="4351338"/>
+          </a:xfrm>
+        </p:spPr>
+        <p:txBody>
+          <a:bodyPr>
+            <a:normAutofit fontScale="92500" lnSpcReduction="20000"/>
+          </a:bodyPr>
           <a:lstStyle/>
           <a:p>
-            <a:endParaRPr lang="en-US" dirty="0"/>
-          </a:p>
-        </p:txBody>
-      </p:sp>
+            <a:pPr algn="just"/>
+            <a:r>
+              <a:rPr lang="en-US" sz="2200" dirty="0">
+                <a:solidFill>
+                  <a:srgbClr val="0E101A"/>
+                </a:solidFill>
+                <a:latin typeface="Calibri(Body)"/>
+              </a:rPr>
+              <a:t>TMDB defines 32 different genres for our set of 45,000 movies.</a:t>
+            </a:r>
+          </a:p>
+          <a:p>
+            <a:pPr algn="just"/>
+            <a:endParaRPr lang="en-US" sz="2200" dirty="0">
+              <a:solidFill>
+                <a:srgbClr val="0E101A"/>
+              </a:solidFill>
+              <a:latin typeface="Calibri(Body)"/>
+            </a:endParaRPr>
+          </a:p>
+          <a:p>
+            <a:pPr algn="just" rtl="0">
+              <a:spcBef>
+                <a:spcPts val="0"/>
+              </a:spcBef>
+              <a:spcAft>
+                <a:spcPts val="0"/>
+              </a:spcAft>
+            </a:pPr>
+            <a:r>
+              <a:rPr lang="en-US" sz="2200" dirty="0">
+                <a:solidFill>
+                  <a:srgbClr val="0E101A"/>
+                </a:solidFill>
+                <a:latin typeface="Calibri(Body)"/>
+              </a:rPr>
+              <a:t>Drama is the most commonly occurring genre, with almost half the movies identifying itself as a drama film. </a:t>
+            </a:r>
+          </a:p>
+          <a:p>
+            <a:pPr algn="just"/>
+            <a:r>
+              <a:rPr lang="en-US" sz="2200" dirty="0">
+                <a:solidFill>
+                  <a:srgbClr val="0E101A"/>
+                </a:solidFill>
+                <a:latin typeface="Calibri(Body)"/>
+              </a:rPr>
+              <a:t>Comedy comes in at a distant second, with 25% of the movies having adequate humor doses.</a:t>
+            </a:r>
+          </a:p>
+          <a:p>
+            <a:pPr algn="just"/>
+            <a:endParaRPr lang="en-US" sz="2200" dirty="0">
+              <a:solidFill>
+                <a:srgbClr val="0E101A"/>
+              </a:solidFill>
+              <a:latin typeface="Calibri(Body)"/>
+            </a:endParaRPr>
+          </a:p>
+          <a:p>
+            <a:pPr algn="just" rtl="0">
+              <a:spcBef>
+                <a:spcPts val="0"/>
+              </a:spcBef>
+              <a:spcAft>
+                <a:spcPts val="0"/>
+              </a:spcAft>
+            </a:pPr>
+            <a:r>
+              <a:rPr lang="en-US" sz="2200" dirty="0">
+                <a:solidFill>
+                  <a:srgbClr val="0E101A"/>
+                </a:solidFill>
+                <a:latin typeface="Calibri(Body)"/>
+              </a:rPr>
+              <a:t>Other significant genres represented in the top 10 are Action, Horror, Crime, Mystery, Science Fiction, Animation, and Fantasy.</a:t>
+            </a:r>
+          </a:p>
+          <a:p>
+            <a:pPr marL="0" indent="0">
+              <a:buNone/>
+            </a:pPr>
+            <a:br>
+              <a:rPr lang="en-US" sz="2000" dirty="0">
+                <a:solidFill>
+                  <a:srgbClr val="0E101A"/>
+                </a:solidFill>
+                <a:latin typeface="Calibri(Body)"/>
+              </a:rPr>
+            </a:br>
+            <a:endParaRPr lang="en-US" sz="2000" dirty="0">
+              <a:solidFill>
+                <a:srgbClr val="0E101A"/>
+              </a:solidFill>
+              <a:latin typeface="Calibri(Body)"/>
+            </a:endParaRPr>
+          </a:p>
+        </p:txBody>
+      </p:sp>
+      <p:pic>
+        <p:nvPicPr>
+          <p:cNvPr id="1026" name="Picture 2">
+            <a:extLst>
+              <a:ext uri="{FF2B5EF4-FFF2-40B4-BE49-F238E27FC236}">
+                <a16:creationId xmlns:a16="http://schemas.microsoft.com/office/drawing/2014/main" id="{07907603-7BBE-4E31-BED9-11144F644AB5}"/>
+              </a:ext>
+            </a:extLst>
+          </p:cNvPr>
+          <p:cNvPicPr>
+            <a:picLocks noChangeAspect="1" noChangeArrowheads="1"/>
+          </p:cNvPicPr>
+          <p:nvPr/>
+        </p:nvPicPr>
+        <p:blipFill>
+          <a:blip r:embed="rId2">
+            <a:extLst>
+              <a:ext uri="{28A0092B-C50C-407E-A947-70E740481C1C}">
+                <a14:useLocalDpi xmlns:a14="http://schemas.microsoft.com/office/drawing/2010/main" val="0"/>
+              </a:ext>
+            </a:extLst>
+          </a:blip>
+          <a:srcRect/>
+          <a:stretch>
+            <a:fillRect/>
+          </a:stretch>
+        </p:blipFill>
+        <p:spPr bwMode="auto">
+          <a:xfrm>
+            <a:off x="5648325" y="1825625"/>
+            <a:ext cx="5705475" cy="4351338"/>
+          </a:xfrm>
+          <a:prstGeom prst="rect">
+            <a:avLst/>
+          </a:prstGeom>
+          <a:noFill/>
+          <a:extLst>
+            <a:ext uri="{909E8E84-426E-40DD-AFC4-6F175D3DCCD1}">
+              <a14:hiddenFill xmlns:a14="http://schemas.microsoft.com/office/drawing/2010/main">
+                <a:solidFill>
+                  <a:srgbClr val="FFFFFF"/>
+                </a:solidFill>
+              </a14:hiddenFill>
+            </a:ext>
+          </a:extLst>
+        </p:spPr>
+      </p:pic>
     </p:spTree>
     <p:extLst>
       <p:ext uri="{BB962C8B-B14F-4D97-AF65-F5344CB8AC3E}">
-        <p14:creationId xmlns:p14="http://schemas.microsoft.com/office/powerpoint/2010/main" val="2799266222"/>
+        <p14:creationId xmlns:p14="http://schemas.microsoft.com/office/powerpoint/2010/main" val="686023834"/>
       </p:ext>
     </p:extLst>
   </p:cSld>
@@ -9719,7 +9916,7 @@
           <p:cNvPr id="2" name="Title 1">
             <a:extLst>
               <a:ext uri="{FF2B5EF4-FFF2-40B4-BE49-F238E27FC236}">
-                <a16:creationId xmlns:a16="http://schemas.microsoft.com/office/drawing/2014/main" id="{74DF80FB-A023-4FB2-9EB1-C84928C37821}"/>
+                <a16:creationId xmlns:a16="http://schemas.microsoft.com/office/drawing/2014/main" id="{8A092788-B168-42A5-BCF2-75E09F252AE1}"/>
               </a:ext>
             </a:extLst>
           </p:cNvPr>
@@ -9731,6 +9928,75 @@
           </p:nvPr>
         </p:nvSpPr>
         <p:spPr/>
+        <p:txBody>
+          <a:bodyPr>
+            <a:normAutofit fontScale="90000"/>
+          </a:bodyPr>
+          <a:lstStyle/>
+          <a:p>
+            <a:br>
+              <a:rPr lang="en-US" sz="4000" b="1">
+                <a:solidFill>
+                  <a:schemeClr val="tx1"/>
+                </a:solidFill>
+                <a:latin typeface="+mn-lt"/>
+              </a:rPr>
+            </a:br>
+            <a:r>
+              <a:rPr lang="en-US">
+                <a:solidFill>
+                  <a:srgbClr val="000000"/>
+                </a:solidFill>
+                <a:latin typeface="+mn-lt"/>
+              </a:rPr>
+              <a:t>A</a:t>
+            </a:r>
+            <a:r>
+              <a:rPr lang="en-US" b="0" i="0" u="none" strike="noStrike">
+                <a:solidFill>
+                  <a:srgbClr val="000000"/>
+                </a:solidFill>
+                <a:effectLst/>
+                <a:latin typeface="+mn-lt"/>
+              </a:rPr>
+              <a:t>re some genres more successful than others?</a:t>
+            </a:r>
+            <a:br>
+              <a:rPr lang="en-US" sz="4000" b="1">
+                <a:solidFill>
+                  <a:schemeClr val="tx1"/>
+                </a:solidFill>
+                <a:latin typeface="+mn-lt"/>
+              </a:rPr>
+            </a:br>
+            <a:endParaRPr lang="en-US" sz="4000" dirty="0">
+              <a:latin typeface="+mn-lt"/>
+            </a:endParaRPr>
+          </a:p>
+        </p:txBody>
+      </p:sp>
+      <p:sp>
+        <p:nvSpPr>
+          <p:cNvPr id="3" name="Content Placeholder 2">
+            <a:extLst>
+              <a:ext uri="{FF2B5EF4-FFF2-40B4-BE49-F238E27FC236}">
+                <a16:creationId xmlns:a16="http://schemas.microsoft.com/office/drawing/2014/main" id="{5700940F-8BF7-4DBF-BD77-64DA689E2303}"/>
+              </a:ext>
+            </a:extLst>
+          </p:cNvPr>
+          <p:cNvSpPr>
+            <a:spLocks noGrp="1"/>
+          </p:cNvSpPr>
+          <p:nvPr>
+            <p:ph idx="1"/>
+          </p:nvPr>
+        </p:nvSpPr>
+        <p:spPr>
+          <a:xfrm>
+            <a:off x="838200" y="1825625"/>
+            <a:ext cx="4810125" cy="4351338"/>
+          </a:xfrm>
+        </p:spPr>
         <p:txBody>
           <a:bodyPr>
             <a:normAutofit/>
@@ -9738,60 +10004,133 @@
           <a:lstStyle/>
           <a:p>
             <a:r>
-              <a:rPr lang="en-US" sz="4000" b="1" dirty="0">
-                <a:latin typeface="+mn-lt"/>
-              </a:rPr>
-              <a:t>Recommendation</a:t>
-            </a:r>
-          </a:p>
-        </p:txBody>
-      </p:sp>
-      <p:sp>
-        <p:nvSpPr>
-          <p:cNvPr id="3" name="Content Placeholder 2">
-            <a:extLst>
-              <a:ext uri="{FF2B5EF4-FFF2-40B4-BE49-F238E27FC236}">
-                <a16:creationId xmlns:a16="http://schemas.microsoft.com/office/drawing/2014/main" id="{97DFE3B4-6BF6-4130-AB64-33664C514F52}"/>
-              </a:ext>
-            </a:extLst>
-          </p:cNvPr>
-          <p:cNvSpPr>
-            <a:spLocks noGrp="1"/>
-          </p:cNvSpPr>
-          <p:nvPr>
-            <p:ph idx="1"/>
-          </p:nvPr>
-        </p:nvSpPr>
-        <p:spPr/>
-        <p:txBody>
-          <a:bodyPr>
-            <a:normAutofit/>
-          </a:bodyPr>
-          <a:lstStyle/>
-          <a:p>
-            <a:pPr marL="0" indent="0">
-              <a:buNone/>
-            </a:pPr>
-            <a:br>
-              <a:rPr lang="en-US" sz="1200" dirty="0"/>
-            </a:br>
-            <a:endParaRPr lang="en-US" sz="1800" b="0" i="0" u="none" strike="noStrike" dirty="0">
+              <a:rPr lang="en-US" sz="2000" b="0" i="0" u="none" strike="noStrike" dirty="0">
+                <a:solidFill>
+                  <a:srgbClr val="000000"/>
+                </a:solidFill>
+                <a:effectLst/>
+              </a:rPr>
+              <a:t>Animation movies have the most extensive 25-75 range and the median revenue among all the genres plotted.</a:t>
+            </a:r>
+          </a:p>
+          <a:p>
+            <a:endParaRPr lang="en-US" sz="2000" b="0" i="0" u="none" strike="noStrike" dirty="0">
               <a:solidFill>
                 <a:srgbClr val="0E101A"/>
               </a:solidFill>
               <a:effectLst/>
-              <a:latin typeface="Arial" panose="020B0604020202020204" pitchFamily="34" charset="0"/>
             </a:endParaRPr>
           </a:p>
           <a:p>
-            <a:endParaRPr lang="en-US" dirty="0"/>
-          </a:p>
-        </p:txBody>
-      </p:sp>
+            <a:pPr rtl="0">
+              <a:spcBef>
+                <a:spcPts val="0"/>
+              </a:spcBef>
+              <a:spcAft>
+                <a:spcPts val="0"/>
+              </a:spcAft>
+            </a:pPr>
+            <a:r>
+              <a:rPr lang="en-US" sz="2000" b="0" i="0" u="none" strike="noStrike" dirty="0">
+                <a:solidFill>
+                  <a:srgbClr val="000000"/>
+                </a:solidFill>
+                <a:effectLst/>
+              </a:rPr>
+              <a:t>Family and Adventure have the second and third highest median revenue, respectively. </a:t>
+            </a:r>
+          </a:p>
+          <a:p>
+            <a:pPr rtl="0">
+              <a:spcBef>
+                <a:spcPts val="0"/>
+              </a:spcBef>
+              <a:spcAft>
+                <a:spcPts val="0"/>
+              </a:spcAft>
+            </a:pPr>
+            <a:endParaRPr lang="en-US" sz="2000" dirty="0">
+              <a:solidFill>
+                <a:srgbClr val="000000"/>
+              </a:solidFill>
+            </a:endParaRPr>
+          </a:p>
+          <a:p>
+            <a:pPr rtl="0">
+              <a:spcBef>
+                <a:spcPts val="0"/>
+              </a:spcBef>
+              <a:spcAft>
+                <a:spcPts val="0"/>
+              </a:spcAft>
+            </a:pPr>
+            <a:r>
+              <a:rPr lang="en-US" sz="2000" b="0" i="0" u="none" strike="noStrike" dirty="0">
+                <a:solidFill>
+                  <a:srgbClr val="000000"/>
+                </a:solidFill>
+                <a:effectLst/>
+              </a:rPr>
+              <a:t> It is surreal to know that Romance and Drama have the lowest median revenue compared to other genres.</a:t>
+            </a:r>
+            <a:br>
+              <a:rPr lang="en-US" sz="2000" dirty="0"/>
+            </a:br>
+            <a:endParaRPr lang="en-US" sz="2000" dirty="0"/>
+          </a:p>
+        </p:txBody>
+      </p:sp>
+      <p:pic>
+        <p:nvPicPr>
+          <p:cNvPr id="2050" name="Picture 2">
+            <a:extLst>
+              <a:ext uri="{FF2B5EF4-FFF2-40B4-BE49-F238E27FC236}">
+                <a16:creationId xmlns:a16="http://schemas.microsoft.com/office/drawing/2014/main" id="{D0EFA7E8-1820-44A9-9C3B-A93E8BCA6C3C}"/>
+              </a:ext>
+            </a:extLst>
+          </p:cNvPr>
+          <p:cNvPicPr>
+            <a:picLocks noChangeAspect="1" noChangeArrowheads="1"/>
+          </p:cNvPicPr>
+          <p:nvPr/>
+        </p:nvPicPr>
+        <p:blipFill>
+          <a:blip r:embed="rId2">
+            <a:extLst>
+              <a:ext uri="{28A0092B-C50C-407E-A947-70E740481C1C}">
+                <a14:useLocalDpi xmlns:a14="http://schemas.microsoft.com/office/drawing/2010/main" val="0"/>
+              </a:ext>
+            </a:extLst>
+          </a:blip>
+          <a:srcRect/>
+          <a:stretch>
+            <a:fillRect/>
+          </a:stretch>
+        </p:blipFill>
+        <p:spPr bwMode="auto">
+          <a:xfrm>
+            <a:off x="5775325" y="1690688"/>
+            <a:ext cx="5578475" cy="4486275"/>
+          </a:xfrm>
+          <a:prstGeom prst="rect">
+            <a:avLst/>
+          </a:prstGeom>
+          <a:noFill/>
+          <a:extLst>
+            <a:ext uri="{909E8E84-426E-40DD-AFC4-6F175D3DCCD1}">
+              <a14:hiddenFill xmlns:a14="http://schemas.microsoft.com/office/drawing/2010/main">
+                <a:solidFill>
+                  <a:srgbClr val="FFFFFF"/>
+                </a:solidFill>
+              </a14:hiddenFill>
+            </a:ext>
+          </a:extLst>
+        </p:spPr>
+      </p:pic>
     </p:spTree>
     <p:extLst>
       <p:ext uri="{BB962C8B-B14F-4D97-AF65-F5344CB8AC3E}">
-        <p14:creationId xmlns:p14="http://schemas.microsoft.com/office/powerpoint/2010/main" val="3309722523"/>
+        <p14:creationId xmlns:p14="http://schemas.microsoft.com/office/powerpoint/2010/main" val="2426007195"/>
       </p:ext>
     </p:extLst>
   </p:cSld>
@@ -9907,15 +10246,9 @@
             </a:r>
           </a:p>
           <a:p>
-            <a:r>
-              <a:rPr lang="en-US" b="1" dirty="0">
-                <a:latin typeface="+mn-lt"/>
-              </a:rPr>
-              <a:t>Recommendation</a:t>
-            </a:r>
-            <a:endParaRPr lang="en-US" b="1" dirty="0"/>
-          </a:p>
-          <a:p>
+            <a:pPr marL="0" indent="0">
+              <a:buNone/>
+            </a:pPr>
             <a:endParaRPr lang="en-US" dirty="0"/>
           </a:p>
         </p:txBody>
@@ -9934,6 +10267,4664 @@
 </file>
 
 <file path=ppt/slides/slide20.xml><?xml version="1.0" encoding="utf-8"?>
+<p:sld xmlns:a="http://schemas.openxmlformats.org/drawingml/2006/main" xmlns:r="http://schemas.openxmlformats.org/officeDocument/2006/relationships" xmlns:p="http://schemas.openxmlformats.org/presentationml/2006/main">
+  <p:cSld>
+    <p:spTree>
+      <p:nvGrpSpPr>
+        <p:cNvPr id="1" name=""/>
+        <p:cNvGrpSpPr/>
+        <p:nvPr/>
+      </p:nvGrpSpPr>
+      <p:grpSpPr>
+        <a:xfrm>
+          <a:off x="0" y="0"/>
+          <a:ext cx="0" cy="0"/>
+          <a:chOff x="0" y="0"/>
+          <a:chExt cx="0" cy="0"/>
+        </a:xfrm>
+      </p:grpSpPr>
+      <p:sp>
+        <p:nvSpPr>
+          <p:cNvPr id="2" name="Title 1">
+            <a:extLst>
+              <a:ext uri="{FF2B5EF4-FFF2-40B4-BE49-F238E27FC236}">
+                <a16:creationId xmlns:a16="http://schemas.microsoft.com/office/drawing/2014/main" id="{8A092788-B168-42A5-BCF2-75E09F252AE1}"/>
+              </a:ext>
+            </a:extLst>
+          </p:cNvPr>
+          <p:cNvSpPr>
+            <a:spLocks noGrp="1"/>
+          </p:cNvSpPr>
+          <p:nvPr>
+            <p:ph type="title"/>
+          </p:nvPr>
+        </p:nvSpPr>
+        <p:spPr/>
+        <p:txBody>
+          <a:bodyPr>
+            <a:normAutofit fontScale="90000"/>
+          </a:bodyPr>
+          <a:lstStyle/>
+          <a:p>
+            <a:br>
+              <a:rPr lang="en-US" sz="4000" b="1">
+                <a:solidFill>
+                  <a:schemeClr val="tx1"/>
+                </a:solidFill>
+                <a:latin typeface="+mn-lt"/>
+              </a:rPr>
+            </a:br>
+            <a:r>
+              <a:rPr lang="en-US">
+                <a:solidFill>
+                  <a:srgbClr val="000000"/>
+                </a:solidFill>
+                <a:latin typeface="+mn-lt"/>
+              </a:rPr>
+              <a:t>A</a:t>
+            </a:r>
+            <a:r>
+              <a:rPr lang="en-US" b="0" i="0" u="none" strike="noStrike">
+                <a:solidFill>
+                  <a:srgbClr val="000000"/>
+                </a:solidFill>
+                <a:effectLst/>
+                <a:latin typeface="+mn-lt"/>
+              </a:rPr>
+              <a:t>re some genres more successful than others?</a:t>
+            </a:r>
+            <a:br>
+              <a:rPr lang="en-US" sz="4000" b="1">
+                <a:solidFill>
+                  <a:schemeClr val="tx1"/>
+                </a:solidFill>
+                <a:latin typeface="+mn-lt"/>
+              </a:rPr>
+            </a:br>
+            <a:endParaRPr lang="en-US" sz="4000" dirty="0">
+              <a:latin typeface="+mn-lt"/>
+            </a:endParaRPr>
+          </a:p>
+        </p:txBody>
+      </p:sp>
+      <p:sp>
+        <p:nvSpPr>
+          <p:cNvPr id="3" name="Content Placeholder 2">
+            <a:extLst>
+              <a:ext uri="{FF2B5EF4-FFF2-40B4-BE49-F238E27FC236}">
+                <a16:creationId xmlns:a16="http://schemas.microsoft.com/office/drawing/2014/main" id="{5700940F-8BF7-4DBF-BD77-64DA689E2303}"/>
+              </a:ext>
+            </a:extLst>
+          </p:cNvPr>
+          <p:cNvSpPr>
+            <a:spLocks noGrp="1"/>
+          </p:cNvSpPr>
+          <p:nvPr>
+            <p:ph idx="1"/>
+          </p:nvPr>
+        </p:nvSpPr>
+        <p:spPr>
+          <a:xfrm>
+            <a:off x="838200" y="1825625"/>
+            <a:ext cx="4810125" cy="4216401"/>
+          </a:xfrm>
+        </p:spPr>
+        <p:txBody>
+          <a:bodyPr>
+            <a:normAutofit/>
+          </a:bodyPr>
+          <a:lstStyle/>
+          <a:p>
+            <a:pPr rtl="0">
+              <a:spcBef>
+                <a:spcPts val="0"/>
+              </a:spcBef>
+              <a:spcAft>
+                <a:spcPts val="0"/>
+              </a:spcAft>
+            </a:pPr>
+            <a:r>
+              <a:rPr lang="en-US" sz="2000" b="0" i="0" u="none" strike="noStrike" dirty="0">
+                <a:solidFill>
+                  <a:srgbClr val="000000"/>
+                </a:solidFill>
+                <a:effectLst/>
+              </a:rPr>
+              <a:t>Animation Movies tend to yield the highest returns on average. Horror Movies also tend to be a good yield.</a:t>
+            </a:r>
+            <a:br>
+              <a:rPr lang="en-US" sz="1400" dirty="0"/>
+            </a:br>
+            <a:endParaRPr lang="en-US" dirty="0"/>
+          </a:p>
+        </p:txBody>
+      </p:sp>
+      <p:pic>
+        <p:nvPicPr>
+          <p:cNvPr id="3074" name="Picture 2">
+            <a:extLst>
+              <a:ext uri="{FF2B5EF4-FFF2-40B4-BE49-F238E27FC236}">
+                <a16:creationId xmlns:a16="http://schemas.microsoft.com/office/drawing/2014/main" id="{3BC23FD3-3AEE-460B-9650-40680DFD6F67}"/>
+              </a:ext>
+            </a:extLst>
+          </p:cNvPr>
+          <p:cNvPicPr>
+            <a:picLocks noChangeAspect="1" noChangeArrowheads="1"/>
+          </p:cNvPicPr>
+          <p:nvPr/>
+        </p:nvPicPr>
+        <p:blipFill>
+          <a:blip r:embed="rId2">
+            <a:extLst>
+              <a:ext uri="{28A0092B-C50C-407E-A947-70E740481C1C}">
+                <a14:useLocalDpi xmlns:a14="http://schemas.microsoft.com/office/drawing/2010/main" val="0"/>
+              </a:ext>
+            </a:extLst>
+          </a:blip>
+          <a:srcRect/>
+          <a:stretch>
+            <a:fillRect/>
+          </a:stretch>
+        </p:blipFill>
+        <p:spPr bwMode="auto">
+          <a:xfrm>
+            <a:off x="5648325" y="1690688"/>
+            <a:ext cx="5705475" cy="4351338"/>
+          </a:xfrm>
+          <a:prstGeom prst="rect">
+            <a:avLst/>
+          </a:prstGeom>
+          <a:noFill/>
+          <a:extLst>
+            <a:ext uri="{909E8E84-426E-40DD-AFC4-6F175D3DCCD1}">
+              <a14:hiddenFill xmlns:a14="http://schemas.microsoft.com/office/drawing/2010/main">
+                <a:solidFill>
+                  <a:srgbClr val="FFFFFF"/>
+                </a:solidFill>
+              </a14:hiddenFill>
+            </a:ext>
+          </a:extLst>
+        </p:spPr>
+      </p:pic>
+    </p:spTree>
+    <p:extLst>
+      <p:ext uri="{BB962C8B-B14F-4D97-AF65-F5344CB8AC3E}">
+        <p14:creationId xmlns:p14="http://schemas.microsoft.com/office/powerpoint/2010/main" val="3286907198"/>
+      </p:ext>
+    </p:extLst>
+  </p:cSld>
+  <p:clrMapOvr>
+    <a:masterClrMapping/>
+  </p:clrMapOvr>
+</p:sld>
+</file>
+
+<file path=ppt/slides/slide21.xml><?xml version="1.0" encoding="utf-8"?>
+<p:sld xmlns:a="http://schemas.openxmlformats.org/drawingml/2006/main" xmlns:r="http://schemas.openxmlformats.org/officeDocument/2006/relationships" xmlns:p="http://schemas.openxmlformats.org/presentationml/2006/main">
+  <p:cSld>
+    <p:spTree>
+      <p:nvGrpSpPr>
+        <p:cNvPr id="1" name=""/>
+        <p:cNvGrpSpPr/>
+        <p:nvPr/>
+      </p:nvGrpSpPr>
+      <p:grpSpPr>
+        <a:xfrm>
+          <a:off x="0" y="0"/>
+          <a:ext cx="0" cy="0"/>
+          <a:chOff x="0" y="0"/>
+          <a:chExt cx="0" cy="0"/>
+        </a:xfrm>
+      </p:grpSpPr>
+      <p:sp>
+        <p:nvSpPr>
+          <p:cNvPr id="2" name="Title 1">
+            <a:extLst>
+              <a:ext uri="{FF2B5EF4-FFF2-40B4-BE49-F238E27FC236}">
+                <a16:creationId xmlns:a16="http://schemas.microsoft.com/office/drawing/2014/main" id="{8A092788-B168-42A5-BCF2-75E09F252AE1}"/>
+              </a:ext>
+            </a:extLst>
+          </p:cNvPr>
+          <p:cNvSpPr>
+            <a:spLocks noGrp="1"/>
+          </p:cNvSpPr>
+          <p:nvPr>
+            <p:ph type="title"/>
+          </p:nvPr>
+        </p:nvSpPr>
+        <p:spPr/>
+        <p:txBody>
+          <a:bodyPr>
+            <a:normAutofit/>
+          </a:bodyPr>
+          <a:lstStyle/>
+          <a:p>
+            <a:br>
+              <a:rPr lang="en-US" sz="4000" b="1" dirty="0">
+                <a:solidFill>
+                  <a:schemeClr val="tx1"/>
+                </a:solidFill>
+                <a:latin typeface="+mn-lt"/>
+              </a:rPr>
+            </a:br>
+            <a:r>
+              <a:rPr lang="en-US" sz="4000" b="1" i="0" u="none" strike="noStrike" dirty="0">
+                <a:solidFill>
+                  <a:srgbClr val="0E101A"/>
+                </a:solidFill>
+                <a:effectLst/>
+                <a:latin typeface="+mn-lt"/>
+              </a:rPr>
+              <a:t>Content-based recommenders:</a:t>
+            </a:r>
+            <a:endParaRPr lang="en-US" sz="4000" dirty="0">
+              <a:latin typeface="+mn-lt"/>
+            </a:endParaRPr>
+          </a:p>
+        </p:txBody>
+      </p:sp>
+      <p:sp>
+        <p:nvSpPr>
+          <p:cNvPr id="3" name="Content Placeholder 2">
+            <a:extLst>
+              <a:ext uri="{FF2B5EF4-FFF2-40B4-BE49-F238E27FC236}">
+                <a16:creationId xmlns:a16="http://schemas.microsoft.com/office/drawing/2014/main" id="{5700940F-8BF7-4DBF-BD77-64DA689E2303}"/>
+              </a:ext>
+            </a:extLst>
+          </p:cNvPr>
+          <p:cNvSpPr>
+            <a:spLocks noGrp="1"/>
+          </p:cNvSpPr>
+          <p:nvPr>
+            <p:ph idx="1"/>
+          </p:nvPr>
+        </p:nvSpPr>
+        <p:spPr>
+          <a:xfrm>
+            <a:off x="838200" y="1825625"/>
+            <a:ext cx="10515600" cy="4216401"/>
+          </a:xfrm>
+        </p:spPr>
+        <p:txBody>
+          <a:bodyPr>
+            <a:normAutofit/>
+          </a:bodyPr>
+          <a:lstStyle/>
+          <a:p>
+            <a:pPr rtl="0">
+              <a:spcBef>
+                <a:spcPts val="0"/>
+              </a:spcBef>
+              <a:spcAft>
+                <a:spcPts val="0"/>
+              </a:spcAft>
+            </a:pPr>
+            <a:r>
+              <a:rPr lang="en-US" sz="2000" b="0" i="0" u="none" strike="noStrike" dirty="0">
+                <a:solidFill>
+                  <a:srgbClr val="0E101A"/>
+                </a:solidFill>
+                <a:effectLst/>
+              </a:rPr>
+              <a:t>suggest similar items based on a particular item</a:t>
+            </a:r>
+          </a:p>
+          <a:p>
+            <a:pPr rtl="0">
+              <a:spcBef>
+                <a:spcPts val="0"/>
+              </a:spcBef>
+              <a:spcAft>
+                <a:spcPts val="0"/>
+              </a:spcAft>
+            </a:pPr>
+            <a:endParaRPr lang="en-US" sz="2000" b="0" i="0" u="none" strike="noStrike" dirty="0">
+              <a:solidFill>
+                <a:srgbClr val="0E101A"/>
+              </a:solidFill>
+              <a:effectLst/>
+            </a:endParaRPr>
+          </a:p>
+          <a:p>
+            <a:pPr rtl="0">
+              <a:spcBef>
+                <a:spcPts val="0"/>
+              </a:spcBef>
+              <a:spcAft>
+                <a:spcPts val="0"/>
+              </a:spcAft>
+            </a:pPr>
+            <a:r>
+              <a:rPr lang="en-US" sz="2000" b="0" i="0" u="none" strike="noStrike" dirty="0">
+                <a:solidFill>
+                  <a:srgbClr val="0E101A"/>
+                </a:solidFill>
+                <a:effectLst/>
+              </a:rPr>
+              <a:t>This system uses item metadata, such as genre, director, description, actors, etc. for movies, to make these recommendations.</a:t>
+            </a:r>
+          </a:p>
+          <a:p>
+            <a:pPr rtl="0">
+              <a:spcBef>
+                <a:spcPts val="0"/>
+              </a:spcBef>
+              <a:spcAft>
+                <a:spcPts val="0"/>
+              </a:spcAft>
+            </a:pPr>
+            <a:endParaRPr lang="en-US" sz="2000" dirty="0">
+              <a:solidFill>
+                <a:srgbClr val="0E101A"/>
+              </a:solidFill>
+            </a:endParaRPr>
+          </a:p>
+          <a:p>
+            <a:pPr rtl="0">
+              <a:spcBef>
+                <a:spcPts val="0"/>
+              </a:spcBef>
+              <a:spcAft>
+                <a:spcPts val="0"/>
+              </a:spcAft>
+            </a:pPr>
+            <a:r>
+              <a:rPr lang="en-US" sz="2000" b="0" i="0" u="none" strike="noStrike" dirty="0">
+                <a:solidFill>
+                  <a:srgbClr val="0E101A"/>
+                </a:solidFill>
+                <a:effectLst/>
+              </a:rPr>
+              <a:t>The general idea behind these recommender systems is that if a person likes a particular item, they will also enjoy an item that is similar to it.</a:t>
+            </a:r>
+          </a:p>
+          <a:p>
+            <a:pPr rtl="0">
+              <a:spcBef>
+                <a:spcPts val="0"/>
+              </a:spcBef>
+              <a:spcAft>
+                <a:spcPts val="0"/>
+              </a:spcAft>
+            </a:pPr>
+            <a:endParaRPr lang="en-US" sz="2000" b="0" i="0" u="none" strike="noStrike" dirty="0">
+              <a:solidFill>
+                <a:srgbClr val="0E101A"/>
+              </a:solidFill>
+              <a:effectLst/>
+            </a:endParaRPr>
+          </a:p>
+          <a:p>
+            <a:pPr rtl="0">
+              <a:spcBef>
+                <a:spcPts val="0"/>
+              </a:spcBef>
+              <a:spcAft>
+                <a:spcPts val="0"/>
+              </a:spcAft>
+            </a:pPr>
+            <a:r>
+              <a:rPr lang="en-US" sz="2000" b="0" i="0" u="none" strike="noStrike" dirty="0">
+                <a:solidFill>
+                  <a:srgbClr val="0E101A"/>
+                </a:solidFill>
+                <a:effectLst/>
+              </a:rPr>
+              <a:t>And to recommend that, it will make use of the user's past item metadata. </a:t>
+            </a:r>
+            <a:endParaRPr lang="en-US" sz="2000" b="0" dirty="0">
+              <a:effectLst/>
+            </a:endParaRPr>
+          </a:p>
+          <a:p>
+            <a:pPr marL="0" indent="0">
+              <a:buNone/>
+            </a:pPr>
+            <a:br>
+              <a:rPr lang="en-US" sz="1050" dirty="0"/>
+            </a:br>
+            <a:br>
+              <a:rPr lang="en-US" sz="1400" dirty="0"/>
+            </a:br>
+            <a:endParaRPr lang="en-US" dirty="0"/>
+          </a:p>
+        </p:txBody>
+      </p:sp>
+    </p:spTree>
+    <p:extLst>
+      <p:ext uri="{BB962C8B-B14F-4D97-AF65-F5344CB8AC3E}">
+        <p14:creationId xmlns:p14="http://schemas.microsoft.com/office/powerpoint/2010/main" val="4064602443"/>
+      </p:ext>
+    </p:extLst>
+  </p:cSld>
+  <p:clrMapOvr>
+    <a:masterClrMapping/>
+  </p:clrMapOvr>
+</p:sld>
+</file>
+
+<file path=ppt/slides/slide22.xml><?xml version="1.0" encoding="utf-8"?>
+<p:sld xmlns:a="http://schemas.openxmlformats.org/drawingml/2006/main" xmlns:r="http://schemas.openxmlformats.org/officeDocument/2006/relationships" xmlns:p="http://schemas.openxmlformats.org/presentationml/2006/main">
+  <p:cSld>
+    <p:spTree>
+      <p:nvGrpSpPr>
+        <p:cNvPr id="1" name=""/>
+        <p:cNvGrpSpPr/>
+        <p:nvPr/>
+      </p:nvGrpSpPr>
+      <p:grpSpPr>
+        <a:xfrm>
+          <a:off x="0" y="0"/>
+          <a:ext cx="0" cy="0"/>
+          <a:chOff x="0" y="0"/>
+          <a:chExt cx="0" cy="0"/>
+        </a:xfrm>
+      </p:grpSpPr>
+      <p:sp>
+        <p:nvSpPr>
+          <p:cNvPr id="2" name="Title 1">
+            <a:extLst>
+              <a:ext uri="{FF2B5EF4-FFF2-40B4-BE49-F238E27FC236}">
+                <a16:creationId xmlns:a16="http://schemas.microsoft.com/office/drawing/2014/main" id="{8A092788-B168-42A5-BCF2-75E09F252AE1}"/>
+              </a:ext>
+            </a:extLst>
+          </p:cNvPr>
+          <p:cNvSpPr>
+            <a:spLocks noGrp="1"/>
+          </p:cNvSpPr>
+          <p:nvPr>
+            <p:ph type="title"/>
+          </p:nvPr>
+        </p:nvSpPr>
+        <p:spPr/>
+        <p:txBody>
+          <a:bodyPr>
+            <a:normAutofit/>
+          </a:bodyPr>
+          <a:lstStyle/>
+          <a:p>
+            <a:br>
+              <a:rPr lang="en-US" sz="4000" b="1" dirty="0">
+                <a:solidFill>
+                  <a:schemeClr val="tx1"/>
+                </a:solidFill>
+                <a:latin typeface="+mn-lt"/>
+              </a:rPr>
+            </a:br>
+            <a:r>
+              <a:rPr lang="en-US" sz="4000" b="1" i="0" u="none" strike="noStrike" dirty="0">
+                <a:solidFill>
+                  <a:srgbClr val="0E101A"/>
+                </a:solidFill>
+                <a:effectLst/>
+                <a:latin typeface="+mn-lt"/>
+              </a:rPr>
+              <a:t>Collaborative Filtering recommenders:</a:t>
+            </a:r>
+            <a:endParaRPr lang="en-US" sz="4000" dirty="0">
+              <a:latin typeface="+mn-lt"/>
+            </a:endParaRPr>
+          </a:p>
+        </p:txBody>
+      </p:sp>
+      <p:sp>
+        <p:nvSpPr>
+          <p:cNvPr id="3" name="Content Placeholder 2">
+            <a:extLst>
+              <a:ext uri="{FF2B5EF4-FFF2-40B4-BE49-F238E27FC236}">
+                <a16:creationId xmlns:a16="http://schemas.microsoft.com/office/drawing/2014/main" id="{5700940F-8BF7-4DBF-BD77-64DA689E2303}"/>
+              </a:ext>
+            </a:extLst>
+          </p:cNvPr>
+          <p:cNvSpPr>
+            <a:spLocks noGrp="1"/>
+          </p:cNvSpPr>
+          <p:nvPr>
+            <p:ph idx="1"/>
+          </p:nvPr>
+        </p:nvSpPr>
+        <p:spPr>
+          <a:xfrm>
+            <a:off x="838200" y="1825625"/>
+            <a:ext cx="10515600" cy="4216401"/>
+          </a:xfrm>
+        </p:spPr>
+        <p:txBody>
+          <a:bodyPr>
+            <a:normAutofit/>
+          </a:bodyPr>
+          <a:lstStyle/>
+          <a:p>
+            <a:pPr rtl="0">
+              <a:spcBef>
+                <a:spcPts val="0"/>
+              </a:spcBef>
+              <a:spcAft>
+                <a:spcPts val="0"/>
+              </a:spcAft>
+            </a:pPr>
+            <a:r>
+              <a:rPr lang="en-US" sz="2000" dirty="0">
+                <a:solidFill>
+                  <a:srgbClr val="0E101A"/>
+                </a:solidFill>
+              </a:rPr>
+              <a:t>They try to predict the rating or preference that a user would give an item-based on past ratings and other users' preferences.</a:t>
+            </a:r>
+          </a:p>
+          <a:p>
+            <a:pPr rtl="0">
+              <a:spcBef>
+                <a:spcPts val="0"/>
+              </a:spcBef>
+              <a:spcAft>
+                <a:spcPts val="0"/>
+              </a:spcAft>
+            </a:pPr>
+            <a:endParaRPr lang="en-US" sz="2000" dirty="0">
+              <a:solidFill>
+                <a:srgbClr val="0E101A"/>
+              </a:solidFill>
+            </a:endParaRPr>
+          </a:p>
+          <a:p>
+            <a:pPr rtl="0">
+              <a:spcBef>
+                <a:spcPts val="0"/>
+              </a:spcBef>
+              <a:spcAft>
+                <a:spcPts val="0"/>
+              </a:spcAft>
+            </a:pPr>
+            <a:r>
+              <a:rPr lang="en-US" sz="2000" dirty="0">
+                <a:solidFill>
+                  <a:srgbClr val="0E101A"/>
+                </a:solidFill>
+              </a:rPr>
+              <a:t>Collaborative filters do not require item metadata like its content-based counterparts. </a:t>
+            </a:r>
+            <a:br>
+              <a:rPr lang="en-US" sz="1050" dirty="0"/>
+            </a:br>
+            <a:br>
+              <a:rPr lang="en-US" sz="1400" dirty="0"/>
+            </a:br>
+            <a:endParaRPr lang="en-US" dirty="0"/>
+          </a:p>
+        </p:txBody>
+      </p:sp>
+    </p:spTree>
+    <p:extLst>
+      <p:ext uri="{BB962C8B-B14F-4D97-AF65-F5344CB8AC3E}">
+        <p14:creationId xmlns:p14="http://schemas.microsoft.com/office/powerpoint/2010/main" val="2354240313"/>
+      </p:ext>
+    </p:extLst>
+  </p:cSld>
+  <p:clrMapOvr>
+    <a:masterClrMapping/>
+  </p:clrMapOvr>
+</p:sld>
+</file>
+
+<file path=ppt/slides/slide23.xml><?xml version="1.0" encoding="utf-8"?>
+<p:sld xmlns:a="http://schemas.openxmlformats.org/drawingml/2006/main" xmlns:r="http://schemas.openxmlformats.org/officeDocument/2006/relationships" xmlns:p="http://schemas.openxmlformats.org/presentationml/2006/main">
+  <p:cSld>
+    <p:spTree>
+      <p:nvGrpSpPr>
+        <p:cNvPr id="1" name=""/>
+        <p:cNvGrpSpPr/>
+        <p:nvPr/>
+      </p:nvGrpSpPr>
+      <p:grpSpPr>
+        <a:xfrm>
+          <a:off x="0" y="0"/>
+          <a:ext cx="0" cy="0"/>
+          <a:chOff x="0" y="0"/>
+          <a:chExt cx="0" cy="0"/>
+        </a:xfrm>
+      </p:grpSpPr>
+      <p:sp>
+        <p:nvSpPr>
+          <p:cNvPr id="2" name="Title 1">
+            <a:extLst>
+              <a:ext uri="{FF2B5EF4-FFF2-40B4-BE49-F238E27FC236}">
+                <a16:creationId xmlns:a16="http://schemas.microsoft.com/office/drawing/2014/main" id="{8A092788-B168-42A5-BCF2-75E09F252AE1}"/>
+              </a:ext>
+            </a:extLst>
+          </p:cNvPr>
+          <p:cNvSpPr>
+            <a:spLocks noGrp="1"/>
+          </p:cNvSpPr>
+          <p:nvPr>
+            <p:ph type="title"/>
+          </p:nvPr>
+        </p:nvSpPr>
+        <p:spPr/>
+        <p:txBody>
+          <a:bodyPr>
+            <a:normAutofit/>
+          </a:bodyPr>
+          <a:lstStyle/>
+          <a:p>
+            <a:br>
+              <a:rPr lang="en-US" sz="4000" b="1" dirty="0">
+                <a:solidFill>
+                  <a:schemeClr val="tx1"/>
+                </a:solidFill>
+                <a:latin typeface="+mn-lt"/>
+              </a:rPr>
+            </a:br>
+            <a:r>
+              <a:rPr lang="en-US" sz="4000" b="1" i="0" u="none" strike="noStrike" dirty="0">
+                <a:solidFill>
+                  <a:srgbClr val="0E101A"/>
+                </a:solidFill>
+                <a:effectLst/>
+                <a:latin typeface="+mn-lt"/>
+              </a:rPr>
+              <a:t>Simple recommender:</a:t>
+            </a:r>
+            <a:endParaRPr lang="en-US" sz="4000" dirty="0">
+              <a:latin typeface="+mn-lt"/>
+            </a:endParaRPr>
+          </a:p>
+        </p:txBody>
+      </p:sp>
+      <p:sp>
+        <p:nvSpPr>
+          <p:cNvPr id="3" name="Content Placeholder 2">
+            <a:extLst>
+              <a:ext uri="{FF2B5EF4-FFF2-40B4-BE49-F238E27FC236}">
+                <a16:creationId xmlns:a16="http://schemas.microsoft.com/office/drawing/2014/main" id="{5700940F-8BF7-4DBF-BD77-64DA689E2303}"/>
+              </a:ext>
+            </a:extLst>
+          </p:cNvPr>
+          <p:cNvSpPr>
+            <a:spLocks noGrp="1"/>
+          </p:cNvSpPr>
+          <p:nvPr>
+            <p:ph idx="1"/>
+          </p:nvPr>
+        </p:nvSpPr>
+        <p:spPr>
+          <a:xfrm>
+            <a:off x="838200" y="1825625"/>
+            <a:ext cx="10515600" cy="4216401"/>
+          </a:xfrm>
+        </p:spPr>
+        <p:txBody>
+          <a:bodyPr>
+            <a:normAutofit lnSpcReduction="10000"/>
+          </a:bodyPr>
+          <a:lstStyle/>
+          <a:p>
+            <a:pPr>
+              <a:spcBef>
+                <a:spcPts val="0"/>
+              </a:spcBef>
+            </a:pPr>
+            <a:r>
+              <a:rPr lang="en-US" sz="2000" b="0" i="0" u="none" strike="noStrike" dirty="0">
+                <a:solidFill>
+                  <a:srgbClr val="0E101A"/>
+                </a:solidFill>
+                <a:effectLst/>
+              </a:rPr>
+              <a:t>The Simple Recommender offers generalized recommendations to every user based on movie popularity and genre.</a:t>
+            </a:r>
+          </a:p>
+          <a:p>
+            <a:pPr>
+              <a:spcBef>
+                <a:spcPts val="0"/>
+              </a:spcBef>
+            </a:pPr>
+            <a:endParaRPr lang="en-US" sz="2000" dirty="0">
+              <a:solidFill>
+                <a:srgbClr val="0E101A"/>
+              </a:solidFill>
+            </a:endParaRPr>
+          </a:p>
+          <a:p>
+            <a:pPr>
+              <a:spcBef>
+                <a:spcPts val="0"/>
+              </a:spcBef>
+            </a:pPr>
+            <a:r>
+              <a:rPr lang="en-US" sz="2000" b="0" i="0" u="none" strike="noStrike" dirty="0">
+                <a:solidFill>
+                  <a:srgbClr val="0E101A"/>
+                </a:solidFill>
+                <a:effectLst/>
+              </a:rPr>
+              <a:t>The basic idea behind this Recommender is that movies with more votes and more positive critic reception will have a higher probability of being liked by the average audience</a:t>
+            </a:r>
+          </a:p>
+          <a:p>
+            <a:pPr>
+              <a:spcBef>
+                <a:spcPts val="0"/>
+              </a:spcBef>
+            </a:pPr>
+            <a:endParaRPr lang="en-US" sz="2000" dirty="0">
+              <a:solidFill>
+                <a:srgbClr val="0E101A"/>
+              </a:solidFill>
+            </a:endParaRPr>
+          </a:p>
+          <a:p>
+            <a:pPr>
+              <a:spcBef>
+                <a:spcPts val="0"/>
+              </a:spcBef>
+            </a:pPr>
+            <a:r>
+              <a:rPr lang="en-US" sz="2000" b="0" i="0" u="none" strike="noStrike" dirty="0">
+                <a:solidFill>
+                  <a:srgbClr val="0E101A"/>
+                </a:solidFill>
+                <a:effectLst/>
+              </a:rPr>
+              <a:t>This model does not give personalized recommendations based on the user.</a:t>
+            </a:r>
+          </a:p>
+          <a:p>
+            <a:pPr>
+              <a:spcBef>
+                <a:spcPts val="0"/>
+              </a:spcBef>
+            </a:pPr>
+            <a:endParaRPr lang="en-US" sz="2000" dirty="0">
+              <a:solidFill>
+                <a:srgbClr val="0E101A"/>
+              </a:solidFill>
+            </a:endParaRPr>
+          </a:p>
+          <a:p>
+            <a:pPr algn="just">
+              <a:spcBef>
+                <a:spcPts val="0"/>
+              </a:spcBef>
+            </a:pPr>
+            <a:r>
+              <a:rPr lang="en-US" sz="2000" b="0" i="0" u="none" strike="noStrike" dirty="0">
+                <a:solidFill>
+                  <a:srgbClr val="0E101A"/>
+                </a:solidFill>
+                <a:effectLst/>
+              </a:rPr>
+              <a:t>In simple terms, this is like searching "Top 10 Good romantic movies of all time" in any search engine.</a:t>
+            </a:r>
+          </a:p>
+          <a:p>
+            <a:pPr marL="0" indent="0" algn="just">
+              <a:spcBef>
+                <a:spcPts val="0"/>
+              </a:spcBef>
+              <a:buNone/>
+            </a:pPr>
+            <a:endParaRPr lang="en-US" sz="2000" b="0" dirty="0">
+              <a:effectLst/>
+            </a:endParaRPr>
+          </a:p>
+          <a:p>
+            <a:pPr algn="just">
+              <a:spcBef>
+                <a:spcPts val="0"/>
+              </a:spcBef>
+            </a:pPr>
+            <a:r>
+              <a:rPr lang="en-US" sz="2000" b="0" i="0" u="none" strike="noStrike" dirty="0">
+                <a:solidFill>
+                  <a:srgbClr val="0E101A"/>
+                </a:solidFill>
+                <a:effectLst/>
+              </a:rPr>
+              <a:t>I use the TMDB Ratings to come up with our Top Movies Chart. I will use IMDB's weighted rating formula to construct my chart.</a:t>
+            </a:r>
+            <a:endParaRPr lang="en-US" sz="2000" b="0" dirty="0">
+              <a:effectLst/>
+            </a:endParaRPr>
+          </a:p>
+          <a:p>
+            <a:pPr marL="0" indent="0">
+              <a:buNone/>
+            </a:pPr>
+            <a:br>
+              <a:rPr lang="en-US" sz="800" dirty="0"/>
+            </a:br>
+            <a:br>
+              <a:rPr lang="en-US" sz="1050" dirty="0"/>
+            </a:br>
+            <a:br>
+              <a:rPr lang="en-US" sz="1400" dirty="0"/>
+            </a:br>
+            <a:endParaRPr lang="en-US" dirty="0"/>
+          </a:p>
+        </p:txBody>
+      </p:sp>
+    </p:spTree>
+    <p:extLst>
+      <p:ext uri="{BB962C8B-B14F-4D97-AF65-F5344CB8AC3E}">
+        <p14:creationId xmlns:p14="http://schemas.microsoft.com/office/powerpoint/2010/main" val="1777822683"/>
+      </p:ext>
+    </p:extLst>
+  </p:cSld>
+  <p:clrMapOvr>
+    <a:masterClrMapping/>
+  </p:clrMapOvr>
+</p:sld>
+</file>
+
+<file path=ppt/slides/slide24.xml><?xml version="1.0" encoding="utf-8"?>
+<p:sld xmlns:a="http://schemas.openxmlformats.org/drawingml/2006/main" xmlns:r="http://schemas.openxmlformats.org/officeDocument/2006/relationships" xmlns:p="http://schemas.openxmlformats.org/presentationml/2006/main">
+  <p:cSld>
+    <p:spTree>
+      <p:nvGrpSpPr>
+        <p:cNvPr id="1" name=""/>
+        <p:cNvGrpSpPr/>
+        <p:nvPr/>
+      </p:nvGrpSpPr>
+      <p:grpSpPr>
+        <a:xfrm>
+          <a:off x="0" y="0"/>
+          <a:ext cx="0" cy="0"/>
+          <a:chOff x="0" y="0"/>
+          <a:chExt cx="0" cy="0"/>
+        </a:xfrm>
+      </p:grpSpPr>
+      <p:sp>
+        <p:nvSpPr>
+          <p:cNvPr id="2" name="Title 1">
+            <a:extLst>
+              <a:ext uri="{FF2B5EF4-FFF2-40B4-BE49-F238E27FC236}">
+                <a16:creationId xmlns:a16="http://schemas.microsoft.com/office/drawing/2014/main" id="{8A092788-B168-42A5-BCF2-75E09F252AE1}"/>
+              </a:ext>
+            </a:extLst>
+          </p:cNvPr>
+          <p:cNvSpPr>
+            <a:spLocks noGrp="1"/>
+          </p:cNvSpPr>
+          <p:nvPr>
+            <p:ph type="title"/>
+          </p:nvPr>
+        </p:nvSpPr>
+        <p:spPr/>
+        <p:txBody>
+          <a:bodyPr>
+            <a:normAutofit/>
+          </a:bodyPr>
+          <a:lstStyle/>
+          <a:p>
+            <a:br>
+              <a:rPr lang="en-US" sz="4000" b="1" dirty="0">
+                <a:solidFill>
+                  <a:schemeClr val="tx1"/>
+                </a:solidFill>
+                <a:latin typeface="+mn-lt"/>
+              </a:rPr>
+            </a:br>
+            <a:r>
+              <a:rPr lang="en-US" sz="4000" b="1" i="0" u="none" strike="noStrike" dirty="0">
+                <a:solidFill>
+                  <a:srgbClr val="0E101A"/>
+                </a:solidFill>
+                <a:effectLst/>
+                <a:latin typeface="+mn-lt"/>
+              </a:rPr>
+              <a:t>Simple recommender continued..</a:t>
+            </a:r>
+            <a:endParaRPr lang="en-US" sz="4000" dirty="0">
+              <a:latin typeface="+mn-lt"/>
+            </a:endParaRPr>
+          </a:p>
+        </p:txBody>
+      </p:sp>
+      <p:sp>
+        <p:nvSpPr>
+          <p:cNvPr id="3" name="Content Placeholder 2">
+            <a:extLst>
+              <a:ext uri="{FF2B5EF4-FFF2-40B4-BE49-F238E27FC236}">
+                <a16:creationId xmlns:a16="http://schemas.microsoft.com/office/drawing/2014/main" id="{5700940F-8BF7-4DBF-BD77-64DA689E2303}"/>
+              </a:ext>
+            </a:extLst>
+          </p:cNvPr>
+          <p:cNvSpPr>
+            <a:spLocks noGrp="1"/>
+          </p:cNvSpPr>
+          <p:nvPr>
+            <p:ph idx="1"/>
+          </p:nvPr>
+        </p:nvSpPr>
+        <p:spPr>
+          <a:xfrm>
+            <a:off x="838200" y="1825625"/>
+            <a:ext cx="10515600" cy="4216401"/>
+          </a:xfrm>
+        </p:spPr>
+        <p:txBody>
+          <a:bodyPr>
+            <a:normAutofit/>
+          </a:bodyPr>
+          <a:lstStyle/>
+          <a:p>
+            <a:pPr>
+              <a:spcBef>
+                <a:spcPts val="0"/>
+              </a:spcBef>
+            </a:pPr>
+            <a:r>
+              <a:rPr lang="en-US" sz="2000" b="0" i="0" u="none" strike="noStrike" dirty="0">
+                <a:solidFill>
+                  <a:srgbClr val="0E101A"/>
+                </a:solidFill>
+                <a:effectLst/>
+              </a:rPr>
+              <a:t>For a movie to feature in the charts, it must have more votes than at least 80% of the movies on the list.</a:t>
+            </a:r>
+          </a:p>
+          <a:p>
+            <a:pPr>
+              <a:spcBef>
+                <a:spcPts val="0"/>
+              </a:spcBef>
+            </a:pPr>
+            <a:endParaRPr lang="en-US" sz="2000" dirty="0">
+              <a:solidFill>
+                <a:srgbClr val="0E101A"/>
+              </a:solidFill>
+            </a:endParaRPr>
+          </a:p>
+          <a:p>
+            <a:pPr>
+              <a:spcBef>
+                <a:spcPts val="0"/>
+              </a:spcBef>
+            </a:pPr>
+            <a:r>
+              <a:rPr lang="en-US" sz="2000" b="0" i="0" u="none" strike="noStrike" dirty="0">
+                <a:solidFill>
+                  <a:srgbClr val="0E101A"/>
+                </a:solidFill>
+                <a:effectLst/>
+              </a:rPr>
+              <a:t>Therefore, to qualify for the chart, a movie has to have at least 50 votes on TMDB.</a:t>
+            </a:r>
+          </a:p>
+          <a:p>
+            <a:pPr>
+              <a:spcBef>
+                <a:spcPts val="0"/>
+              </a:spcBef>
+            </a:pPr>
+            <a:endParaRPr lang="en-US" sz="2000" dirty="0">
+              <a:solidFill>
+                <a:srgbClr val="0E101A"/>
+              </a:solidFill>
+            </a:endParaRPr>
+          </a:p>
+          <a:p>
+            <a:pPr algn="just" rtl="0">
+              <a:spcBef>
+                <a:spcPts val="0"/>
+              </a:spcBef>
+              <a:spcAft>
+                <a:spcPts val="0"/>
+              </a:spcAft>
+            </a:pPr>
+            <a:r>
+              <a:rPr lang="en-US" sz="2000" b="0" i="0" u="none" strike="noStrike" dirty="0">
+                <a:solidFill>
+                  <a:srgbClr val="0E101A"/>
+                </a:solidFill>
+                <a:effectLst/>
+              </a:rPr>
+              <a:t>We also see that the average rating for a movie on TMDB is 5.244 on a scale of 10, and  9151 Movies qualify to be on our chart.</a:t>
+            </a:r>
+            <a:endParaRPr lang="en-US" sz="2000" b="0" dirty="0">
+              <a:effectLst/>
+            </a:endParaRPr>
+          </a:p>
+          <a:p>
+            <a:pPr marL="0" indent="0">
+              <a:buNone/>
+            </a:pPr>
+            <a:br>
+              <a:rPr lang="en-US" sz="800" dirty="0"/>
+            </a:br>
+            <a:br>
+              <a:rPr lang="en-US" sz="1050" dirty="0"/>
+            </a:br>
+            <a:br>
+              <a:rPr lang="en-US" sz="1400" dirty="0"/>
+            </a:br>
+            <a:endParaRPr lang="en-US" dirty="0"/>
+          </a:p>
+        </p:txBody>
+      </p:sp>
+    </p:spTree>
+    <p:extLst>
+      <p:ext uri="{BB962C8B-B14F-4D97-AF65-F5344CB8AC3E}">
+        <p14:creationId xmlns:p14="http://schemas.microsoft.com/office/powerpoint/2010/main" val="54159383"/>
+      </p:ext>
+    </p:extLst>
+  </p:cSld>
+  <p:clrMapOvr>
+    <a:masterClrMapping/>
+  </p:clrMapOvr>
+</p:sld>
+</file>
+
+<file path=ppt/slides/slide25.xml><?xml version="1.0" encoding="utf-8"?>
+<p:sld xmlns:a="http://schemas.openxmlformats.org/drawingml/2006/main" xmlns:r="http://schemas.openxmlformats.org/officeDocument/2006/relationships" xmlns:p="http://schemas.openxmlformats.org/presentationml/2006/main">
+  <p:cSld>
+    <p:spTree>
+      <p:nvGrpSpPr>
+        <p:cNvPr id="1" name=""/>
+        <p:cNvGrpSpPr/>
+        <p:nvPr/>
+      </p:nvGrpSpPr>
+      <p:grpSpPr>
+        <a:xfrm>
+          <a:off x="0" y="0"/>
+          <a:ext cx="0" cy="0"/>
+          <a:chOff x="0" y="0"/>
+          <a:chExt cx="0" cy="0"/>
+        </a:xfrm>
+      </p:grpSpPr>
+      <p:sp>
+        <p:nvSpPr>
+          <p:cNvPr id="4" name="Title 3">
+            <a:extLst>
+              <a:ext uri="{FF2B5EF4-FFF2-40B4-BE49-F238E27FC236}">
+                <a16:creationId xmlns:a16="http://schemas.microsoft.com/office/drawing/2014/main" id="{FA7A4C19-14A3-4B59-A485-4515A59A69C2}"/>
+              </a:ext>
+            </a:extLst>
+          </p:cNvPr>
+          <p:cNvSpPr>
+            <a:spLocks noGrp="1"/>
+          </p:cNvSpPr>
+          <p:nvPr>
+            <p:ph type="title"/>
+          </p:nvPr>
+        </p:nvSpPr>
+        <p:spPr/>
+        <p:txBody>
+          <a:bodyPr>
+            <a:normAutofit/>
+          </a:bodyPr>
+          <a:lstStyle/>
+          <a:p>
+            <a:r>
+              <a:rPr lang="en-US" sz="4000" b="1" i="0" u="none" strike="noStrike" dirty="0">
+                <a:solidFill>
+                  <a:srgbClr val="0E101A"/>
+                </a:solidFill>
+                <a:effectLst/>
+                <a:latin typeface="+mn-lt"/>
+              </a:rPr>
+              <a:t>Top 250 high rated movies Chart</a:t>
+            </a:r>
+            <a:endParaRPr lang="en-US" sz="4000" dirty="0"/>
+          </a:p>
+        </p:txBody>
+      </p:sp>
+      <p:pic>
+        <p:nvPicPr>
+          <p:cNvPr id="9220" name="Picture 4">
+            <a:extLst>
+              <a:ext uri="{FF2B5EF4-FFF2-40B4-BE49-F238E27FC236}">
+                <a16:creationId xmlns:a16="http://schemas.microsoft.com/office/drawing/2014/main" id="{DCC662F7-1DB5-48CF-BCA0-1406319278C1}"/>
+              </a:ext>
+            </a:extLst>
+          </p:cNvPr>
+          <p:cNvPicPr>
+            <a:picLocks noChangeAspect="1" noChangeArrowheads="1"/>
+          </p:cNvPicPr>
+          <p:nvPr/>
+        </p:nvPicPr>
+        <p:blipFill>
+          <a:blip r:embed="rId2">
+            <a:extLst>
+              <a:ext uri="{28A0092B-C50C-407E-A947-70E740481C1C}">
+                <a14:useLocalDpi xmlns:a14="http://schemas.microsoft.com/office/drawing/2010/main" val="0"/>
+              </a:ext>
+            </a:extLst>
+          </a:blip>
+          <a:srcRect/>
+          <a:stretch>
+            <a:fillRect/>
+          </a:stretch>
+        </p:blipFill>
+        <p:spPr bwMode="auto">
+          <a:xfrm>
+            <a:off x="838199" y="1457325"/>
+            <a:ext cx="10515599" cy="4581525"/>
+          </a:xfrm>
+          <a:prstGeom prst="rect">
+            <a:avLst/>
+          </a:prstGeom>
+          <a:noFill/>
+          <a:extLst>
+            <a:ext uri="{909E8E84-426E-40DD-AFC4-6F175D3DCCD1}">
+              <a14:hiddenFill xmlns:a14="http://schemas.microsoft.com/office/drawing/2010/main">
+                <a:solidFill>
+                  <a:srgbClr val="FFFFFF"/>
+                </a:solidFill>
+              </a14:hiddenFill>
+            </a:ext>
+          </a:extLst>
+        </p:spPr>
+      </p:pic>
+    </p:spTree>
+    <p:extLst>
+      <p:ext uri="{BB962C8B-B14F-4D97-AF65-F5344CB8AC3E}">
+        <p14:creationId xmlns:p14="http://schemas.microsoft.com/office/powerpoint/2010/main" val="2361824521"/>
+      </p:ext>
+    </p:extLst>
+  </p:cSld>
+  <p:clrMapOvr>
+    <a:masterClrMapping/>
+  </p:clrMapOvr>
+</p:sld>
+</file>
+
+<file path=ppt/slides/slide26.xml><?xml version="1.0" encoding="utf-8"?>
+<p:sld xmlns:a="http://schemas.openxmlformats.org/drawingml/2006/main" xmlns:r="http://schemas.openxmlformats.org/officeDocument/2006/relationships" xmlns:p="http://schemas.openxmlformats.org/presentationml/2006/main">
+  <p:cSld>
+    <p:spTree>
+      <p:nvGrpSpPr>
+        <p:cNvPr id="1" name=""/>
+        <p:cNvGrpSpPr/>
+        <p:nvPr/>
+      </p:nvGrpSpPr>
+      <p:grpSpPr>
+        <a:xfrm>
+          <a:off x="0" y="0"/>
+          <a:ext cx="0" cy="0"/>
+          <a:chOff x="0" y="0"/>
+          <a:chExt cx="0" cy="0"/>
+        </a:xfrm>
+      </p:grpSpPr>
+      <p:sp>
+        <p:nvSpPr>
+          <p:cNvPr id="2" name="Title 1">
+            <a:extLst>
+              <a:ext uri="{FF2B5EF4-FFF2-40B4-BE49-F238E27FC236}">
+                <a16:creationId xmlns:a16="http://schemas.microsoft.com/office/drawing/2014/main" id="{179B986D-7DE8-437D-A06F-39681E0BDDB5}"/>
+              </a:ext>
+            </a:extLst>
+          </p:cNvPr>
+          <p:cNvSpPr>
+            <a:spLocks noGrp="1"/>
+          </p:cNvSpPr>
+          <p:nvPr>
+            <p:ph type="title"/>
+          </p:nvPr>
+        </p:nvSpPr>
+        <p:spPr/>
+        <p:txBody>
+          <a:bodyPr>
+            <a:normAutofit/>
+          </a:bodyPr>
+          <a:lstStyle/>
+          <a:p>
+            <a:r>
+              <a:rPr lang="en-US" sz="4000" b="1" i="0" u="none" strike="noStrike" dirty="0">
+                <a:solidFill>
+                  <a:srgbClr val="0E101A"/>
+                </a:solidFill>
+                <a:effectLst/>
+                <a:latin typeface="+mn-lt"/>
+              </a:rPr>
+              <a:t>Top 250 high rated movies Chart</a:t>
+            </a:r>
+            <a:endParaRPr lang="en-US" sz="4000" dirty="0"/>
+          </a:p>
+        </p:txBody>
+      </p:sp>
+      <p:sp>
+        <p:nvSpPr>
+          <p:cNvPr id="4" name="Content Placeholder 3">
+            <a:extLst>
+              <a:ext uri="{FF2B5EF4-FFF2-40B4-BE49-F238E27FC236}">
+                <a16:creationId xmlns:a16="http://schemas.microsoft.com/office/drawing/2014/main" id="{E2FE9B3D-171A-408F-9305-753859812D66}"/>
+              </a:ext>
+            </a:extLst>
+          </p:cNvPr>
+          <p:cNvSpPr>
+            <a:spLocks noGrp="1"/>
+          </p:cNvSpPr>
+          <p:nvPr>
+            <p:ph idx="1"/>
+          </p:nvPr>
+        </p:nvSpPr>
+        <p:spPr/>
+        <p:txBody>
+          <a:bodyPr/>
+          <a:lstStyle/>
+          <a:p>
+            <a:r>
+              <a:rPr lang="en-US" sz="2000" b="0" i="0" u="none" strike="noStrike" dirty="0">
+                <a:solidFill>
+                  <a:srgbClr val="0E101A"/>
+                </a:solidFill>
+                <a:effectLst/>
+              </a:rPr>
+              <a:t>It is interesting to see three Christopher Nolan Films, Inception, The Dark Knight, and Interstellar, which occur at the top of our chart.</a:t>
+            </a:r>
+          </a:p>
+          <a:p>
+            <a:endParaRPr lang="en-US" sz="2000" b="0" i="0" u="none" strike="noStrike" dirty="0">
+              <a:solidFill>
+                <a:srgbClr val="0E101A"/>
+              </a:solidFill>
+              <a:effectLst/>
+            </a:endParaRPr>
+          </a:p>
+          <a:p>
+            <a:pPr marR="279400" algn="just" rtl="0">
+              <a:spcBef>
+                <a:spcPts val="0"/>
+              </a:spcBef>
+              <a:spcAft>
+                <a:spcPts val="0"/>
+              </a:spcAft>
+            </a:pPr>
+            <a:r>
+              <a:rPr lang="en-US" sz="2000" b="0" i="0" u="none" strike="noStrike" dirty="0">
+                <a:solidFill>
+                  <a:srgbClr val="0E101A"/>
+                </a:solidFill>
+                <a:effectLst/>
+              </a:rPr>
+              <a:t>The chart also indicates a strong bias of TMDB Users towards particular genres and directors.</a:t>
+            </a:r>
+            <a:endParaRPr lang="en-US" sz="2000" b="0" dirty="0">
+              <a:effectLst/>
+            </a:endParaRPr>
+          </a:p>
+          <a:p>
+            <a:pPr marL="0" indent="0">
+              <a:buNone/>
+            </a:pPr>
+            <a:br>
+              <a:rPr lang="en-US" dirty="0"/>
+            </a:br>
+            <a:endParaRPr lang="en-US" dirty="0"/>
+          </a:p>
+        </p:txBody>
+      </p:sp>
+    </p:spTree>
+    <p:extLst>
+      <p:ext uri="{BB962C8B-B14F-4D97-AF65-F5344CB8AC3E}">
+        <p14:creationId xmlns:p14="http://schemas.microsoft.com/office/powerpoint/2010/main" val="3276841444"/>
+      </p:ext>
+    </p:extLst>
+  </p:cSld>
+  <p:clrMapOvr>
+    <a:masterClrMapping/>
+  </p:clrMapOvr>
+</p:sld>
+</file>
+
+<file path=ppt/slides/slide27.xml><?xml version="1.0" encoding="utf-8"?>
+<p:sld xmlns:a="http://schemas.openxmlformats.org/drawingml/2006/main" xmlns:r="http://schemas.openxmlformats.org/officeDocument/2006/relationships" xmlns:p="http://schemas.openxmlformats.org/presentationml/2006/main">
+  <p:cSld>
+    <p:spTree>
+      <p:nvGrpSpPr>
+        <p:cNvPr id="1" name=""/>
+        <p:cNvGrpSpPr/>
+        <p:nvPr/>
+      </p:nvGrpSpPr>
+      <p:grpSpPr>
+        <a:xfrm>
+          <a:off x="0" y="0"/>
+          <a:ext cx="0" cy="0"/>
+          <a:chOff x="0" y="0"/>
+          <a:chExt cx="0" cy="0"/>
+        </a:xfrm>
+      </p:grpSpPr>
+      <p:sp>
+        <p:nvSpPr>
+          <p:cNvPr id="2" name="Title 1">
+            <a:extLst>
+              <a:ext uri="{FF2B5EF4-FFF2-40B4-BE49-F238E27FC236}">
+                <a16:creationId xmlns:a16="http://schemas.microsoft.com/office/drawing/2014/main" id="{179B986D-7DE8-437D-A06F-39681E0BDDB5}"/>
+              </a:ext>
+            </a:extLst>
+          </p:cNvPr>
+          <p:cNvSpPr>
+            <a:spLocks noGrp="1"/>
+          </p:cNvSpPr>
+          <p:nvPr>
+            <p:ph type="title"/>
+          </p:nvPr>
+        </p:nvSpPr>
+        <p:spPr/>
+        <p:txBody>
+          <a:bodyPr>
+            <a:normAutofit/>
+          </a:bodyPr>
+          <a:lstStyle/>
+          <a:p>
+            <a:r>
+              <a:rPr lang="en-US" sz="4000" b="1" i="0" u="none" strike="noStrike" dirty="0">
+                <a:solidFill>
+                  <a:srgbClr val="0E101A"/>
+                </a:solidFill>
+                <a:effectLst/>
+                <a:latin typeface="+mn-lt"/>
+              </a:rPr>
+              <a:t>Top </a:t>
+            </a:r>
+            <a:r>
+              <a:rPr lang="en-US" sz="4000" b="1" dirty="0">
+                <a:solidFill>
+                  <a:srgbClr val="0E101A"/>
+                </a:solidFill>
+                <a:latin typeface="+mn-lt"/>
+              </a:rPr>
+              <a:t>10 drama movies</a:t>
+            </a:r>
+          </a:p>
+        </p:txBody>
+      </p:sp>
+      <p:pic>
+        <p:nvPicPr>
+          <p:cNvPr id="11266" name="Picture 2">
+            <a:extLst>
+              <a:ext uri="{FF2B5EF4-FFF2-40B4-BE49-F238E27FC236}">
+                <a16:creationId xmlns:a16="http://schemas.microsoft.com/office/drawing/2014/main" id="{34056C45-070C-4D3D-B83D-9E331F6855F2}"/>
+              </a:ext>
+            </a:extLst>
+          </p:cNvPr>
+          <p:cNvPicPr>
+            <a:picLocks noChangeAspect="1" noChangeArrowheads="1"/>
+          </p:cNvPicPr>
+          <p:nvPr/>
+        </p:nvPicPr>
+        <p:blipFill>
+          <a:blip r:embed="rId2">
+            <a:extLst>
+              <a:ext uri="{28A0092B-C50C-407E-A947-70E740481C1C}">
+                <a14:useLocalDpi xmlns:a14="http://schemas.microsoft.com/office/drawing/2010/main" val="0"/>
+              </a:ext>
+            </a:extLst>
+          </a:blip>
+          <a:srcRect/>
+          <a:stretch>
+            <a:fillRect/>
+          </a:stretch>
+        </p:blipFill>
+        <p:spPr bwMode="auto">
+          <a:xfrm>
+            <a:off x="838200" y="1690688"/>
+            <a:ext cx="10515600" cy="4271962"/>
+          </a:xfrm>
+          <a:prstGeom prst="rect">
+            <a:avLst/>
+          </a:prstGeom>
+          <a:noFill/>
+          <a:extLst>
+            <a:ext uri="{909E8E84-426E-40DD-AFC4-6F175D3DCCD1}">
+              <a14:hiddenFill xmlns:a14="http://schemas.microsoft.com/office/drawing/2010/main">
+                <a:solidFill>
+                  <a:srgbClr val="FFFFFF"/>
+                </a:solidFill>
+              </a14:hiddenFill>
+            </a:ext>
+          </a:extLst>
+        </p:spPr>
+      </p:pic>
+    </p:spTree>
+    <p:extLst>
+      <p:ext uri="{BB962C8B-B14F-4D97-AF65-F5344CB8AC3E}">
+        <p14:creationId xmlns:p14="http://schemas.microsoft.com/office/powerpoint/2010/main" val="3251845998"/>
+      </p:ext>
+    </p:extLst>
+  </p:cSld>
+  <p:clrMapOvr>
+    <a:masterClrMapping/>
+  </p:clrMapOvr>
+</p:sld>
+</file>
+
+<file path=ppt/slides/slide28.xml><?xml version="1.0" encoding="utf-8"?>
+<p:sld xmlns:a="http://schemas.openxmlformats.org/drawingml/2006/main" xmlns:r="http://schemas.openxmlformats.org/officeDocument/2006/relationships" xmlns:p="http://schemas.openxmlformats.org/presentationml/2006/main">
+  <p:cSld>
+    <p:spTree>
+      <p:nvGrpSpPr>
+        <p:cNvPr id="1" name=""/>
+        <p:cNvGrpSpPr/>
+        <p:nvPr/>
+      </p:nvGrpSpPr>
+      <p:grpSpPr>
+        <a:xfrm>
+          <a:off x="0" y="0"/>
+          <a:ext cx="0" cy="0"/>
+          <a:chOff x="0" y="0"/>
+          <a:chExt cx="0" cy="0"/>
+        </a:xfrm>
+      </p:grpSpPr>
+      <p:sp>
+        <p:nvSpPr>
+          <p:cNvPr id="2" name="Title 1">
+            <a:extLst>
+              <a:ext uri="{FF2B5EF4-FFF2-40B4-BE49-F238E27FC236}">
+                <a16:creationId xmlns:a16="http://schemas.microsoft.com/office/drawing/2014/main" id="{179B986D-7DE8-437D-A06F-39681E0BDDB5}"/>
+              </a:ext>
+            </a:extLst>
+          </p:cNvPr>
+          <p:cNvSpPr>
+            <a:spLocks noGrp="1"/>
+          </p:cNvSpPr>
+          <p:nvPr>
+            <p:ph type="title"/>
+          </p:nvPr>
+        </p:nvSpPr>
+        <p:spPr/>
+        <p:txBody>
+          <a:bodyPr>
+            <a:normAutofit/>
+          </a:bodyPr>
+          <a:lstStyle/>
+          <a:p>
+            <a:r>
+              <a:rPr lang="en-US" sz="4000" b="1" i="0" u="none" strike="noStrike" dirty="0">
+                <a:solidFill>
+                  <a:srgbClr val="0E101A"/>
+                </a:solidFill>
+                <a:effectLst/>
+                <a:latin typeface="+mn-lt"/>
+              </a:rPr>
+              <a:t>Top </a:t>
+            </a:r>
+            <a:r>
+              <a:rPr lang="en-US" sz="4000" b="1" dirty="0">
+                <a:solidFill>
+                  <a:srgbClr val="0E101A"/>
+                </a:solidFill>
+                <a:latin typeface="+mn-lt"/>
+              </a:rPr>
+              <a:t>10 Mystery movies</a:t>
+            </a:r>
+          </a:p>
+        </p:txBody>
+      </p:sp>
+      <p:pic>
+        <p:nvPicPr>
+          <p:cNvPr id="12290" name="Picture 2">
+            <a:extLst>
+              <a:ext uri="{FF2B5EF4-FFF2-40B4-BE49-F238E27FC236}">
+                <a16:creationId xmlns:a16="http://schemas.microsoft.com/office/drawing/2014/main" id="{F83A40C0-5E4E-4B27-B2F5-80FB296869F7}"/>
+              </a:ext>
+            </a:extLst>
+          </p:cNvPr>
+          <p:cNvPicPr>
+            <a:picLocks noChangeAspect="1" noChangeArrowheads="1"/>
+          </p:cNvPicPr>
+          <p:nvPr/>
+        </p:nvPicPr>
+        <p:blipFill>
+          <a:blip r:embed="rId2">
+            <a:extLst>
+              <a:ext uri="{28A0092B-C50C-407E-A947-70E740481C1C}">
+                <a14:useLocalDpi xmlns:a14="http://schemas.microsoft.com/office/drawing/2010/main" val="0"/>
+              </a:ext>
+            </a:extLst>
+          </a:blip>
+          <a:srcRect/>
+          <a:stretch>
+            <a:fillRect/>
+          </a:stretch>
+        </p:blipFill>
+        <p:spPr bwMode="auto">
+          <a:xfrm>
+            <a:off x="838200" y="1690689"/>
+            <a:ext cx="10515600" cy="4386262"/>
+          </a:xfrm>
+          <a:prstGeom prst="rect">
+            <a:avLst/>
+          </a:prstGeom>
+          <a:noFill/>
+          <a:extLst>
+            <a:ext uri="{909E8E84-426E-40DD-AFC4-6F175D3DCCD1}">
+              <a14:hiddenFill xmlns:a14="http://schemas.microsoft.com/office/drawing/2010/main">
+                <a:solidFill>
+                  <a:srgbClr val="FFFFFF"/>
+                </a:solidFill>
+              </a14:hiddenFill>
+            </a:ext>
+          </a:extLst>
+        </p:spPr>
+      </p:pic>
+    </p:spTree>
+    <p:extLst>
+      <p:ext uri="{BB962C8B-B14F-4D97-AF65-F5344CB8AC3E}">
+        <p14:creationId xmlns:p14="http://schemas.microsoft.com/office/powerpoint/2010/main" val="2610434991"/>
+      </p:ext>
+    </p:extLst>
+  </p:cSld>
+  <p:clrMapOvr>
+    <a:masterClrMapping/>
+  </p:clrMapOvr>
+</p:sld>
+</file>
+
+<file path=ppt/slides/slide29.xml><?xml version="1.0" encoding="utf-8"?>
+<p:sld xmlns:a="http://schemas.openxmlformats.org/drawingml/2006/main" xmlns:r="http://schemas.openxmlformats.org/officeDocument/2006/relationships" xmlns:p="http://schemas.openxmlformats.org/presentationml/2006/main">
+  <p:cSld>
+    <p:spTree>
+      <p:nvGrpSpPr>
+        <p:cNvPr id="1" name=""/>
+        <p:cNvGrpSpPr/>
+        <p:nvPr/>
+      </p:nvGrpSpPr>
+      <p:grpSpPr>
+        <a:xfrm>
+          <a:off x="0" y="0"/>
+          <a:ext cx="0" cy="0"/>
+          <a:chOff x="0" y="0"/>
+          <a:chExt cx="0" cy="0"/>
+        </a:xfrm>
+      </p:grpSpPr>
+      <p:sp>
+        <p:nvSpPr>
+          <p:cNvPr id="2" name="Title 1">
+            <a:extLst>
+              <a:ext uri="{FF2B5EF4-FFF2-40B4-BE49-F238E27FC236}">
+                <a16:creationId xmlns:a16="http://schemas.microsoft.com/office/drawing/2014/main" id="{179B986D-7DE8-437D-A06F-39681E0BDDB5}"/>
+              </a:ext>
+            </a:extLst>
+          </p:cNvPr>
+          <p:cNvSpPr>
+            <a:spLocks noGrp="1"/>
+          </p:cNvSpPr>
+          <p:nvPr>
+            <p:ph type="title"/>
+          </p:nvPr>
+        </p:nvSpPr>
+        <p:spPr/>
+        <p:txBody>
+          <a:bodyPr>
+            <a:normAutofit/>
+          </a:bodyPr>
+          <a:lstStyle/>
+          <a:p>
+            <a:r>
+              <a:rPr lang="en-US" sz="4000" b="1" i="0" u="none" strike="noStrike" dirty="0">
+                <a:solidFill>
+                  <a:srgbClr val="0E101A"/>
+                </a:solidFill>
+                <a:effectLst/>
+                <a:latin typeface="+mn-lt"/>
+              </a:rPr>
+              <a:t>Limitations of simple recommender</a:t>
+            </a:r>
+            <a:endParaRPr lang="en-US" sz="4000" b="1" dirty="0">
+              <a:solidFill>
+                <a:srgbClr val="0E101A"/>
+              </a:solidFill>
+              <a:latin typeface="+mn-lt"/>
+            </a:endParaRPr>
+          </a:p>
+        </p:txBody>
+      </p:sp>
+      <p:sp>
+        <p:nvSpPr>
+          <p:cNvPr id="3" name="Content Placeholder 2">
+            <a:extLst>
+              <a:ext uri="{FF2B5EF4-FFF2-40B4-BE49-F238E27FC236}">
+                <a16:creationId xmlns:a16="http://schemas.microsoft.com/office/drawing/2014/main" id="{A0AC3358-D52F-4B22-9BCD-63C7DC7DF852}"/>
+              </a:ext>
+            </a:extLst>
+          </p:cNvPr>
+          <p:cNvSpPr>
+            <a:spLocks noGrp="1"/>
+          </p:cNvSpPr>
+          <p:nvPr>
+            <p:ph idx="1"/>
+          </p:nvPr>
+        </p:nvSpPr>
+        <p:spPr/>
+        <p:txBody>
+          <a:bodyPr/>
+          <a:lstStyle/>
+          <a:p>
+            <a:r>
+              <a:rPr lang="en-US" sz="2000" b="0" i="0" u="none" strike="noStrike" dirty="0">
+                <a:solidFill>
+                  <a:srgbClr val="000000"/>
+                </a:solidFill>
+                <a:effectLst/>
+              </a:rPr>
+              <a:t>It gives the same recommendation to everyone, regardless of the user's taste.</a:t>
+            </a:r>
+          </a:p>
+          <a:p>
+            <a:r>
+              <a:rPr lang="en-US" sz="2000" b="0" i="0" u="none" strike="noStrike" dirty="0">
+                <a:solidFill>
+                  <a:srgbClr val="000000"/>
+                </a:solidFill>
+                <a:effectLst/>
+              </a:rPr>
+              <a:t> If a person who loves romantic movies (and hates action) were to look at our Top 10 Chart, she/they/he wouldn't probably like most of the movies.</a:t>
+            </a:r>
+          </a:p>
+          <a:p>
+            <a:endParaRPr lang="en-US" sz="2000" dirty="0">
+              <a:solidFill>
+                <a:srgbClr val="000000"/>
+              </a:solidFill>
+            </a:endParaRPr>
+          </a:p>
+          <a:p>
+            <a:pPr algn="just" rtl="0">
+              <a:spcBef>
+                <a:spcPts val="0"/>
+              </a:spcBef>
+              <a:spcAft>
+                <a:spcPts val="0"/>
+              </a:spcAft>
+            </a:pPr>
+            <a:r>
+              <a:rPr lang="en-US" sz="2000" b="0" i="0" u="none" strike="noStrike" dirty="0">
+                <a:solidFill>
+                  <a:srgbClr val="000000"/>
+                </a:solidFill>
+                <a:effectLst/>
+              </a:rPr>
+              <a:t>If she/they/he were to go one step further and look at our charts by genre,  she/they/he wouldn't still be getting the best recommendations.</a:t>
+            </a:r>
+            <a:endParaRPr lang="en-US" sz="2000" b="0" dirty="0">
+              <a:effectLst/>
+            </a:endParaRPr>
+          </a:p>
+          <a:p>
+            <a:pPr marL="0" indent="0">
+              <a:buNone/>
+            </a:pPr>
+            <a:br>
+              <a:rPr lang="en-US" dirty="0"/>
+            </a:br>
+            <a:endParaRPr lang="en-US" dirty="0"/>
+          </a:p>
+        </p:txBody>
+      </p:sp>
+    </p:spTree>
+    <p:extLst>
+      <p:ext uri="{BB962C8B-B14F-4D97-AF65-F5344CB8AC3E}">
+        <p14:creationId xmlns:p14="http://schemas.microsoft.com/office/powerpoint/2010/main" val="3350889342"/>
+      </p:ext>
+    </p:extLst>
+  </p:cSld>
+  <p:clrMapOvr>
+    <a:masterClrMapping/>
+  </p:clrMapOvr>
+</p:sld>
+</file>
+
+<file path=ppt/slides/slide3.xml><?xml version="1.0" encoding="utf-8"?>
+<p:sld xmlns:a="http://schemas.openxmlformats.org/drawingml/2006/main" xmlns:r="http://schemas.openxmlformats.org/officeDocument/2006/relationships" xmlns:p="http://schemas.openxmlformats.org/presentationml/2006/main">
+  <p:cSld>
+    <p:spTree>
+      <p:nvGrpSpPr>
+        <p:cNvPr id="1" name=""/>
+        <p:cNvGrpSpPr/>
+        <p:nvPr/>
+      </p:nvGrpSpPr>
+      <p:grpSpPr>
+        <a:xfrm>
+          <a:off x="0" y="0"/>
+          <a:ext cx="0" cy="0"/>
+          <a:chOff x="0" y="0"/>
+          <a:chExt cx="0" cy="0"/>
+        </a:xfrm>
+      </p:grpSpPr>
+      <p:sp>
+        <p:nvSpPr>
+          <p:cNvPr id="2" name="Title 1">
+            <a:extLst>
+              <a:ext uri="{FF2B5EF4-FFF2-40B4-BE49-F238E27FC236}">
+                <a16:creationId xmlns:a16="http://schemas.microsoft.com/office/drawing/2014/main" id="{2EA75F6A-7010-48BD-B3DF-C99102D7AE3E}"/>
+              </a:ext>
+            </a:extLst>
+          </p:cNvPr>
+          <p:cNvSpPr>
+            <a:spLocks noGrp="1"/>
+          </p:cNvSpPr>
+          <p:nvPr>
+            <p:ph type="title"/>
+          </p:nvPr>
+        </p:nvSpPr>
+        <p:spPr>
+          <a:xfrm>
+            <a:off x="838200" y="365125"/>
+            <a:ext cx="10515600" cy="1168400"/>
+          </a:xfrm>
+        </p:spPr>
+        <p:txBody>
+          <a:bodyPr>
+            <a:normAutofit/>
+          </a:bodyPr>
+          <a:lstStyle/>
+          <a:p>
+            <a:r>
+              <a:rPr lang="en-US" sz="4000" b="1" dirty="0">
+                <a:solidFill>
+                  <a:schemeClr val="tx1"/>
+                </a:solidFill>
+                <a:latin typeface="+mn-lt"/>
+              </a:rPr>
+              <a:t>Why we need Recommendation system?</a:t>
+            </a:r>
+            <a:endParaRPr lang="en-US" sz="4000" dirty="0">
+              <a:latin typeface="+mn-lt"/>
+            </a:endParaRPr>
+          </a:p>
+        </p:txBody>
+      </p:sp>
+      <p:sp>
+        <p:nvSpPr>
+          <p:cNvPr id="3" name="Content Placeholder 2">
+            <a:extLst>
+              <a:ext uri="{FF2B5EF4-FFF2-40B4-BE49-F238E27FC236}">
+                <a16:creationId xmlns:a16="http://schemas.microsoft.com/office/drawing/2014/main" id="{15E79F04-9447-4143-9FF9-808E504781BC}"/>
+              </a:ext>
+            </a:extLst>
+          </p:cNvPr>
+          <p:cNvSpPr>
+            <a:spLocks noGrp="1"/>
+          </p:cNvSpPr>
+          <p:nvPr>
+            <p:ph idx="1"/>
+          </p:nvPr>
+        </p:nvSpPr>
+        <p:spPr/>
+        <p:txBody>
+          <a:bodyPr>
+            <a:noAutofit/>
+          </a:bodyPr>
+          <a:lstStyle/>
+          <a:p>
+            <a:pPr algn="just">
+              <a:spcBef>
+                <a:spcPts val="0"/>
+              </a:spcBef>
+            </a:pPr>
+            <a:r>
+              <a:rPr lang="en-US" sz="2000" dirty="0">
+                <a:solidFill>
+                  <a:srgbClr val="000000"/>
+                </a:solidFill>
+              </a:rPr>
+              <a:t>It has been estimated that there are approximately 500,000 movies currently in existence.</a:t>
+            </a:r>
+          </a:p>
+          <a:p>
+            <a:pPr algn="just">
+              <a:spcBef>
+                <a:spcPts val="0"/>
+              </a:spcBef>
+            </a:pPr>
+            <a:endParaRPr lang="en-US" sz="2000" dirty="0">
+              <a:solidFill>
+                <a:srgbClr val="000000"/>
+              </a:solidFill>
+            </a:endParaRPr>
+          </a:p>
+          <a:p>
+            <a:pPr algn="just">
+              <a:spcBef>
+                <a:spcPts val="0"/>
+              </a:spcBef>
+            </a:pPr>
+            <a:r>
+              <a:rPr lang="en-US" sz="2000" dirty="0">
+                <a:solidFill>
+                  <a:srgbClr val="000000"/>
+                </a:solidFill>
+              </a:rPr>
+              <a:t>This situation creates `selection pressure’ on individual movies, as not all movies are equally popular.</a:t>
+            </a:r>
+          </a:p>
+          <a:p>
+            <a:pPr algn="just">
+              <a:spcBef>
+                <a:spcPts val="0"/>
+              </a:spcBef>
+            </a:pPr>
+            <a:endParaRPr lang="en-US" sz="2000" dirty="0">
+              <a:solidFill>
+                <a:srgbClr val="000000"/>
+              </a:solidFill>
+            </a:endParaRPr>
+          </a:p>
+          <a:p>
+            <a:pPr algn="just">
+              <a:spcBef>
+                <a:spcPts val="0"/>
+              </a:spcBef>
+            </a:pPr>
+            <a:r>
+              <a:rPr lang="en-US" sz="2000" dirty="0">
+                <a:solidFill>
+                  <a:srgbClr val="000000"/>
+                </a:solidFill>
+              </a:rPr>
+              <a:t>The audience will not be spending their time watching every movie available to them, they will pick randomly something to watch.</a:t>
+            </a:r>
+          </a:p>
+          <a:p>
+            <a:pPr algn="just">
+              <a:spcBef>
+                <a:spcPts val="0"/>
+              </a:spcBef>
+            </a:pPr>
+            <a:endParaRPr lang="en-US" sz="2000" dirty="0">
+              <a:solidFill>
+                <a:srgbClr val="000000"/>
+              </a:solidFill>
+            </a:endParaRPr>
+          </a:p>
+          <a:p>
+            <a:pPr algn="just">
+              <a:spcBef>
+                <a:spcPts val="0"/>
+              </a:spcBef>
+            </a:pPr>
+            <a:r>
+              <a:rPr lang="en-US" sz="2000" dirty="0">
+                <a:solidFill>
+                  <a:srgbClr val="000000"/>
+                </a:solidFill>
+              </a:rPr>
+              <a:t>If a person picks a movie and does not enjoy it there will be no positive word-of-mouth.</a:t>
+            </a:r>
+          </a:p>
+          <a:p>
+            <a:pPr algn="just">
+              <a:spcBef>
+                <a:spcPts val="0"/>
+              </a:spcBef>
+            </a:pPr>
+            <a:endParaRPr lang="en-US" sz="2000" dirty="0">
+              <a:solidFill>
+                <a:srgbClr val="000000"/>
+              </a:solidFill>
+            </a:endParaRPr>
+          </a:p>
+          <a:p>
+            <a:pPr algn="just">
+              <a:spcBef>
+                <a:spcPts val="0"/>
+              </a:spcBef>
+            </a:pPr>
+            <a:r>
+              <a:rPr lang="en-US" sz="2000" dirty="0">
+                <a:solidFill>
+                  <a:srgbClr val="000000"/>
+                </a:solidFill>
+              </a:rPr>
+              <a:t>This doesn’t necessarily mean the movie was bad, it might mean it was not interesting to that individual. This is where the recommendation system is helpful.</a:t>
+            </a:r>
+          </a:p>
+          <a:p>
+            <a:pPr algn="just">
+              <a:spcBef>
+                <a:spcPts val="0"/>
+              </a:spcBef>
+            </a:pPr>
+            <a:endParaRPr lang="en-US" sz="2000" dirty="0">
+              <a:solidFill>
+                <a:srgbClr val="000000"/>
+              </a:solidFill>
+            </a:endParaRPr>
+          </a:p>
+          <a:p>
+            <a:pPr algn="just">
+              <a:spcBef>
+                <a:spcPts val="0"/>
+              </a:spcBef>
+            </a:pPr>
+            <a:r>
+              <a:rPr lang="en-US" sz="2000" dirty="0">
+                <a:solidFill>
+                  <a:srgbClr val="000000"/>
+                </a:solidFill>
+              </a:rPr>
+              <a:t>Recommendation system helps the user find items of their interest and Helps the item provider to deliver their items to the right user.</a:t>
+            </a:r>
+          </a:p>
+          <a:p>
+            <a:pPr algn="just">
+              <a:spcBef>
+                <a:spcPts val="0"/>
+              </a:spcBef>
+            </a:pPr>
+            <a:endParaRPr lang="en-US" sz="2000" dirty="0">
+              <a:solidFill>
+                <a:srgbClr val="000000"/>
+              </a:solidFill>
+            </a:endParaRPr>
+          </a:p>
+          <a:p>
+            <a:pPr algn="just">
+              <a:spcBef>
+                <a:spcPts val="0"/>
+              </a:spcBef>
+            </a:pPr>
+            <a:r>
+              <a:rPr lang="en-US" sz="2000" dirty="0">
+                <a:solidFill>
+                  <a:srgbClr val="000000"/>
+                </a:solidFill>
+              </a:rPr>
+              <a:t>It increases revenues for business through increased consumption.</a:t>
+            </a:r>
+          </a:p>
+        </p:txBody>
+      </p:sp>
+    </p:spTree>
+    <p:extLst>
+      <p:ext uri="{BB962C8B-B14F-4D97-AF65-F5344CB8AC3E}">
+        <p14:creationId xmlns:p14="http://schemas.microsoft.com/office/powerpoint/2010/main" val="1712562402"/>
+      </p:ext>
+    </p:extLst>
+  </p:cSld>
+  <p:clrMapOvr>
+    <a:masterClrMapping/>
+  </p:clrMapOvr>
+</p:sld>
+</file>
+
+<file path=ppt/slides/slide30.xml><?xml version="1.0" encoding="utf-8"?>
+<p:sld xmlns:a="http://schemas.openxmlformats.org/drawingml/2006/main" xmlns:r="http://schemas.openxmlformats.org/officeDocument/2006/relationships" xmlns:p="http://schemas.openxmlformats.org/presentationml/2006/main">
+  <p:cSld>
+    <p:spTree>
+      <p:nvGrpSpPr>
+        <p:cNvPr id="1" name=""/>
+        <p:cNvGrpSpPr/>
+        <p:nvPr/>
+      </p:nvGrpSpPr>
+      <p:grpSpPr>
+        <a:xfrm>
+          <a:off x="0" y="0"/>
+          <a:ext cx="0" cy="0"/>
+          <a:chOff x="0" y="0"/>
+          <a:chExt cx="0" cy="0"/>
+        </a:xfrm>
+      </p:grpSpPr>
+      <p:sp>
+        <p:nvSpPr>
+          <p:cNvPr id="2" name="Title 1">
+            <a:extLst>
+              <a:ext uri="{FF2B5EF4-FFF2-40B4-BE49-F238E27FC236}">
+                <a16:creationId xmlns:a16="http://schemas.microsoft.com/office/drawing/2014/main" id="{179B986D-7DE8-437D-A06F-39681E0BDDB5}"/>
+              </a:ext>
+            </a:extLst>
+          </p:cNvPr>
+          <p:cNvSpPr>
+            <a:spLocks noGrp="1"/>
+          </p:cNvSpPr>
+          <p:nvPr>
+            <p:ph type="title"/>
+          </p:nvPr>
+        </p:nvSpPr>
+        <p:spPr/>
+        <p:txBody>
+          <a:bodyPr>
+            <a:normAutofit/>
+          </a:bodyPr>
+          <a:lstStyle/>
+          <a:p>
+            <a:r>
+              <a:rPr lang="en-US" sz="4000" b="1" i="0" u="none" strike="noStrike" dirty="0">
+                <a:solidFill>
+                  <a:srgbClr val="000000"/>
+                </a:solidFill>
+                <a:effectLst/>
+                <a:latin typeface="+mn-lt"/>
+              </a:rPr>
+              <a:t>Content based </a:t>
+            </a:r>
+            <a:r>
+              <a:rPr lang="en-US" sz="4000" b="1" i="0" u="none" strike="noStrike" dirty="0">
+                <a:solidFill>
+                  <a:srgbClr val="0E101A"/>
+                </a:solidFill>
+                <a:effectLst/>
+                <a:latin typeface="+mn-lt"/>
+              </a:rPr>
+              <a:t>recommender</a:t>
+            </a:r>
+            <a:endParaRPr lang="en-US" sz="4000" b="1" dirty="0">
+              <a:solidFill>
+                <a:srgbClr val="0E101A"/>
+              </a:solidFill>
+              <a:latin typeface="+mn-lt"/>
+            </a:endParaRPr>
+          </a:p>
+        </p:txBody>
+      </p:sp>
+      <p:sp>
+        <p:nvSpPr>
+          <p:cNvPr id="3" name="Content Placeholder 2">
+            <a:extLst>
+              <a:ext uri="{FF2B5EF4-FFF2-40B4-BE49-F238E27FC236}">
+                <a16:creationId xmlns:a16="http://schemas.microsoft.com/office/drawing/2014/main" id="{A0AC3358-D52F-4B22-9BCD-63C7DC7DF852}"/>
+              </a:ext>
+            </a:extLst>
+          </p:cNvPr>
+          <p:cNvSpPr>
+            <a:spLocks noGrp="1"/>
+          </p:cNvSpPr>
+          <p:nvPr>
+            <p:ph idx="1"/>
+          </p:nvPr>
+        </p:nvSpPr>
+        <p:spPr/>
+        <p:txBody>
+          <a:bodyPr>
+            <a:normAutofit lnSpcReduction="10000"/>
+          </a:bodyPr>
+          <a:lstStyle/>
+          <a:p>
+            <a:r>
+              <a:rPr lang="en-US" sz="2000" b="0" i="0" u="none" strike="noStrike" dirty="0">
+                <a:solidFill>
+                  <a:srgbClr val="000000"/>
+                </a:solidFill>
+                <a:effectLst/>
+              </a:rPr>
+              <a:t>Recommender based on the following metadata: the 3 top actors, the director, related genres, and the movie plot keywords.</a:t>
+            </a:r>
+          </a:p>
+          <a:p>
+            <a:r>
+              <a:rPr lang="en-US" sz="2000" b="0" i="0" u="none" strike="noStrike" dirty="0">
+                <a:solidFill>
+                  <a:srgbClr val="000000"/>
+                </a:solidFill>
+                <a:effectLst/>
+              </a:rPr>
+              <a:t>In this recommender system, the movie's content ( cast, crew, keyword, etc.) is used to find its similarity with other movies.</a:t>
+            </a:r>
+          </a:p>
+          <a:p>
+            <a:endParaRPr lang="en-US" sz="2000" b="0" i="0" u="none" strike="noStrike" dirty="0">
+              <a:solidFill>
+                <a:srgbClr val="000000"/>
+              </a:solidFill>
+              <a:effectLst/>
+            </a:endParaRPr>
+          </a:p>
+          <a:p>
+            <a:pPr algn="just" rtl="0">
+              <a:spcBef>
+                <a:spcPts val="0"/>
+              </a:spcBef>
+              <a:spcAft>
+                <a:spcPts val="0"/>
+              </a:spcAft>
+            </a:pPr>
+            <a:r>
+              <a:rPr lang="en-US" sz="2000" b="0" i="0" u="none" strike="noStrike" dirty="0">
+                <a:solidFill>
+                  <a:srgbClr val="000000"/>
+                </a:solidFill>
+                <a:effectLst/>
+              </a:rPr>
+              <a:t>Then the movies that are most likely to be similar are recommended.</a:t>
+            </a:r>
+            <a:endParaRPr lang="en-US" sz="2000" b="0" dirty="0">
+              <a:effectLst/>
+            </a:endParaRPr>
+          </a:p>
+          <a:p>
+            <a:r>
+              <a:rPr lang="en-US" sz="2000" b="0" i="0" u="none" strike="noStrike" dirty="0">
+                <a:solidFill>
+                  <a:srgbClr val="000000"/>
+                </a:solidFill>
+                <a:effectLst/>
+              </a:rPr>
+              <a:t>As Required data was present in the form of "</a:t>
+            </a:r>
+            <a:r>
+              <a:rPr lang="en-US" sz="2000" b="0" i="0" u="none" strike="noStrike" dirty="0" err="1">
+                <a:solidFill>
+                  <a:srgbClr val="000000"/>
+                </a:solidFill>
+                <a:effectLst/>
+              </a:rPr>
+              <a:t>stringified</a:t>
+            </a:r>
+            <a:r>
+              <a:rPr lang="en-US" sz="2000" b="0" i="0" u="none" strike="noStrike" dirty="0">
+                <a:solidFill>
+                  <a:srgbClr val="000000"/>
+                </a:solidFill>
+                <a:effectLst/>
+              </a:rPr>
+              <a:t>" lists, I converted it into a safe and usable structure.</a:t>
+            </a:r>
+          </a:p>
+          <a:p>
+            <a:r>
+              <a:rPr lang="en-US" sz="2000" b="0" i="0" u="none" strike="noStrike" dirty="0">
+                <a:solidFill>
+                  <a:srgbClr val="000000"/>
+                </a:solidFill>
+                <a:effectLst/>
+              </a:rPr>
+              <a:t> I also converted the names and keyword instances into lowercase and stripped all the spaces between them.</a:t>
+            </a:r>
+            <a:endParaRPr lang="en-US" sz="2000" dirty="0">
+              <a:solidFill>
+                <a:srgbClr val="000000"/>
+              </a:solidFill>
+            </a:endParaRPr>
+          </a:p>
+          <a:p>
+            <a:r>
+              <a:rPr lang="en-US" sz="2000" b="0" i="0" u="none" strike="noStrike" dirty="0">
+                <a:solidFill>
+                  <a:srgbClr val="000000"/>
+                </a:solidFill>
+                <a:effectLst/>
+              </a:rPr>
+              <a:t>This is done so that our vectorizer doesn't count the Jennifer of "Jennifer Garner" and "Jennifer Aniston" as the same.</a:t>
+            </a:r>
+            <a:br>
+              <a:rPr lang="en-US" dirty="0"/>
+            </a:br>
+            <a:endParaRPr lang="en-US" dirty="0"/>
+          </a:p>
+        </p:txBody>
+      </p:sp>
+    </p:spTree>
+    <p:extLst>
+      <p:ext uri="{BB962C8B-B14F-4D97-AF65-F5344CB8AC3E}">
+        <p14:creationId xmlns:p14="http://schemas.microsoft.com/office/powerpoint/2010/main" val="1797840208"/>
+      </p:ext>
+    </p:extLst>
+  </p:cSld>
+  <p:clrMapOvr>
+    <a:masterClrMapping/>
+  </p:clrMapOvr>
+</p:sld>
+</file>
+
+<file path=ppt/slides/slide31.xml><?xml version="1.0" encoding="utf-8"?>
+<p:sld xmlns:a="http://schemas.openxmlformats.org/drawingml/2006/main" xmlns:r="http://schemas.openxmlformats.org/officeDocument/2006/relationships" xmlns:p="http://schemas.openxmlformats.org/presentationml/2006/main">
+  <p:cSld>
+    <p:spTree>
+      <p:nvGrpSpPr>
+        <p:cNvPr id="1" name=""/>
+        <p:cNvGrpSpPr/>
+        <p:nvPr/>
+      </p:nvGrpSpPr>
+      <p:grpSpPr>
+        <a:xfrm>
+          <a:off x="0" y="0"/>
+          <a:ext cx="0" cy="0"/>
+          <a:chOff x="0" y="0"/>
+          <a:chExt cx="0" cy="0"/>
+        </a:xfrm>
+      </p:grpSpPr>
+      <p:sp>
+        <p:nvSpPr>
+          <p:cNvPr id="2" name="Title 1">
+            <a:extLst>
+              <a:ext uri="{FF2B5EF4-FFF2-40B4-BE49-F238E27FC236}">
+                <a16:creationId xmlns:a16="http://schemas.microsoft.com/office/drawing/2014/main" id="{179B986D-7DE8-437D-A06F-39681E0BDDB5}"/>
+              </a:ext>
+            </a:extLst>
+          </p:cNvPr>
+          <p:cNvSpPr>
+            <a:spLocks noGrp="1"/>
+          </p:cNvSpPr>
+          <p:nvPr>
+            <p:ph type="title"/>
+          </p:nvPr>
+        </p:nvSpPr>
+        <p:spPr/>
+        <p:txBody>
+          <a:bodyPr>
+            <a:normAutofit/>
+          </a:bodyPr>
+          <a:lstStyle/>
+          <a:p>
+            <a:r>
+              <a:rPr lang="en-US" sz="4000" b="1" i="0" u="none" strike="noStrike" dirty="0">
+                <a:solidFill>
+                  <a:srgbClr val="000000"/>
+                </a:solidFill>
+                <a:effectLst/>
+                <a:latin typeface="+mn-lt"/>
+              </a:rPr>
+              <a:t>Content based </a:t>
+            </a:r>
+            <a:r>
+              <a:rPr lang="en-US" sz="4000" b="1" i="0" u="none" strike="noStrike" dirty="0">
+                <a:solidFill>
+                  <a:srgbClr val="0E101A"/>
+                </a:solidFill>
+                <a:effectLst/>
+                <a:latin typeface="+mn-lt"/>
+              </a:rPr>
+              <a:t>recommender</a:t>
+            </a:r>
+            <a:endParaRPr lang="en-US" sz="4000" b="1" dirty="0">
+              <a:solidFill>
+                <a:srgbClr val="0E101A"/>
+              </a:solidFill>
+              <a:latin typeface="+mn-lt"/>
+            </a:endParaRPr>
+          </a:p>
+        </p:txBody>
+      </p:sp>
+      <p:sp>
+        <p:nvSpPr>
+          <p:cNvPr id="3" name="Content Placeholder 2">
+            <a:extLst>
+              <a:ext uri="{FF2B5EF4-FFF2-40B4-BE49-F238E27FC236}">
+                <a16:creationId xmlns:a16="http://schemas.microsoft.com/office/drawing/2014/main" id="{A0AC3358-D52F-4B22-9BCD-63C7DC7DF852}"/>
+              </a:ext>
+            </a:extLst>
+          </p:cNvPr>
+          <p:cNvSpPr>
+            <a:spLocks noGrp="1"/>
+          </p:cNvSpPr>
+          <p:nvPr>
+            <p:ph idx="1"/>
+          </p:nvPr>
+        </p:nvSpPr>
+        <p:spPr/>
+        <p:txBody>
+          <a:bodyPr>
+            <a:normAutofit/>
+          </a:bodyPr>
+          <a:lstStyle/>
+          <a:p>
+            <a:r>
+              <a:rPr lang="en-US" sz="2000" b="0" i="0" u="none" strike="noStrike" dirty="0">
+                <a:solidFill>
+                  <a:srgbClr val="000000"/>
+                </a:solidFill>
+                <a:effectLst/>
+              </a:rPr>
+              <a:t>I have Mentioned Director 3 times to give it more weight relative to the entire cast.</a:t>
+            </a:r>
+          </a:p>
+          <a:p>
+            <a:endParaRPr lang="en-US" sz="2000" b="0" i="0" u="none" strike="noStrike" dirty="0">
+              <a:solidFill>
+                <a:srgbClr val="000000"/>
+              </a:solidFill>
+              <a:effectLst/>
+            </a:endParaRPr>
+          </a:p>
+          <a:p>
+            <a:pPr rtl="0">
+              <a:spcBef>
+                <a:spcPts val="0"/>
+              </a:spcBef>
+              <a:spcAft>
+                <a:spcPts val="0"/>
+              </a:spcAft>
+            </a:pPr>
+            <a:r>
+              <a:rPr lang="en-US" sz="2000" b="0" i="0" u="none" strike="noStrike" dirty="0">
+                <a:solidFill>
+                  <a:srgbClr val="000000"/>
+                </a:solidFill>
+                <a:effectLst/>
+              </a:rPr>
+              <a:t>I created a "metadata soup," a string containing all the metadata that we want to feed to our vectorizer (namely actors, director, and keywords).</a:t>
+            </a:r>
+            <a:br>
+              <a:rPr lang="en-US" sz="2000" dirty="0"/>
+            </a:br>
+            <a:endParaRPr lang="en-US" sz="2000" b="0" i="0" u="none" strike="noStrike" dirty="0">
+              <a:solidFill>
+                <a:srgbClr val="000000"/>
+              </a:solidFill>
+              <a:effectLst/>
+            </a:endParaRPr>
+          </a:p>
+          <a:p>
+            <a:pPr rtl="0">
+              <a:spcBef>
+                <a:spcPts val="0"/>
+              </a:spcBef>
+              <a:spcAft>
+                <a:spcPts val="0"/>
+              </a:spcAft>
+            </a:pPr>
+            <a:r>
+              <a:rPr lang="en-US" sz="2000" b="0" i="0" u="none" strike="noStrike" dirty="0">
+                <a:solidFill>
+                  <a:srgbClr val="000000"/>
+                </a:solidFill>
+                <a:effectLst/>
+              </a:rPr>
+              <a:t>To use textual data for predictive modeling, the text must be parsed to remove certain words – this process is called tokenization.</a:t>
+            </a:r>
+          </a:p>
+          <a:p>
+            <a:pPr rtl="0">
+              <a:spcBef>
+                <a:spcPts val="0"/>
+              </a:spcBef>
+              <a:spcAft>
+                <a:spcPts val="0"/>
+              </a:spcAft>
+            </a:pPr>
+            <a:endParaRPr lang="en-US" sz="2000" b="0" i="0" u="none" strike="noStrike" dirty="0">
+              <a:solidFill>
+                <a:srgbClr val="000000"/>
+              </a:solidFill>
+              <a:effectLst/>
+            </a:endParaRPr>
+          </a:p>
+          <a:p>
+            <a:pPr rtl="0">
+              <a:spcBef>
+                <a:spcPts val="0"/>
+              </a:spcBef>
+              <a:spcAft>
+                <a:spcPts val="0"/>
+              </a:spcAft>
+            </a:pPr>
+            <a:r>
+              <a:rPr lang="en-US" sz="2000" b="0" i="0" u="none" strike="noStrike" dirty="0">
+                <a:solidFill>
+                  <a:srgbClr val="000000"/>
+                </a:solidFill>
+                <a:effectLst/>
+              </a:rPr>
+              <a:t>These words need to be encoded as integers, or floating-point values, for inputs in machine learning algorithms. This process is called feature extraction (or vectorization).</a:t>
+            </a:r>
+          </a:p>
+          <a:p>
+            <a:pPr rtl="0">
+              <a:spcBef>
+                <a:spcPts val="0"/>
+              </a:spcBef>
+              <a:spcAft>
+                <a:spcPts val="0"/>
+              </a:spcAft>
+            </a:pPr>
+            <a:endParaRPr lang="en-US" sz="2000" b="0" i="0" u="none" strike="noStrike" dirty="0">
+              <a:solidFill>
+                <a:srgbClr val="000000"/>
+              </a:solidFill>
+              <a:effectLst/>
+            </a:endParaRPr>
+          </a:p>
+          <a:p>
+            <a:pPr rtl="0">
+              <a:spcBef>
+                <a:spcPts val="0"/>
+              </a:spcBef>
+              <a:spcAft>
+                <a:spcPts val="0"/>
+              </a:spcAft>
+            </a:pPr>
+            <a:r>
+              <a:rPr lang="en-US" sz="2000" b="0" i="0" u="none" strike="noStrike" dirty="0">
+                <a:solidFill>
+                  <a:srgbClr val="000000"/>
+                </a:solidFill>
+                <a:effectLst/>
+              </a:rPr>
+              <a:t>I have used </a:t>
+            </a:r>
+            <a:r>
+              <a:rPr lang="en-US" sz="2000" b="1" i="0" u="none" strike="noStrike" dirty="0" err="1">
+                <a:solidFill>
+                  <a:srgbClr val="000000"/>
+                </a:solidFill>
+                <a:effectLst/>
+              </a:rPr>
+              <a:t>CountVectorizer</a:t>
+            </a:r>
+            <a:r>
+              <a:rPr lang="en-US" sz="2000" b="1" i="0" u="none" strike="noStrike" dirty="0">
+                <a:solidFill>
+                  <a:srgbClr val="000000"/>
+                </a:solidFill>
+                <a:effectLst/>
+              </a:rPr>
+              <a:t>()</a:t>
+            </a:r>
+            <a:r>
+              <a:rPr lang="en-US" sz="2000" b="0" i="0" u="none" strike="noStrike" dirty="0">
+                <a:solidFill>
+                  <a:srgbClr val="000000"/>
+                </a:solidFill>
+                <a:effectLst/>
+              </a:rPr>
+              <a:t> for this process.</a:t>
+            </a:r>
+          </a:p>
+        </p:txBody>
+      </p:sp>
+    </p:spTree>
+    <p:extLst>
+      <p:ext uri="{BB962C8B-B14F-4D97-AF65-F5344CB8AC3E}">
+        <p14:creationId xmlns:p14="http://schemas.microsoft.com/office/powerpoint/2010/main" val="815665476"/>
+      </p:ext>
+    </p:extLst>
+  </p:cSld>
+  <p:clrMapOvr>
+    <a:masterClrMapping/>
+  </p:clrMapOvr>
+</p:sld>
+</file>
+
+<file path=ppt/slides/slide32.xml><?xml version="1.0" encoding="utf-8"?>
+<p:sld xmlns:a="http://schemas.openxmlformats.org/drawingml/2006/main" xmlns:r="http://schemas.openxmlformats.org/officeDocument/2006/relationships" xmlns:p="http://schemas.openxmlformats.org/presentationml/2006/main">
+  <p:cSld>
+    <p:spTree>
+      <p:nvGrpSpPr>
+        <p:cNvPr id="1" name=""/>
+        <p:cNvGrpSpPr/>
+        <p:nvPr/>
+      </p:nvGrpSpPr>
+      <p:grpSpPr>
+        <a:xfrm>
+          <a:off x="0" y="0"/>
+          <a:ext cx="0" cy="0"/>
+          <a:chOff x="0" y="0"/>
+          <a:chExt cx="0" cy="0"/>
+        </a:xfrm>
+      </p:grpSpPr>
+      <p:sp>
+        <p:nvSpPr>
+          <p:cNvPr id="2" name="Title 1">
+            <a:extLst>
+              <a:ext uri="{FF2B5EF4-FFF2-40B4-BE49-F238E27FC236}">
+                <a16:creationId xmlns:a16="http://schemas.microsoft.com/office/drawing/2014/main" id="{179B986D-7DE8-437D-A06F-39681E0BDDB5}"/>
+              </a:ext>
+            </a:extLst>
+          </p:cNvPr>
+          <p:cNvSpPr>
+            <a:spLocks noGrp="1"/>
+          </p:cNvSpPr>
+          <p:nvPr>
+            <p:ph type="title"/>
+          </p:nvPr>
+        </p:nvSpPr>
+        <p:spPr/>
+        <p:txBody>
+          <a:bodyPr>
+            <a:normAutofit/>
+          </a:bodyPr>
+          <a:lstStyle/>
+          <a:p>
+            <a:r>
+              <a:rPr lang="en-US" sz="4000" b="1" i="0" u="none" strike="noStrike" dirty="0">
+                <a:solidFill>
+                  <a:srgbClr val="000000"/>
+                </a:solidFill>
+                <a:effectLst/>
+                <a:latin typeface="+mn-lt"/>
+              </a:rPr>
+              <a:t>Content based </a:t>
+            </a:r>
+            <a:r>
+              <a:rPr lang="en-US" sz="4000" b="1" i="0" u="none" strike="noStrike" dirty="0">
+                <a:solidFill>
+                  <a:srgbClr val="0E101A"/>
+                </a:solidFill>
+                <a:effectLst/>
+                <a:latin typeface="+mn-lt"/>
+              </a:rPr>
+              <a:t>recommender</a:t>
+            </a:r>
+            <a:endParaRPr lang="en-US" sz="4000" b="1" dirty="0">
+              <a:solidFill>
+                <a:srgbClr val="0E101A"/>
+              </a:solidFill>
+              <a:latin typeface="+mn-lt"/>
+            </a:endParaRPr>
+          </a:p>
+        </p:txBody>
+      </p:sp>
+      <p:sp>
+        <p:nvSpPr>
+          <p:cNvPr id="3" name="Content Placeholder 2">
+            <a:extLst>
+              <a:ext uri="{FF2B5EF4-FFF2-40B4-BE49-F238E27FC236}">
+                <a16:creationId xmlns:a16="http://schemas.microsoft.com/office/drawing/2014/main" id="{A0AC3358-D52F-4B22-9BCD-63C7DC7DF852}"/>
+              </a:ext>
+            </a:extLst>
+          </p:cNvPr>
+          <p:cNvSpPr>
+            <a:spLocks noGrp="1"/>
+          </p:cNvSpPr>
+          <p:nvPr>
+            <p:ph idx="1"/>
+          </p:nvPr>
+        </p:nvSpPr>
+        <p:spPr/>
+        <p:txBody>
+          <a:bodyPr>
+            <a:normAutofit/>
+          </a:bodyPr>
+          <a:lstStyle/>
+          <a:p>
+            <a:r>
+              <a:rPr lang="en-US" sz="2000" b="0" i="0" u="none" strike="noStrike" dirty="0">
+                <a:solidFill>
+                  <a:srgbClr val="000000"/>
+                </a:solidFill>
+                <a:effectLst/>
+              </a:rPr>
+              <a:t>Using cosine similarity, I am calculating a numeric quantity that denotes the similarity between two movies. </a:t>
+            </a:r>
+          </a:p>
+          <a:p>
+            <a:r>
+              <a:rPr lang="en-US" sz="2000" b="0" i="0" u="none" strike="noStrike" dirty="0">
+                <a:solidFill>
+                  <a:srgbClr val="000000"/>
+                </a:solidFill>
+                <a:effectLst/>
+              </a:rPr>
+              <a:t>I used the cosine similarity score since it is independent of magnitude and is relatively easy and fast to calculate.</a:t>
+            </a:r>
+          </a:p>
+        </p:txBody>
+      </p:sp>
+    </p:spTree>
+    <p:extLst>
+      <p:ext uri="{BB962C8B-B14F-4D97-AF65-F5344CB8AC3E}">
+        <p14:creationId xmlns:p14="http://schemas.microsoft.com/office/powerpoint/2010/main" val="2021858607"/>
+      </p:ext>
+    </p:extLst>
+  </p:cSld>
+  <p:clrMapOvr>
+    <a:masterClrMapping/>
+  </p:clrMapOvr>
+</p:sld>
+</file>
+
+<file path=ppt/slides/slide33.xml><?xml version="1.0" encoding="utf-8"?>
+<p:sld xmlns:a="http://schemas.openxmlformats.org/drawingml/2006/main" xmlns:r="http://schemas.openxmlformats.org/officeDocument/2006/relationships" xmlns:p="http://schemas.openxmlformats.org/presentationml/2006/main">
+  <p:cSld>
+    <p:spTree>
+      <p:nvGrpSpPr>
+        <p:cNvPr id="1" name=""/>
+        <p:cNvGrpSpPr/>
+        <p:nvPr/>
+      </p:nvGrpSpPr>
+      <p:grpSpPr>
+        <a:xfrm>
+          <a:off x="0" y="0"/>
+          <a:ext cx="0" cy="0"/>
+          <a:chOff x="0" y="0"/>
+          <a:chExt cx="0" cy="0"/>
+        </a:xfrm>
+      </p:grpSpPr>
+      <p:sp>
+        <p:nvSpPr>
+          <p:cNvPr id="2" name="Title 1">
+            <a:extLst>
+              <a:ext uri="{FF2B5EF4-FFF2-40B4-BE49-F238E27FC236}">
+                <a16:creationId xmlns:a16="http://schemas.microsoft.com/office/drawing/2014/main" id="{179B986D-7DE8-437D-A06F-39681E0BDDB5}"/>
+              </a:ext>
+            </a:extLst>
+          </p:cNvPr>
+          <p:cNvSpPr>
+            <a:spLocks noGrp="1"/>
+          </p:cNvSpPr>
+          <p:nvPr>
+            <p:ph type="title"/>
+          </p:nvPr>
+        </p:nvSpPr>
+        <p:spPr/>
+        <p:txBody>
+          <a:bodyPr>
+            <a:normAutofit/>
+          </a:bodyPr>
+          <a:lstStyle/>
+          <a:p>
+            <a:r>
+              <a:rPr lang="en-US" sz="4000" b="1" i="0" u="none" strike="noStrike" dirty="0">
+                <a:solidFill>
+                  <a:srgbClr val="000000"/>
+                </a:solidFill>
+                <a:effectLst/>
+                <a:latin typeface="+mn-lt"/>
+              </a:rPr>
+              <a:t>Algorithm for Content based </a:t>
+            </a:r>
+            <a:r>
+              <a:rPr lang="en-US" sz="4000" b="1" i="0" u="none" strike="noStrike" dirty="0">
+                <a:solidFill>
+                  <a:srgbClr val="0E101A"/>
+                </a:solidFill>
+                <a:effectLst/>
+                <a:latin typeface="+mn-lt"/>
+              </a:rPr>
+              <a:t>recommender</a:t>
+            </a:r>
+            <a:endParaRPr lang="en-US" sz="4000" b="1" dirty="0">
+              <a:solidFill>
+                <a:srgbClr val="0E101A"/>
+              </a:solidFill>
+              <a:latin typeface="+mn-lt"/>
+            </a:endParaRPr>
+          </a:p>
+        </p:txBody>
+      </p:sp>
+      <p:sp>
+        <p:nvSpPr>
+          <p:cNvPr id="3" name="Content Placeholder 2">
+            <a:extLst>
+              <a:ext uri="{FF2B5EF4-FFF2-40B4-BE49-F238E27FC236}">
+                <a16:creationId xmlns:a16="http://schemas.microsoft.com/office/drawing/2014/main" id="{A0AC3358-D52F-4B22-9BCD-63C7DC7DF852}"/>
+              </a:ext>
+            </a:extLst>
+          </p:cNvPr>
+          <p:cNvSpPr>
+            <a:spLocks noGrp="1"/>
+          </p:cNvSpPr>
+          <p:nvPr>
+            <p:ph idx="1"/>
+          </p:nvPr>
+        </p:nvSpPr>
+        <p:spPr/>
+        <p:txBody>
+          <a:bodyPr>
+            <a:normAutofit/>
+          </a:bodyPr>
+          <a:lstStyle/>
+          <a:p>
+            <a:pPr rtl="0" fontAlgn="base">
+              <a:spcBef>
+                <a:spcPts val="0"/>
+              </a:spcBef>
+              <a:spcAft>
+                <a:spcPts val="0"/>
+              </a:spcAft>
+              <a:buFont typeface="Arial" panose="020B0604020202020204" pitchFamily="34" charset="0"/>
+              <a:buChar char="•"/>
+            </a:pPr>
+            <a:r>
+              <a:rPr lang="en-US" sz="2000" b="0" i="0" u="none" strike="noStrike" dirty="0">
+                <a:solidFill>
+                  <a:srgbClr val="0E101A"/>
+                </a:solidFill>
+                <a:effectLst/>
+              </a:rPr>
+              <a:t>Get the index of the movie given its title.</a:t>
+            </a:r>
+          </a:p>
+          <a:p>
+            <a:pPr rtl="0" fontAlgn="base">
+              <a:spcBef>
+                <a:spcPts val="0"/>
+              </a:spcBef>
+              <a:spcAft>
+                <a:spcPts val="0"/>
+              </a:spcAft>
+              <a:buFont typeface="Arial" panose="020B0604020202020204" pitchFamily="34" charset="0"/>
+              <a:buChar char="•"/>
+            </a:pPr>
+            <a:endParaRPr lang="en-US" sz="2000" b="0" i="0" u="none" strike="noStrike" dirty="0">
+              <a:solidFill>
+                <a:srgbClr val="0E101A"/>
+              </a:solidFill>
+              <a:effectLst/>
+            </a:endParaRPr>
+          </a:p>
+          <a:p>
+            <a:pPr rtl="0" fontAlgn="base">
+              <a:spcBef>
+                <a:spcPts val="0"/>
+              </a:spcBef>
+              <a:spcAft>
+                <a:spcPts val="0"/>
+              </a:spcAft>
+              <a:buFont typeface="Arial" panose="020B0604020202020204" pitchFamily="34" charset="0"/>
+              <a:buChar char="•"/>
+            </a:pPr>
+            <a:r>
+              <a:rPr lang="en-US" sz="2000" b="0" i="0" u="none" strike="noStrike" dirty="0">
+                <a:solidFill>
+                  <a:srgbClr val="0E101A"/>
+                </a:solidFill>
+                <a:effectLst/>
+              </a:rPr>
+              <a:t>Get the list of cosine similarity scores for that particular movie with all movies.</a:t>
+            </a:r>
+          </a:p>
+          <a:p>
+            <a:pPr rtl="0" fontAlgn="base">
+              <a:spcBef>
+                <a:spcPts val="0"/>
+              </a:spcBef>
+              <a:spcAft>
+                <a:spcPts val="0"/>
+              </a:spcAft>
+              <a:buFont typeface="Arial" panose="020B0604020202020204" pitchFamily="34" charset="0"/>
+              <a:buChar char="•"/>
+            </a:pPr>
+            <a:endParaRPr lang="en-US" sz="2000" b="0" i="0" u="none" strike="noStrike" dirty="0">
+              <a:solidFill>
+                <a:srgbClr val="0E101A"/>
+              </a:solidFill>
+              <a:effectLst/>
+            </a:endParaRPr>
+          </a:p>
+          <a:p>
+            <a:pPr rtl="0" fontAlgn="base">
+              <a:spcBef>
+                <a:spcPts val="0"/>
+              </a:spcBef>
+              <a:spcAft>
+                <a:spcPts val="0"/>
+              </a:spcAft>
+              <a:buFont typeface="Arial" panose="020B0604020202020204" pitchFamily="34" charset="0"/>
+              <a:buChar char="•"/>
+            </a:pPr>
+            <a:r>
+              <a:rPr lang="en-US" sz="2000" b="0" i="0" u="none" strike="noStrike" dirty="0">
+                <a:solidFill>
+                  <a:srgbClr val="0E101A"/>
+                </a:solidFill>
+                <a:effectLst/>
+              </a:rPr>
+              <a:t>Convert it into a list of tuples where the first element is its position, and the second is the similarity score. </a:t>
+            </a:r>
+          </a:p>
+          <a:p>
+            <a:pPr rtl="0" fontAlgn="base">
+              <a:spcBef>
+                <a:spcPts val="0"/>
+              </a:spcBef>
+              <a:spcAft>
+                <a:spcPts val="0"/>
+              </a:spcAft>
+              <a:buFont typeface="Arial" panose="020B0604020202020204" pitchFamily="34" charset="0"/>
+              <a:buChar char="•"/>
+            </a:pPr>
+            <a:endParaRPr lang="en-US" sz="2000" b="0" i="0" u="none" strike="noStrike" dirty="0">
+              <a:solidFill>
+                <a:srgbClr val="0E101A"/>
+              </a:solidFill>
+              <a:effectLst/>
+            </a:endParaRPr>
+          </a:p>
+          <a:p>
+            <a:pPr rtl="0" fontAlgn="base">
+              <a:spcBef>
+                <a:spcPts val="0"/>
+              </a:spcBef>
+              <a:spcAft>
+                <a:spcPts val="0"/>
+              </a:spcAft>
+              <a:buFont typeface="Arial" panose="020B0604020202020204" pitchFamily="34" charset="0"/>
+              <a:buChar char="•"/>
+            </a:pPr>
+            <a:r>
+              <a:rPr lang="en-US" sz="2000" b="0" i="0" u="none" strike="noStrike" dirty="0">
+                <a:solidFill>
+                  <a:srgbClr val="0E101A"/>
+                </a:solidFill>
+                <a:effectLst/>
+              </a:rPr>
+              <a:t>Sort the list mentioned above of tuples based on the similarity scores, the second element.</a:t>
+            </a:r>
+          </a:p>
+          <a:p>
+            <a:pPr rtl="0" fontAlgn="base">
+              <a:spcBef>
+                <a:spcPts val="0"/>
+              </a:spcBef>
+              <a:spcAft>
+                <a:spcPts val="0"/>
+              </a:spcAft>
+              <a:buFont typeface="Arial" panose="020B0604020202020204" pitchFamily="34" charset="0"/>
+              <a:buChar char="•"/>
+            </a:pPr>
+            <a:endParaRPr lang="en-US" sz="2000" b="0" i="0" u="none" strike="noStrike" dirty="0">
+              <a:solidFill>
+                <a:srgbClr val="0E101A"/>
+              </a:solidFill>
+              <a:effectLst/>
+            </a:endParaRPr>
+          </a:p>
+          <a:p>
+            <a:pPr rtl="0" fontAlgn="base">
+              <a:spcBef>
+                <a:spcPts val="0"/>
+              </a:spcBef>
+              <a:spcAft>
+                <a:spcPts val="0"/>
+              </a:spcAft>
+              <a:buFont typeface="Arial" panose="020B0604020202020204" pitchFamily="34" charset="0"/>
+              <a:buChar char="•"/>
+            </a:pPr>
+            <a:r>
+              <a:rPr lang="en-US" sz="2000" b="0" i="0" u="none" strike="noStrike" dirty="0">
+                <a:solidFill>
+                  <a:srgbClr val="0E101A"/>
+                </a:solidFill>
+                <a:effectLst/>
+              </a:rPr>
+              <a:t>Get the top 10 elements of this list. Ignore the first element as it refers to self (the movie most similar to a particular movie is the movie itself).</a:t>
+            </a:r>
+          </a:p>
+          <a:p>
+            <a:pPr rtl="0" fontAlgn="base">
+              <a:spcBef>
+                <a:spcPts val="0"/>
+              </a:spcBef>
+              <a:spcAft>
+                <a:spcPts val="0"/>
+              </a:spcAft>
+              <a:buFont typeface="Arial" panose="020B0604020202020204" pitchFamily="34" charset="0"/>
+              <a:buChar char="•"/>
+            </a:pPr>
+            <a:endParaRPr lang="en-US" sz="2000" b="0" i="0" u="none" strike="noStrike" dirty="0">
+              <a:solidFill>
+                <a:srgbClr val="0E101A"/>
+              </a:solidFill>
+              <a:effectLst/>
+            </a:endParaRPr>
+          </a:p>
+          <a:p>
+            <a:pPr rtl="0" fontAlgn="base">
+              <a:spcBef>
+                <a:spcPts val="0"/>
+              </a:spcBef>
+              <a:spcAft>
+                <a:spcPts val="0"/>
+              </a:spcAft>
+              <a:buFont typeface="Arial" panose="020B0604020202020204" pitchFamily="34" charset="0"/>
+              <a:buChar char="•"/>
+            </a:pPr>
+            <a:r>
+              <a:rPr lang="en-US" sz="2000" b="0" i="0" u="none" strike="noStrike" dirty="0">
+                <a:solidFill>
+                  <a:srgbClr val="0E101A"/>
+                </a:solidFill>
+                <a:effectLst/>
+              </a:rPr>
+              <a:t>Return the titles corresponding to the indices of the top elements</a:t>
+            </a:r>
+          </a:p>
+          <a:p>
+            <a:endParaRPr lang="en-US" sz="2000" b="0" i="0" u="none" strike="noStrike" dirty="0">
+              <a:solidFill>
+                <a:srgbClr val="000000"/>
+              </a:solidFill>
+              <a:effectLst/>
+            </a:endParaRPr>
+          </a:p>
+        </p:txBody>
+      </p:sp>
+    </p:spTree>
+    <p:extLst>
+      <p:ext uri="{BB962C8B-B14F-4D97-AF65-F5344CB8AC3E}">
+        <p14:creationId xmlns:p14="http://schemas.microsoft.com/office/powerpoint/2010/main" val="1998029367"/>
+      </p:ext>
+    </p:extLst>
+  </p:cSld>
+  <p:clrMapOvr>
+    <a:masterClrMapping/>
+  </p:clrMapOvr>
+</p:sld>
+</file>
+
+<file path=ppt/slides/slide34.xml><?xml version="1.0" encoding="utf-8"?>
+<p:sld xmlns:a="http://schemas.openxmlformats.org/drawingml/2006/main" xmlns:r="http://schemas.openxmlformats.org/officeDocument/2006/relationships" xmlns:p="http://schemas.openxmlformats.org/presentationml/2006/main">
+  <p:cSld>
+    <p:spTree>
+      <p:nvGrpSpPr>
+        <p:cNvPr id="1" name=""/>
+        <p:cNvGrpSpPr/>
+        <p:nvPr/>
+      </p:nvGrpSpPr>
+      <p:grpSpPr>
+        <a:xfrm>
+          <a:off x="0" y="0"/>
+          <a:ext cx="0" cy="0"/>
+          <a:chOff x="0" y="0"/>
+          <a:chExt cx="0" cy="0"/>
+        </a:xfrm>
+      </p:grpSpPr>
+      <p:sp>
+        <p:nvSpPr>
+          <p:cNvPr id="2" name="Title 1">
+            <a:extLst>
+              <a:ext uri="{FF2B5EF4-FFF2-40B4-BE49-F238E27FC236}">
+                <a16:creationId xmlns:a16="http://schemas.microsoft.com/office/drawing/2014/main" id="{179B986D-7DE8-437D-A06F-39681E0BDDB5}"/>
+              </a:ext>
+            </a:extLst>
+          </p:cNvPr>
+          <p:cNvSpPr>
+            <a:spLocks noGrp="1"/>
+          </p:cNvSpPr>
+          <p:nvPr>
+            <p:ph type="title"/>
+          </p:nvPr>
+        </p:nvSpPr>
+        <p:spPr/>
+        <p:txBody>
+          <a:bodyPr>
+            <a:normAutofit/>
+          </a:bodyPr>
+          <a:lstStyle/>
+          <a:p>
+            <a:r>
+              <a:rPr lang="en-US" sz="4000" b="1" i="0" u="none" strike="noStrike" dirty="0">
+                <a:solidFill>
+                  <a:srgbClr val="000000"/>
+                </a:solidFill>
+                <a:effectLst/>
+                <a:latin typeface="+mn-lt"/>
+              </a:rPr>
+              <a:t>Content based </a:t>
+            </a:r>
+            <a:r>
+              <a:rPr lang="en-US" sz="4000" b="1" i="0" u="none" strike="noStrike" dirty="0">
+                <a:solidFill>
+                  <a:srgbClr val="0E101A"/>
+                </a:solidFill>
+                <a:effectLst/>
+                <a:latin typeface="+mn-lt"/>
+              </a:rPr>
+              <a:t>recommender-output</a:t>
+            </a:r>
+            <a:endParaRPr lang="en-US" sz="4000" b="1" dirty="0">
+              <a:solidFill>
+                <a:srgbClr val="0E101A"/>
+              </a:solidFill>
+              <a:latin typeface="+mn-lt"/>
+            </a:endParaRPr>
+          </a:p>
+        </p:txBody>
+      </p:sp>
+      <p:sp>
+        <p:nvSpPr>
+          <p:cNvPr id="3" name="Content Placeholder 2">
+            <a:extLst>
+              <a:ext uri="{FF2B5EF4-FFF2-40B4-BE49-F238E27FC236}">
+                <a16:creationId xmlns:a16="http://schemas.microsoft.com/office/drawing/2014/main" id="{A0AC3358-D52F-4B22-9BCD-63C7DC7DF852}"/>
+              </a:ext>
+            </a:extLst>
+          </p:cNvPr>
+          <p:cNvSpPr>
+            <a:spLocks noGrp="1"/>
+          </p:cNvSpPr>
+          <p:nvPr>
+            <p:ph idx="1"/>
+          </p:nvPr>
+        </p:nvSpPr>
+        <p:spPr>
+          <a:xfrm>
+            <a:off x="838200" y="1825625"/>
+            <a:ext cx="5257800" cy="4351338"/>
+          </a:xfrm>
+        </p:spPr>
+        <p:txBody>
+          <a:bodyPr>
+            <a:normAutofit lnSpcReduction="10000"/>
+          </a:bodyPr>
+          <a:lstStyle/>
+          <a:p>
+            <a:pPr rtl="0" fontAlgn="base">
+              <a:spcBef>
+                <a:spcPts val="0"/>
+              </a:spcBef>
+              <a:spcAft>
+                <a:spcPts val="0"/>
+              </a:spcAft>
+              <a:buFont typeface="Arial" panose="020B0604020202020204" pitchFamily="34" charset="0"/>
+              <a:buChar char="•"/>
+            </a:pPr>
+            <a:r>
+              <a:rPr lang="en-US" sz="2000" b="0" i="0" u="none" strike="noStrike" dirty="0">
+                <a:solidFill>
+                  <a:srgbClr val="0E101A"/>
+                </a:solidFill>
+                <a:effectLst/>
+              </a:rPr>
+              <a:t>The function </a:t>
+            </a:r>
+            <a:r>
+              <a:rPr lang="en-US" sz="2000" b="1" i="0" u="none" strike="noStrike" dirty="0" err="1">
+                <a:solidFill>
+                  <a:srgbClr val="0E101A"/>
+                </a:solidFill>
+                <a:effectLst/>
+              </a:rPr>
+              <a:t>get_recommendations</a:t>
+            </a:r>
+            <a:r>
+              <a:rPr lang="en-US" sz="2000" b="1" i="0" u="none" strike="noStrike" dirty="0">
+                <a:solidFill>
+                  <a:srgbClr val="0E101A"/>
+                </a:solidFill>
+                <a:effectLst/>
+              </a:rPr>
+              <a:t>()</a:t>
+            </a:r>
+            <a:r>
+              <a:rPr lang="en-US" sz="2000" b="0" i="0" u="none" strike="noStrike" dirty="0">
+                <a:solidFill>
+                  <a:srgbClr val="0E101A"/>
+                </a:solidFill>
+                <a:effectLst/>
+              </a:rPr>
+              <a:t> will take the movie title as the first input argument and the </a:t>
+            </a:r>
+            <a:r>
+              <a:rPr lang="en-US" sz="2000" b="1" i="0" u="none" strike="noStrike" dirty="0" err="1">
+                <a:solidFill>
+                  <a:srgbClr val="0E101A"/>
+                </a:solidFill>
+                <a:effectLst/>
+              </a:rPr>
+              <a:t>cosine_sim</a:t>
+            </a:r>
+            <a:r>
+              <a:rPr lang="en-US" sz="2000" b="0" i="0" u="none" strike="noStrike" dirty="0">
+                <a:solidFill>
+                  <a:srgbClr val="0E101A"/>
+                </a:solidFill>
+                <a:effectLst/>
+              </a:rPr>
+              <a:t> matrix as your second input argument.</a:t>
+            </a:r>
+          </a:p>
+          <a:p>
+            <a:pPr rtl="0" fontAlgn="base">
+              <a:spcBef>
+                <a:spcPts val="0"/>
+              </a:spcBef>
+              <a:spcAft>
+                <a:spcPts val="0"/>
+              </a:spcAft>
+              <a:buFont typeface="Arial" panose="020B0604020202020204" pitchFamily="34" charset="0"/>
+              <a:buChar char="•"/>
+            </a:pPr>
+            <a:endParaRPr lang="en-US" sz="2000" b="0" i="0" u="none" strike="noStrike" dirty="0">
+              <a:solidFill>
+                <a:srgbClr val="0E101A"/>
+              </a:solidFill>
+              <a:effectLst/>
+            </a:endParaRPr>
+          </a:p>
+          <a:p>
+            <a:pPr rtl="0" fontAlgn="base">
+              <a:spcBef>
+                <a:spcPts val="0"/>
+              </a:spcBef>
+              <a:spcAft>
+                <a:spcPts val="0"/>
+              </a:spcAft>
+              <a:buFont typeface="Arial" panose="020B0604020202020204" pitchFamily="34" charset="0"/>
+              <a:buChar char="•"/>
+            </a:pPr>
+            <a:r>
+              <a:rPr lang="en-US" sz="2000" b="0" i="0" u="none" strike="noStrike" dirty="0">
+                <a:solidFill>
+                  <a:srgbClr val="0E101A"/>
+                </a:solidFill>
+                <a:effectLst/>
+              </a:rPr>
+              <a:t>For this, we need a reverse mapping of movie titles and Data Frame indices.</a:t>
+            </a:r>
+          </a:p>
+          <a:p>
+            <a:pPr rtl="0" fontAlgn="base">
+              <a:spcBef>
+                <a:spcPts val="0"/>
+              </a:spcBef>
+              <a:spcAft>
+                <a:spcPts val="0"/>
+              </a:spcAft>
+              <a:buFont typeface="Arial" panose="020B0604020202020204" pitchFamily="34" charset="0"/>
+              <a:buChar char="•"/>
+            </a:pPr>
+            <a:endParaRPr lang="en-US" sz="2000" b="0" i="0" u="none" strike="noStrike" dirty="0">
+              <a:solidFill>
+                <a:srgbClr val="0E101A"/>
+              </a:solidFill>
+              <a:effectLst/>
+            </a:endParaRPr>
+          </a:p>
+          <a:p>
+            <a:pPr algn="just" rtl="0">
+              <a:spcBef>
+                <a:spcPts val="0"/>
+              </a:spcBef>
+              <a:spcAft>
+                <a:spcPts val="0"/>
+              </a:spcAft>
+            </a:pPr>
+            <a:r>
+              <a:rPr lang="en-US" sz="2000" b="0" i="0" u="none" strike="noStrike" dirty="0">
+                <a:solidFill>
+                  <a:srgbClr val="0E101A"/>
+                </a:solidFill>
+                <a:effectLst/>
+              </a:rPr>
+              <a:t>we need a mechanism to identify the index of a movie in our metadata Data Frame, given its title. </a:t>
+            </a:r>
+          </a:p>
+          <a:p>
+            <a:pPr algn="just" rtl="0">
+              <a:spcBef>
+                <a:spcPts val="0"/>
+              </a:spcBef>
+              <a:spcAft>
+                <a:spcPts val="0"/>
+              </a:spcAft>
+            </a:pPr>
+            <a:endParaRPr lang="en-US" sz="2000" b="0" i="0" u="none" strike="noStrike" dirty="0">
+              <a:solidFill>
+                <a:srgbClr val="0E101A"/>
+              </a:solidFill>
+              <a:effectLst/>
+            </a:endParaRPr>
+          </a:p>
+          <a:p>
+            <a:pPr algn="just" rtl="0">
+              <a:spcBef>
+                <a:spcPts val="0"/>
+              </a:spcBef>
+              <a:spcAft>
+                <a:spcPts val="0"/>
+              </a:spcAft>
+            </a:pPr>
+            <a:r>
+              <a:rPr lang="en-US" sz="2000" b="0" i="0" u="none" strike="noStrike" dirty="0">
+                <a:solidFill>
+                  <a:srgbClr val="000000"/>
+                </a:solidFill>
+                <a:effectLst/>
+              </a:rPr>
+              <a:t>The recommendations seem to have recognized other Christopher Nolan movies (due to the high weightage given to the director) and put them as top recommendations.</a:t>
+            </a:r>
+            <a:endParaRPr lang="en-US" sz="2000" b="0" dirty="0">
+              <a:effectLst/>
+            </a:endParaRPr>
+          </a:p>
+          <a:p>
+            <a:endParaRPr lang="en-US" sz="2000" b="0" i="0" u="none" strike="noStrike" dirty="0">
+              <a:solidFill>
+                <a:srgbClr val="000000"/>
+              </a:solidFill>
+              <a:effectLst/>
+            </a:endParaRPr>
+          </a:p>
+        </p:txBody>
+      </p:sp>
+      <p:pic>
+        <p:nvPicPr>
+          <p:cNvPr id="13314" name="Picture 2">
+            <a:extLst>
+              <a:ext uri="{FF2B5EF4-FFF2-40B4-BE49-F238E27FC236}">
+                <a16:creationId xmlns:a16="http://schemas.microsoft.com/office/drawing/2014/main" id="{94AAE783-7F6D-48D4-9059-5072CBF9FAE7}"/>
+              </a:ext>
+            </a:extLst>
+          </p:cNvPr>
+          <p:cNvPicPr>
+            <a:picLocks noChangeAspect="1" noChangeArrowheads="1"/>
+          </p:cNvPicPr>
+          <p:nvPr/>
+        </p:nvPicPr>
+        <p:blipFill>
+          <a:blip r:embed="rId2">
+            <a:extLst>
+              <a:ext uri="{28A0092B-C50C-407E-A947-70E740481C1C}">
+                <a14:useLocalDpi xmlns:a14="http://schemas.microsoft.com/office/drawing/2010/main" val="0"/>
+              </a:ext>
+            </a:extLst>
+          </a:blip>
+          <a:srcRect/>
+          <a:stretch>
+            <a:fillRect/>
+          </a:stretch>
+        </p:blipFill>
+        <p:spPr bwMode="auto">
+          <a:xfrm>
+            <a:off x="6657974" y="1825625"/>
+            <a:ext cx="4695825" cy="4351338"/>
+          </a:xfrm>
+          <a:prstGeom prst="rect">
+            <a:avLst/>
+          </a:prstGeom>
+          <a:noFill/>
+          <a:extLst>
+            <a:ext uri="{909E8E84-426E-40DD-AFC4-6F175D3DCCD1}">
+              <a14:hiddenFill xmlns:a14="http://schemas.microsoft.com/office/drawing/2010/main">
+                <a:solidFill>
+                  <a:srgbClr val="FFFFFF"/>
+                </a:solidFill>
+              </a14:hiddenFill>
+            </a:ext>
+          </a:extLst>
+        </p:spPr>
+      </p:pic>
+    </p:spTree>
+    <p:extLst>
+      <p:ext uri="{BB962C8B-B14F-4D97-AF65-F5344CB8AC3E}">
+        <p14:creationId xmlns:p14="http://schemas.microsoft.com/office/powerpoint/2010/main" val="951147211"/>
+      </p:ext>
+    </p:extLst>
+  </p:cSld>
+  <p:clrMapOvr>
+    <a:masterClrMapping/>
+  </p:clrMapOvr>
+</p:sld>
+</file>
+
+<file path=ppt/slides/slide35.xml><?xml version="1.0" encoding="utf-8"?>
+<p:sld xmlns:a="http://schemas.openxmlformats.org/drawingml/2006/main" xmlns:r="http://schemas.openxmlformats.org/officeDocument/2006/relationships" xmlns:p="http://schemas.openxmlformats.org/presentationml/2006/main">
+  <p:cSld>
+    <p:spTree>
+      <p:nvGrpSpPr>
+        <p:cNvPr id="1" name=""/>
+        <p:cNvGrpSpPr/>
+        <p:nvPr/>
+      </p:nvGrpSpPr>
+      <p:grpSpPr>
+        <a:xfrm>
+          <a:off x="0" y="0"/>
+          <a:ext cx="0" cy="0"/>
+          <a:chOff x="0" y="0"/>
+          <a:chExt cx="0" cy="0"/>
+        </a:xfrm>
+      </p:grpSpPr>
+      <p:sp>
+        <p:nvSpPr>
+          <p:cNvPr id="2" name="Title 1">
+            <a:extLst>
+              <a:ext uri="{FF2B5EF4-FFF2-40B4-BE49-F238E27FC236}">
+                <a16:creationId xmlns:a16="http://schemas.microsoft.com/office/drawing/2014/main" id="{179B986D-7DE8-437D-A06F-39681E0BDDB5}"/>
+              </a:ext>
+            </a:extLst>
+          </p:cNvPr>
+          <p:cNvSpPr>
+            <a:spLocks noGrp="1"/>
+          </p:cNvSpPr>
+          <p:nvPr>
+            <p:ph type="title"/>
+          </p:nvPr>
+        </p:nvSpPr>
+        <p:spPr/>
+        <p:txBody>
+          <a:bodyPr>
+            <a:normAutofit/>
+          </a:bodyPr>
+          <a:lstStyle/>
+          <a:p>
+            <a:r>
+              <a:rPr lang="en-US" sz="4000" b="1" i="0" u="none" strike="noStrike" dirty="0">
+                <a:solidFill>
+                  <a:srgbClr val="000000"/>
+                </a:solidFill>
+                <a:effectLst/>
+                <a:latin typeface="+mn-lt"/>
+              </a:rPr>
+              <a:t>Content based </a:t>
+            </a:r>
+            <a:r>
+              <a:rPr lang="en-US" sz="4000" b="1" i="0" u="none" strike="noStrike" dirty="0">
+                <a:solidFill>
+                  <a:srgbClr val="0E101A"/>
+                </a:solidFill>
+                <a:effectLst/>
+                <a:latin typeface="+mn-lt"/>
+              </a:rPr>
+              <a:t>recommender-using vote count</a:t>
+            </a:r>
+            <a:endParaRPr lang="en-US" sz="4000" b="1" dirty="0">
+              <a:solidFill>
+                <a:srgbClr val="0E101A"/>
+              </a:solidFill>
+              <a:latin typeface="+mn-lt"/>
+            </a:endParaRPr>
+          </a:p>
+        </p:txBody>
+      </p:sp>
+      <p:sp>
+        <p:nvSpPr>
+          <p:cNvPr id="3" name="Content Placeholder 2">
+            <a:extLst>
+              <a:ext uri="{FF2B5EF4-FFF2-40B4-BE49-F238E27FC236}">
+                <a16:creationId xmlns:a16="http://schemas.microsoft.com/office/drawing/2014/main" id="{A0AC3358-D52F-4B22-9BCD-63C7DC7DF852}"/>
+              </a:ext>
+            </a:extLst>
+          </p:cNvPr>
+          <p:cNvSpPr>
+            <a:spLocks noGrp="1"/>
+          </p:cNvSpPr>
+          <p:nvPr>
+            <p:ph idx="1"/>
+          </p:nvPr>
+        </p:nvSpPr>
+        <p:spPr>
+          <a:xfrm>
+            <a:off x="838200" y="1825625"/>
+            <a:ext cx="5257800" cy="4351338"/>
+          </a:xfrm>
+        </p:spPr>
+        <p:txBody>
+          <a:bodyPr>
+            <a:normAutofit/>
+          </a:bodyPr>
+          <a:lstStyle/>
+          <a:p>
+            <a:pPr rtl="0" fontAlgn="base">
+              <a:spcBef>
+                <a:spcPts val="0"/>
+              </a:spcBef>
+              <a:spcAft>
+                <a:spcPts val="0"/>
+              </a:spcAft>
+              <a:buFont typeface="Arial" panose="020B0604020202020204" pitchFamily="34" charset="0"/>
+              <a:buChar char="•"/>
+            </a:pPr>
+            <a:r>
+              <a:rPr lang="en-US" sz="2000" b="0" i="0" u="none" strike="noStrike" dirty="0">
+                <a:solidFill>
+                  <a:srgbClr val="0E101A"/>
+                </a:solidFill>
+                <a:effectLst/>
+              </a:rPr>
+              <a:t>I took the top 25 movies based on similarity scores and calculated the 60th percentile movie's vote. </a:t>
+            </a:r>
+          </a:p>
+          <a:p>
+            <a:pPr rtl="0" fontAlgn="base">
+              <a:spcBef>
+                <a:spcPts val="0"/>
+              </a:spcBef>
+              <a:spcAft>
+                <a:spcPts val="0"/>
+              </a:spcAft>
+              <a:buFont typeface="Arial" panose="020B0604020202020204" pitchFamily="34" charset="0"/>
+              <a:buChar char="•"/>
+            </a:pPr>
+            <a:endParaRPr lang="en-US" sz="2000" b="0" i="0" u="none" strike="noStrike" dirty="0">
+              <a:solidFill>
+                <a:srgbClr val="0E101A"/>
+              </a:solidFill>
+              <a:effectLst/>
+            </a:endParaRPr>
+          </a:p>
+          <a:p>
+            <a:pPr rtl="0" fontAlgn="base">
+              <a:spcBef>
+                <a:spcPts val="0"/>
+              </a:spcBef>
+              <a:spcAft>
+                <a:spcPts val="0"/>
+              </a:spcAft>
+              <a:buFont typeface="Arial" panose="020B0604020202020204" pitchFamily="34" charset="0"/>
+              <a:buChar char="•"/>
+            </a:pPr>
+            <a:r>
+              <a:rPr lang="en-US" sz="2000" b="0" i="0" u="none" strike="noStrike" dirty="0">
+                <a:solidFill>
+                  <a:srgbClr val="0E101A"/>
+                </a:solidFill>
+                <a:effectLst/>
+              </a:rPr>
+              <a:t>Using this value of, we will calculate the weighted rating of each movie.</a:t>
+            </a:r>
+            <a:endParaRPr lang="en-US" sz="2000" b="0" i="0" u="none" strike="noStrike" dirty="0">
+              <a:solidFill>
+                <a:srgbClr val="000000"/>
+              </a:solidFill>
+              <a:effectLst/>
+            </a:endParaRPr>
+          </a:p>
+        </p:txBody>
+      </p:sp>
+      <p:pic>
+        <p:nvPicPr>
+          <p:cNvPr id="19458" name="Picture 2">
+            <a:extLst>
+              <a:ext uri="{FF2B5EF4-FFF2-40B4-BE49-F238E27FC236}">
+                <a16:creationId xmlns:a16="http://schemas.microsoft.com/office/drawing/2014/main" id="{CFB3E5DD-4A3D-4945-A323-A23AA975EA7D}"/>
+              </a:ext>
+            </a:extLst>
+          </p:cNvPr>
+          <p:cNvPicPr>
+            <a:picLocks noChangeAspect="1" noChangeArrowheads="1"/>
+          </p:cNvPicPr>
+          <p:nvPr/>
+        </p:nvPicPr>
+        <p:blipFill>
+          <a:blip r:embed="rId2">
+            <a:extLst>
+              <a:ext uri="{28A0092B-C50C-407E-A947-70E740481C1C}">
+                <a14:useLocalDpi xmlns:a14="http://schemas.microsoft.com/office/drawing/2010/main" val="0"/>
+              </a:ext>
+            </a:extLst>
+          </a:blip>
+          <a:srcRect/>
+          <a:stretch>
+            <a:fillRect/>
+          </a:stretch>
+        </p:blipFill>
+        <p:spPr bwMode="auto">
+          <a:xfrm>
+            <a:off x="6095999" y="1662113"/>
+            <a:ext cx="5257799" cy="4514850"/>
+          </a:xfrm>
+          <a:prstGeom prst="rect">
+            <a:avLst/>
+          </a:prstGeom>
+          <a:noFill/>
+          <a:extLst>
+            <a:ext uri="{909E8E84-426E-40DD-AFC4-6F175D3DCCD1}">
+              <a14:hiddenFill xmlns:a14="http://schemas.microsoft.com/office/drawing/2010/main">
+                <a:solidFill>
+                  <a:srgbClr val="FFFFFF"/>
+                </a:solidFill>
+              </a14:hiddenFill>
+            </a:ext>
+          </a:extLst>
+        </p:spPr>
+      </p:pic>
+    </p:spTree>
+    <p:extLst>
+      <p:ext uri="{BB962C8B-B14F-4D97-AF65-F5344CB8AC3E}">
+        <p14:creationId xmlns:p14="http://schemas.microsoft.com/office/powerpoint/2010/main" val="1781142751"/>
+      </p:ext>
+    </p:extLst>
+  </p:cSld>
+  <p:clrMapOvr>
+    <a:masterClrMapping/>
+  </p:clrMapOvr>
+</p:sld>
+</file>
+
+<file path=ppt/slides/slide36.xml><?xml version="1.0" encoding="utf-8"?>
+<p:sld xmlns:a="http://schemas.openxmlformats.org/drawingml/2006/main" xmlns:r="http://schemas.openxmlformats.org/officeDocument/2006/relationships" xmlns:p="http://schemas.openxmlformats.org/presentationml/2006/main">
+  <p:cSld>
+    <p:spTree>
+      <p:nvGrpSpPr>
+        <p:cNvPr id="1" name=""/>
+        <p:cNvGrpSpPr/>
+        <p:nvPr/>
+      </p:nvGrpSpPr>
+      <p:grpSpPr>
+        <a:xfrm>
+          <a:off x="0" y="0"/>
+          <a:ext cx="0" cy="0"/>
+          <a:chOff x="0" y="0"/>
+          <a:chExt cx="0" cy="0"/>
+        </a:xfrm>
+      </p:grpSpPr>
+      <p:sp>
+        <p:nvSpPr>
+          <p:cNvPr id="2" name="Title 1">
+            <a:extLst>
+              <a:ext uri="{FF2B5EF4-FFF2-40B4-BE49-F238E27FC236}">
+                <a16:creationId xmlns:a16="http://schemas.microsoft.com/office/drawing/2014/main" id="{179B986D-7DE8-437D-A06F-39681E0BDDB5}"/>
+              </a:ext>
+            </a:extLst>
+          </p:cNvPr>
+          <p:cNvSpPr>
+            <a:spLocks noGrp="1"/>
+          </p:cNvSpPr>
+          <p:nvPr>
+            <p:ph type="title"/>
+          </p:nvPr>
+        </p:nvSpPr>
+        <p:spPr/>
+        <p:txBody>
+          <a:bodyPr>
+            <a:normAutofit/>
+          </a:bodyPr>
+          <a:lstStyle/>
+          <a:p>
+            <a:r>
+              <a:rPr lang="en-US" sz="4000" b="1" i="0" u="none" strike="noStrike" dirty="0">
+                <a:solidFill>
+                  <a:srgbClr val="000000"/>
+                </a:solidFill>
+                <a:effectLst/>
+                <a:latin typeface="+mn-lt"/>
+              </a:rPr>
+              <a:t>Collaborative filter-based </a:t>
+            </a:r>
+            <a:r>
+              <a:rPr lang="en-US" sz="4000" b="1" i="0" u="none" strike="noStrike" dirty="0">
+                <a:solidFill>
+                  <a:srgbClr val="0E101A"/>
+                </a:solidFill>
+                <a:effectLst/>
+                <a:latin typeface="+mn-lt"/>
+              </a:rPr>
+              <a:t>recommender</a:t>
+            </a:r>
+            <a:endParaRPr lang="en-US" sz="4000" b="1" dirty="0">
+              <a:solidFill>
+                <a:srgbClr val="0E101A"/>
+              </a:solidFill>
+              <a:latin typeface="+mn-lt"/>
+            </a:endParaRPr>
+          </a:p>
+        </p:txBody>
+      </p:sp>
+      <p:sp>
+        <p:nvSpPr>
+          <p:cNvPr id="3" name="Content Placeholder 2">
+            <a:extLst>
+              <a:ext uri="{FF2B5EF4-FFF2-40B4-BE49-F238E27FC236}">
+                <a16:creationId xmlns:a16="http://schemas.microsoft.com/office/drawing/2014/main" id="{A0AC3358-D52F-4B22-9BCD-63C7DC7DF852}"/>
+              </a:ext>
+            </a:extLst>
+          </p:cNvPr>
+          <p:cNvSpPr>
+            <a:spLocks noGrp="1"/>
+          </p:cNvSpPr>
+          <p:nvPr>
+            <p:ph idx="1"/>
+          </p:nvPr>
+        </p:nvSpPr>
+        <p:spPr>
+          <a:xfrm>
+            <a:off x="838200" y="1825625"/>
+            <a:ext cx="5257800" cy="4351338"/>
+          </a:xfrm>
+        </p:spPr>
+        <p:txBody>
+          <a:bodyPr>
+            <a:normAutofit fontScale="92500" lnSpcReduction="10000"/>
+          </a:bodyPr>
+          <a:lstStyle/>
+          <a:p>
+            <a:pPr rtl="0" fontAlgn="base">
+              <a:spcBef>
+                <a:spcPts val="0"/>
+              </a:spcBef>
+              <a:spcAft>
+                <a:spcPts val="0"/>
+              </a:spcAft>
+              <a:buFont typeface="Arial" panose="020B0604020202020204" pitchFamily="34" charset="0"/>
+              <a:buChar char="•"/>
+            </a:pPr>
+            <a:r>
+              <a:rPr lang="en-US" sz="2000" b="0" i="0" u="none" strike="noStrike" dirty="0">
+                <a:solidFill>
+                  <a:srgbClr val="000000"/>
+                </a:solidFill>
+                <a:effectLst/>
+              </a:rPr>
+              <a:t>To better interpret the data, we first pivot the data frame to have </a:t>
+            </a:r>
+            <a:r>
+              <a:rPr lang="en-US" sz="2000" b="0" i="0" u="none" strike="noStrike" dirty="0" err="1">
+                <a:solidFill>
+                  <a:srgbClr val="000000"/>
+                </a:solidFill>
+                <a:effectLst/>
+              </a:rPr>
+              <a:t>userId</a:t>
+            </a:r>
+            <a:r>
+              <a:rPr lang="en-US" sz="2000" b="0" i="0" u="none" strike="noStrike" dirty="0">
+                <a:solidFill>
+                  <a:srgbClr val="000000"/>
+                </a:solidFill>
+                <a:effectLst/>
+              </a:rPr>
+              <a:t> as rows and </a:t>
+            </a:r>
+            <a:r>
+              <a:rPr lang="en-US" sz="2000" b="0" i="0" u="none" strike="noStrike" dirty="0" err="1">
+                <a:solidFill>
+                  <a:srgbClr val="000000"/>
+                </a:solidFill>
+                <a:effectLst/>
+              </a:rPr>
+              <a:t>movieId</a:t>
+            </a:r>
+            <a:r>
+              <a:rPr lang="en-US" sz="2000" b="0" i="0" u="none" strike="noStrike" dirty="0">
+                <a:solidFill>
+                  <a:srgbClr val="000000"/>
+                </a:solidFill>
+                <a:effectLst/>
+              </a:rPr>
+              <a:t> as columns, filling the null values with 0.0.</a:t>
+            </a:r>
+          </a:p>
+          <a:p>
+            <a:pPr rtl="0" fontAlgn="base">
+              <a:spcBef>
+                <a:spcPts val="0"/>
+              </a:spcBef>
+              <a:spcAft>
+                <a:spcPts val="0"/>
+              </a:spcAft>
+              <a:buFont typeface="Arial" panose="020B0604020202020204" pitchFamily="34" charset="0"/>
+              <a:buChar char="•"/>
+            </a:pPr>
+            <a:endParaRPr lang="en-US" sz="2000" b="0" i="0" u="none" strike="noStrike" dirty="0">
+              <a:solidFill>
+                <a:srgbClr val="0E101A"/>
+              </a:solidFill>
+              <a:effectLst/>
+            </a:endParaRPr>
+          </a:p>
+          <a:p>
+            <a:pPr rtl="0" fontAlgn="base">
+              <a:spcBef>
+                <a:spcPts val="0"/>
+              </a:spcBef>
+              <a:spcAft>
+                <a:spcPts val="0"/>
+              </a:spcAft>
+              <a:buFont typeface="Arial" panose="020B0604020202020204" pitchFamily="34" charset="0"/>
+              <a:buChar char="•"/>
+            </a:pPr>
+            <a:r>
+              <a:rPr lang="en-US" sz="2000" b="0" i="0" u="none" strike="noStrike" dirty="0">
+                <a:solidFill>
+                  <a:srgbClr val="000000"/>
+                </a:solidFill>
+                <a:effectLst/>
+              </a:rPr>
+              <a:t> I have used the </a:t>
+            </a:r>
+            <a:r>
+              <a:rPr lang="en-US" sz="2000" b="0" i="0" u="none" strike="noStrike" dirty="0" err="1">
+                <a:solidFill>
+                  <a:srgbClr val="000000"/>
+                </a:solidFill>
+                <a:effectLst/>
+              </a:rPr>
+              <a:t>scipy</a:t>
+            </a:r>
+            <a:r>
+              <a:rPr lang="en-US" sz="2000" b="0" i="0" u="none" strike="noStrike" dirty="0">
+                <a:solidFill>
+                  <a:srgbClr val="000000"/>
+                </a:solidFill>
+                <a:effectLst/>
+              </a:rPr>
+              <a:t> library in Python to implement algorithms like Singular Value Decomposition (SVD) to give great recommendations and build a function that uses factorized matrices to recommend movies to a user </a:t>
+            </a:r>
+            <a:r>
+              <a:rPr lang="en-US" sz="2000" b="0" i="0" u="none" strike="noStrike" dirty="0" err="1">
+                <a:solidFill>
+                  <a:srgbClr val="000000"/>
+                </a:solidFill>
+                <a:effectLst/>
+              </a:rPr>
+              <a:t>user_id</a:t>
+            </a:r>
+            <a:r>
+              <a:rPr lang="en-US" sz="2000" b="0" i="0" u="none" strike="noStrike" dirty="0">
+                <a:solidFill>
+                  <a:srgbClr val="000000"/>
+                </a:solidFill>
+                <a:effectLst/>
+              </a:rPr>
+              <a:t>.</a:t>
+            </a:r>
+          </a:p>
+          <a:p>
+            <a:pPr algn="just" rtl="0">
+              <a:spcBef>
+                <a:spcPts val="1100"/>
+              </a:spcBef>
+              <a:spcAft>
+                <a:spcPts val="0"/>
+              </a:spcAft>
+            </a:pPr>
+            <a:r>
+              <a:rPr lang="en-US" sz="2000" b="0" i="0" u="none" strike="noStrike" dirty="0">
+                <a:solidFill>
+                  <a:srgbClr val="000000"/>
+                </a:solidFill>
+                <a:effectLst/>
+              </a:rPr>
+              <a:t>This function evaluates all the movies and their ratings, rated so far by the user(implying the user watched this movie) and recommends other movies in the dataset by predicting its rating.</a:t>
+            </a:r>
+            <a:endParaRPr lang="en-US" sz="2000" b="0" dirty="0">
+              <a:effectLst/>
+            </a:endParaRPr>
+          </a:p>
+          <a:p>
+            <a:br>
+              <a:rPr lang="en-US" sz="1400" dirty="0"/>
+            </a:br>
+            <a:endParaRPr lang="en-US" sz="2000" b="0" i="0" u="none" strike="noStrike" dirty="0">
+              <a:solidFill>
+                <a:srgbClr val="000000"/>
+              </a:solidFill>
+              <a:effectLst/>
+            </a:endParaRPr>
+          </a:p>
+        </p:txBody>
+      </p:sp>
+      <p:pic>
+        <p:nvPicPr>
+          <p:cNvPr id="19458" name="Picture 2">
+            <a:extLst>
+              <a:ext uri="{FF2B5EF4-FFF2-40B4-BE49-F238E27FC236}">
+                <a16:creationId xmlns:a16="http://schemas.microsoft.com/office/drawing/2014/main" id="{CFB3E5DD-4A3D-4945-A323-A23AA975EA7D}"/>
+              </a:ext>
+            </a:extLst>
+          </p:cNvPr>
+          <p:cNvPicPr>
+            <a:picLocks noChangeAspect="1" noChangeArrowheads="1"/>
+          </p:cNvPicPr>
+          <p:nvPr/>
+        </p:nvPicPr>
+        <p:blipFill>
+          <a:blip r:embed="rId2">
+            <a:extLst>
+              <a:ext uri="{28A0092B-C50C-407E-A947-70E740481C1C}">
+                <a14:useLocalDpi xmlns:a14="http://schemas.microsoft.com/office/drawing/2010/main" val="0"/>
+              </a:ext>
+            </a:extLst>
+          </a:blip>
+          <a:srcRect/>
+          <a:stretch>
+            <a:fillRect/>
+          </a:stretch>
+        </p:blipFill>
+        <p:spPr bwMode="auto">
+          <a:xfrm>
+            <a:off x="6095999" y="1314450"/>
+            <a:ext cx="5257799" cy="4862513"/>
+          </a:xfrm>
+          <a:prstGeom prst="rect">
+            <a:avLst/>
+          </a:prstGeom>
+          <a:noFill/>
+          <a:extLst>
+            <a:ext uri="{909E8E84-426E-40DD-AFC4-6F175D3DCCD1}">
+              <a14:hiddenFill xmlns:a14="http://schemas.microsoft.com/office/drawing/2010/main">
+                <a:solidFill>
+                  <a:srgbClr val="FFFFFF"/>
+                </a:solidFill>
+              </a14:hiddenFill>
+            </a:ext>
+          </a:extLst>
+        </p:spPr>
+      </p:pic>
+    </p:spTree>
+    <p:extLst>
+      <p:ext uri="{BB962C8B-B14F-4D97-AF65-F5344CB8AC3E}">
+        <p14:creationId xmlns:p14="http://schemas.microsoft.com/office/powerpoint/2010/main" val="482428827"/>
+      </p:ext>
+    </p:extLst>
+  </p:cSld>
+  <p:clrMapOvr>
+    <a:masterClrMapping/>
+  </p:clrMapOvr>
+</p:sld>
+</file>
+
+<file path=ppt/slides/slide37.xml><?xml version="1.0" encoding="utf-8"?>
+<p:sld xmlns:a="http://schemas.openxmlformats.org/drawingml/2006/main" xmlns:r="http://schemas.openxmlformats.org/officeDocument/2006/relationships" xmlns:p="http://schemas.openxmlformats.org/presentationml/2006/main">
+  <p:cSld>
+    <p:spTree>
+      <p:nvGrpSpPr>
+        <p:cNvPr id="1" name=""/>
+        <p:cNvGrpSpPr/>
+        <p:nvPr/>
+      </p:nvGrpSpPr>
+      <p:grpSpPr>
+        <a:xfrm>
+          <a:off x="0" y="0"/>
+          <a:ext cx="0" cy="0"/>
+          <a:chOff x="0" y="0"/>
+          <a:chExt cx="0" cy="0"/>
+        </a:xfrm>
+      </p:grpSpPr>
+      <p:sp>
+        <p:nvSpPr>
+          <p:cNvPr id="2" name="Title 1">
+            <a:extLst>
+              <a:ext uri="{FF2B5EF4-FFF2-40B4-BE49-F238E27FC236}">
+                <a16:creationId xmlns:a16="http://schemas.microsoft.com/office/drawing/2014/main" id="{179B986D-7DE8-437D-A06F-39681E0BDDB5}"/>
+              </a:ext>
+            </a:extLst>
+          </p:cNvPr>
+          <p:cNvSpPr>
+            <a:spLocks noGrp="1"/>
+          </p:cNvSpPr>
+          <p:nvPr>
+            <p:ph type="title"/>
+          </p:nvPr>
+        </p:nvSpPr>
+        <p:spPr/>
+        <p:txBody>
+          <a:bodyPr>
+            <a:normAutofit/>
+          </a:bodyPr>
+          <a:lstStyle/>
+          <a:p>
+            <a:r>
+              <a:rPr lang="en-US" sz="4000" b="1" i="0" u="none" strike="noStrike" dirty="0">
+                <a:solidFill>
+                  <a:srgbClr val="000000"/>
+                </a:solidFill>
+                <a:effectLst/>
+                <a:latin typeface="+mn-lt"/>
+              </a:rPr>
+              <a:t>Collaborative filter-based </a:t>
+            </a:r>
+            <a:r>
+              <a:rPr lang="en-US" sz="4000" b="1" i="0" u="none" strike="noStrike" dirty="0">
+                <a:solidFill>
+                  <a:srgbClr val="0E101A"/>
+                </a:solidFill>
+                <a:effectLst/>
+                <a:latin typeface="+mn-lt"/>
+              </a:rPr>
+              <a:t>recommender</a:t>
+            </a:r>
+            <a:endParaRPr lang="en-US" sz="4000" b="1" dirty="0">
+              <a:solidFill>
+                <a:srgbClr val="0E101A"/>
+              </a:solidFill>
+              <a:latin typeface="+mn-lt"/>
+            </a:endParaRPr>
+          </a:p>
+        </p:txBody>
+      </p:sp>
+      <p:pic>
+        <p:nvPicPr>
+          <p:cNvPr id="20482" name="Picture 2">
+            <a:extLst>
+              <a:ext uri="{FF2B5EF4-FFF2-40B4-BE49-F238E27FC236}">
+                <a16:creationId xmlns:a16="http://schemas.microsoft.com/office/drawing/2014/main" id="{DA158733-D01F-4ED5-91D4-C5FBE8FB349A}"/>
+              </a:ext>
+            </a:extLst>
+          </p:cNvPr>
+          <p:cNvPicPr>
+            <a:picLocks noChangeAspect="1" noChangeArrowheads="1"/>
+          </p:cNvPicPr>
+          <p:nvPr/>
+        </p:nvPicPr>
+        <p:blipFill>
+          <a:blip r:embed="rId2">
+            <a:extLst>
+              <a:ext uri="{28A0092B-C50C-407E-A947-70E740481C1C}">
+                <a14:useLocalDpi xmlns:a14="http://schemas.microsoft.com/office/drawing/2010/main" val="0"/>
+              </a:ext>
+            </a:extLst>
+          </a:blip>
+          <a:srcRect/>
+          <a:stretch>
+            <a:fillRect/>
+          </a:stretch>
+        </p:blipFill>
+        <p:spPr bwMode="auto">
+          <a:xfrm>
+            <a:off x="838200" y="1690688"/>
+            <a:ext cx="10515600" cy="976312"/>
+          </a:xfrm>
+          <a:prstGeom prst="rect">
+            <a:avLst/>
+          </a:prstGeom>
+          <a:noFill/>
+          <a:extLst>
+            <a:ext uri="{909E8E84-426E-40DD-AFC4-6F175D3DCCD1}">
+              <a14:hiddenFill xmlns:a14="http://schemas.microsoft.com/office/drawing/2010/main">
+                <a:solidFill>
+                  <a:srgbClr val="FFFFFF"/>
+                </a:solidFill>
+              </a14:hiddenFill>
+            </a:ext>
+          </a:extLst>
+        </p:spPr>
+      </p:pic>
+      <p:pic>
+        <p:nvPicPr>
+          <p:cNvPr id="20484" name="Picture 4">
+            <a:extLst>
+              <a:ext uri="{FF2B5EF4-FFF2-40B4-BE49-F238E27FC236}">
+                <a16:creationId xmlns:a16="http://schemas.microsoft.com/office/drawing/2014/main" id="{84CCE839-A00A-492A-9C15-C32787270819}"/>
+              </a:ext>
+            </a:extLst>
+          </p:cNvPr>
+          <p:cNvPicPr>
+            <a:picLocks noChangeAspect="1" noChangeArrowheads="1"/>
+          </p:cNvPicPr>
+          <p:nvPr/>
+        </p:nvPicPr>
+        <p:blipFill>
+          <a:blip r:embed="rId3">
+            <a:extLst>
+              <a:ext uri="{28A0092B-C50C-407E-A947-70E740481C1C}">
+                <a14:useLocalDpi xmlns:a14="http://schemas.microsoft.com/office/drawing/2010/main" val="0"/>
+              </a:ext>
+            </a:extLst>
+          </a:blip>
+          <a:srcRect/>
+          <a:stretch>
+            <a:fillRect/>
+          </a:stretch>
+        </p:blipFill>
+        <p:spPr bwMode="auto">
+          <a:xfrm>
+            <a:off x="942974" y="2514600"/>
+            <a:ext cx="10410825" cy="4076700"/>
+          </a:xfrm>
+          <a:prstGeom prst="rect">
+            <a:avLst/>
+          </a:prstGeom>
+          <a:noFill/>
+          <a:extLst>
+            <a:ext uri="{909E8E84-426E-40DD-AFC4-6F175D3DCCD1}">
+              <a14:hiddenFill xmlns:a14="http://schemas.microsoft.com/office/drawing/2010/main">
+                <a:solidFill>
+                  <a:srgbClr val="FFFFFF"/>
+                </a:solidFill>
+              </a14:hiddenFill>
+            </a:ext>
+          </a:extLst>
+        </p:spPr>
+      </p:pic>
+    </p:spTree>
+    <p:extLst>
+      <p:ext uri="{BB962C8B-B14F-4D97-AF65-F5344CB8AC3E}">
+        <p14:creationId xmlns:p14="http://schemas.microsoft.com/office/powerpoint/2010/main" val="2260625911"/>
+      </p:ext>
+    </p:extLst>
+  </p:cSld>
+  <p:clrMapOvr>
+    <a:masterClrMapping/>
+  </p:clrMapOvr>
+</p:sld>
+</file>
+
+<file path=ppt/slides/slide38.xml><?xml version="1.0" encoding="utf-8"?>
+<p:sld xmlns:a="http://schemas.openxmlformats.org/drawingml/2006/main" xmlns:r="http://schemas.openxmlformats.org/officeDocument/2006/relationships" xmlns:p="http://schemas.openxmlformats.org/presentationml/2006/main">
+  <p:cSld>
+    <p:spTree>
+      <p:nvGrpSpPr>
+        <p:cNvPr id="1" name=""/>
+        <p:cNvGrpSpPr/>
+        <p:nvPr/>
+      </p:nvGrpSpPr>
+      <p:grpSpPr>
+        <a:xfrm>
+          <a:off x="0" y="0"/>
+          <a:ext cx="0" cy="0"/>
+          <a:chOff x="0" y="0"/>
+          <a:chExt cx="0" cy="0"/>
+        </a:xfrm>
+      </p:grpSpPr>
+      <p:sp>
+        <p:nvSpPr>
+          <p:cNvPr id="2" name="Title 1">
+            <a:extLst>
+              <a:ext uri="{FF2B5EF4-FFF2-40B4-BE49-F238E27FC236}">
+                <a16:creationId xmlns:a16="http://schemas.microsoft.com/office/drawing/2014/main" id="{179B986D-7DE8-437D-A06F-39681E0BDDB5}"/>
+              </a:ext>
+            </a:extLst>
+          </p:cNvPr>
+          <p:cNvSpPr>
+            <a:spLocks noGrp="1"/>
+          </p:cNvSpPr>
+          <p:nvPr>
+            <p:ph type="title"/>
+          </p:nvPr>
+        </p:nvSpPr>
+        <p:spPr/>
+        <p:txBody>
+          <a:bodyPr>
+            <a:normAutofit/>
+          </a:bodyPr>
+          <a:lstStyle/>
+          <a:p>
+            <a:r>
+              <a:rPr lang="en-US" sz="4000" b="1" i="0" u="none" strike="noStrike" dirty="0">
+                <a:solidFill>
+                  <a:srgbClr val="000000"/>
+                </a:solidFill>
+                <a:effectLst/>
+                <a:latin typeface="+mn-lt"/>
+              </a:rPr>
+              <a:t>Collaborative filter-based </a:t>
+            </a:r>
+            <a:r>
+              <a:rPr lang="en-US" sz="4000" b="1" i="0" u="none" strike="noStrike" dirty="0">
+                <a:solidFill>
+                  <a:srgbClr val="0E101A"/>
+                </a:solidFill>
+                <a:effectLst/>
+                <a:latin typeface="+mn-lt"/>
+              </a:rPr>
+              <a:t>recommender</a:t>
+            </a:r>
+            <a:endParaRPr lang="en-US" sz="4000" b="1" dirty="0">
+              <a:solidFill>
+                <a:srgbClr val="0E101A"/>
+              </a:solidFill>
+              <a:latin typeface="+mn-lt"/>
+            </a:endParaRPr>
+          </a:p>
+        </p:txBody>
+      </p:sp>
+      <p:pic>
+        <p:nvPicPr>
+          <p:cNvPr id="22530" name="Picture 2">
+            <a:extLst>
+              <a:ext uri="{FF2B5EF4-FFF2-40B4-BE49-F238E27FC236}">
+                <a16:creationId xmlns:a16="http://schemas.microsoft.com/office/drawing/2014/main" id="{88A174F6-E432-4D93-9C6C-859293A18C63}"/>
+              </a:ext>
+            </a:extLst>
+          </p:cNvPr>
+          <p:cNvPicPr>
+            <a:picLocks noChangeAspect="1" noChangeArrowheads="1"/>
+          </p:cNvPicPr>
+          <p:nvPr/>
+        </p:nvPicPr>
+        <p:blipFill>
+          <a:blip r:embed="rId2">
+            <a:extLst>
+              <a:ext uri="{28A0092B-C50C-407E-A947-70E740481C1C}">
+                <a14:useLocalDpi xmlns:a14="http://schemas.microsoft.com/office/drawing/2010/main" val="0"/>
+              </a:ext>
+            </a:extLst>
+          </a:blip>
+          <a:srcRect/>
+          <a:stretch>
+            <a:fillRect/>
+          </a:stretch>
+        </p:blipFill>
+        <p:spPr bwMode="auto">
+          <a:xfrm>
+            <a:off x="838200" y="2076450"/>
+            <a:ext cx="10515600" cy="4114800"/>
+          </a:xfrm>
+          <a:prstGeom prst="rect">
+            <a:avLst/>
+          </a:prstGeom>
+          <a:noFill/>
+          <a:extLst>
+            <a:ext uri="{909E8E84-426E-40DD-AFC4-6F175D3DCCD1}">
+              <a14:hiddenFill xmlns:a14="http://schemas.microsoft.com/office/drawing/2010/main">
+                <a:solidFill>
+                  <a:srgbClr val="FFFFFF"/>
+                </a:solidFill>
+              </a14:hiddenFill>
+            </a:ext>
+          </a:extLst>
+        </p:spPr>
+      </p:pic>
+    </p:spTree>
+    <p:extLst>
+      <p:ext uri="{BB962C8B-B14F-4D97-AF65-F5344CB8AC3E}">
+        <p14:creationId xmlns:p14="http://schemas.microsoft.com/office/powerpoint/2010/main" val="473910365"/>
+      </p:ext>
+    </p:extLst>
+  </p:cSld>
+  <p:clrMapOvr>
+    <a:masterClrMapping/>
+  </p:clrMapOvr>
+</p:sld>
+</file>
+
+<file path=ppt/slides/slide39.xml><?xml version="1.0" encoding="utf-8"?>
+<p:sld xmlns:a="http://schemas.openxmlformats.org/drawingml/2006/main" xmlns:r="http://schemas.openxmlformats.org/officeDocument/2006/relationships" xmlns:p="http://schemas.openxmlformats.org/presentationml/2006/main">
+  <p:cSld>
+    <p:spTree>
+      <p:nvGrpSpPr>
+        <p:cNvPr id="1" name=""/>
+        <p:cNvGrpSpPr/>
+        <p:nvPr/>
+      </p:nvGrpSpPr>
+      <p:grpSpPr>
+        <a:xfrm>
+          <a:off x="0" y="0"/>
+          <a:ext cx="0" cy="0"/>
+          <a:chOff x="0" y="0"/>
+          <a:chExt cx="0" cy="0"/>
+        </a:xfrm>
+      </p:grpSpPr>
+      <p:sp>
+        <p:nvSpPr>
+          <p:cNvPr id="2" name="Title 1">
+            <a:extLst>
+              <a:ext uri="{FF2B5EF4-FFF2-40B4-BE49-F238E27FC236}">
+                <a16:creationId xmlns:a16="http://schemas.microsoft.com/office/drawing/2014/main" id="{BBE4324A-23A1-4148-A01C-8D6029B2F53D}"/>
+              </a:ext>
+            </a:extLst>
+          </p:cNvPr>
+          <p:cNvSpPr>
+            <a:spLocks noGrp="1"/>
+          </p:cNvSpPr>
+          <p:nvPr>
+            <p:ph type="title"/>
+          </p:nvPr>
+        </p:nvSpPr>
+        <p:spPr/>
+        <p:txBody>
+          <a:bodyPr>
+            <a:normAutofit/>
+          </a:bodyPr>
+          <a:lstStyle/>
+          <a:p>
+            <a:r>
+              <a:rPr lang="en-US" sz="4000" b="1" dirty="0">
+                <a:latin typeface="+mn-lt"/>
+              </a:rPr>
+              <a:t>Conclusion</a:t>
+            </a:r>
+          </a:p>
+        </p:txBody>
+      </p:sp>
+      <p:sp>
+        <p:nvSpPr>
+          <p:cNvPr id="3" name="Content Placeholder 2">
+            <a:extLst>
+              <a:ext uri="{FF2B5EF4-FFF2-40B4-BE49-F238E27FC236}">
+                <a16:creationId xmlns:a16="http://schemas.microsoft.com/office/drawing/2014/main" id="{E9CD826B-7382-44DF-B961-99CAA9FA85F2}"/>
+              </a:ext>
+            </a:extLst>
+          </p:cNvPr>
+          <p:cNvSpPr>
+            <a:spLocks noGrp="1"/>
+          </p:cNvSpPr>
+          <p:nvPr>
+            <p:ph idx="1"/>
+          </p:nvPr>
+        </p:nvSpPr>
+        <p:spPr/>
+        <p:txBody>
+          <a:bodyPr>
+            <a:normAutofit lnSpcReduction="10000"/>
+          </a:bodyPr>
+          <a:lstStyle/>
+          <a:p>
+            <a:pPr rtl="0" fontAlgn="base">
+              <a:spcBef>
+                <a:spcPts val="0"/>
+              </a:spcBef>
+              <a:spcAft>
+                <a:spcPts val="0"/>
+              </a:spcAft>
+              <a:buFont typeface="Arial" panose="020B0604020202020204" pitchFamily="34" charset="0"/>
+              <a:buChar char="•"/>
+            </a:pPr>
+            <a:r>
+              <a:rPr lang="en-US" sz="2000" b="1" i="0" u="none" strike="noStrike" dirty="0">
+                <a:solidFill>
+                  <a:srgbClr val="0E101A"/>
+                </a:solidFill>
+                <a:effectLst/>
+              </a:rPr>
+              <a:t>Simple Recommender:</a:t>
+            </a:r>
+            <a:r>
+              <a:rPr lang="en-US" sz="2000" b="0" i="0" u="none" strike="noStrike" dirty="0">
+                <a:solidFill>
+                  <a:srgbClr val="0E101A"/>
+                </a:solidFill>
+                <a:effectLst/>
+              </a:rPr>
+              <a:t> This system used overall TMDB Vote Count and Vote Averages to build Top Movies Charts, in general, and for a specific genre. The IMDB Weighted Rating System was used to calculate ratings on which the sorting was finally performed. This Recommender does not account for any user preference.</a:t>
+            </a:r>
+          </a:p>
+          <a:p>
+            <a:pPr algn="just" rtl="0">
+              <a:spcBef>
+                <a:spcPts val="0"/>
+              </a:spcBef>
+              <a:spcAft>
+                <a:spcPts val="0"/>
+              </a:spcAft>
+            </a:pPr>
+            <a:endParaRPr lang="en-US" sz="2000" b="0" dirty="0">
+              <a:effectLst/>
+            </a:endParaRPr>
+          </a:p>
+          <a:p>
+            <a:pPr rtl="0" fontAlgn="base">
+              <a:spcBef>
+                <a:spcPts val="0"/>
+              </a:spcBef>
+              <a:spcAft>
+                <a:spcPts val="0"/>
+              </a:spcAft>
+              <a:buFont typeface="Arial" panose="020B0604020202020204" pitchFamily="34" charset="0"/>
+              <a:buChar char="•"/>
+            </a:pPr>
+            <a:r>
+              <a:rPr lang="en-US" sz="2000" b="1" i="0" u="none" strike="noStrike" dirty="0">
+                <a:solidFill>
+                  <a:srgbClr val="0E101A"/>
+                </a:solidFill>
+                <a:effectLst/>
+              </a:rPr>
+              <a:t>Content-Based Recommender:</a:t>
+            </a:r>
+            <a:r>
+              <a:rPr lang="en-US" sz="2000" b="0" i="0" u="none" strike="noStrike" dirty="0">
+                <a:solidFill>
+                  <a:srgbClr val="0E101A"/>
+                </a:solidFill>
+                <a:effectLst/>
+              </a:rPr>
+              <a:t> I built a that took movie metadata such as cast, crew, genre, and keywords to make predictions. We also devised a simple filter to provide further preference to movies with more votes and higher ratings. However, It is only capable of suggesting movies that are close to a particular movie. That is, it is not capable of capturing tastes and providing recommendations across genres.</a:t>
+            </a:r>
+          </a:p>
+          <a:p>
+            <a:pPr algn="just" rtl="0">
+              <a:spcBef>
+                <a:spcPts val="0"/>
+              </a:spcBef>
+              <a:spcAft>
+                <a:spcPts val="0"/>
+              </a:spcAft>
+            </a:pPr>
+            <a:endParaRPr lang="en-US" sz="2000" b="0" dirty="0">
+              <a:effectLst/>
+            </a:endParaRPr>
+          </a:p>
+          <a:p>
+            <a:pPr rtl="0" fontAlgn="base">
+              <a:spcBef>
+                <a:spcPts val="0"/>
+              </a:spcBef>
+              <a:spcAft>
+                <a:spcPts val="0"/>
+              </a:spcAft>
+              <a:buFont typeface="Arial" panose="020B0604020202020204" pitchFamily="34" charset="0"/>
+              <a:buChar char="•"/>
+            </a:pPr>
+            <a:r>
+              <a:rPr lang="en-US" sz="2000" b="1" i="0" u="none" strike="noStrike" dirty="0">
+                <a:solidFill>
+                  <a:srgbClr val="0E101A"/>
+                </a:solidFill>
+                <a:effectLst/>
+              </a:rPr>
+              <a:t>Collaborative Filtering:</a:t>
+            </a:r>
+            <a:r>
+              <a:rPr lang="en-US" sz="2000" b="0" i="0" u="none" strike="noStrike" dirty="0">
+                <a:solidFill>
+                  <a:srgbClr val="0E101A"/>
+                </a:solidFill>
+                <a:effectLst/>
+              </a:rPr>
+              <a:t> We used the powerful Surprise Library to build a collaborative filter based on single value decomposition. One con about this Recommender is that it doesn't necessarily succeed in automatically matching content to one's preferences. These collaborative filtering systems require a substantial number of users to rate a new item before that item can be recommended.</a:t>
+            </a:r>
+          </a:p>
+          <a:p>
+            <a:endParaRPr lang="en-US" dirty="0"/>
+          </a:p>
+        </p:txBody>
+      </p:sp>
+    </p:spTree>
+    <p:extLst>
+      <p:ext uri="{BB962C8B-B14F-4D97-AF65-F5344CB8AC3E}">
+        <p14:creationId xmlns:p14="http://schemas.microsoft.com/office/powerpoint/2010/main" val="2799266222"/>
+      </p:ext>
+    </p:extLst>
+  </p:cSld>
+  <p:clrMapOvr>
+    <a:masterClrMapping/>
+  </p:clrMapOvr>
+</p:sld>
+</file>
+
+<file path=ppt/slides/slide4.xml><?xml version="1.0" encoding="utf-8"?>
+<p:sld xmlns:a="http://schemas.openxmlformats.org/drawingml/2006/main" xmlns:r="http://schemas.openxmlformats.org/officeDocument/2006/relationships" xmlns:p="http://schemas.openxmlformats.org/presentationml/2006/main">
+  <p:cSld>
+    <p:spTree>
+      <p:nvGrpSpPr>
+        <p:cNvPr id="1" name=""/>
+        <p:cNvGrpSpPr/>
+        <p:nvPr/>
+      </p:nvGrpSpPr>
+      <p:grpSpPr>
+        <a:xfrm>
+          <a:off x="0" y="0"/>
+          <a:ext cx="0" cy="0"/>
+          <a:chOff x="0" y="0"/>
+          <a:chExt cx="0" cy="0"/>
+        </a:xfrm>
+      </p:grpSpPr>
+      <p:sp>
+        <p:nvSpPr>
+          <p:cNvPr id="2" name="Title 1">
+            <a:extLst>
+              <a:ext uri="{FF2B5EF4-FFF2-40B4-BE49-F238E27FC236}">
+                <a16:creationId xmlns:a16="http://schemas.microsoft.com/office/drawing/2014/main" id="{82267237-D1C4-494E-924F-9AF8F8467792}"/>
+              </a:ext>
+            </a:extLst>
+          </p:cNvPr>
+          <p:cNvSpPr>
+            <a:spLocks noGrp="1"/>
+          </p:cNvSpPr>
+          <p:nvPr>
+            <p:ph type="title"/>
+          </p:nvPr>
+        </p:nvSpPr>
+        <p:spPr/>
+        <p:txBody>
+          <a:bodyPr>
+            <a:normAutofit/>
+          </a:bodyPr>
+          <a:lstStyle/>
+          <a:p>
+            <a:r>
+              <a:rPr lang="en-US" sz="4000" b="1" dirty="0">
+                <a:solidFill>
+                  <a:schemeClr val="tx1"/>
+                </a:solidFill>
+                <a:latin typeface="+mn-lt"/>
+              </a:rPr>
+              <a:t>Dataset</a:t>
+            </a:r>
+            <a:endParaRPr lang="en-US" sz="4000" dirty="0">
+              <a:latin typeface="+mn-lt"/>
+            </a:endParaRPr>
+          </a:p>
+        </p:txBody>
+      </p:sp>
+      <p:sp>
+        <p:nvSpPr>
+          <p:cNvPr id="3" name="Content Placeholder 2">
+            <a:extLst>
+              <a:ext uri="{FF2B5EF4-FFF2-40B4-BE49-F238E27FC236}">
+                <a16:creationId xmlns:a16="http://schemas.microsoft.com/office/drawing/2014/main" id="{FBCA7B13-9588-4730-82DF-2CFE96B1C5A4}"/>
+              </a:ext>
+            </a:extLst>
+          </p:cNvPr>
+          <p:cNvSpPr>
+            <a:spLocks noGrp="1"/>
+          </p:cNvSpPr>
+          <p:nvPr>
+            <p:ph idx="1"/>
+          </p:nvPr>
+        </p:nvSpPr>
+        <p:spPr>
+          <a:xfrm>
+            <a:off x="838200" y="1825625"/>
+            <a:ext cx="5391150" cy="4351338"/>
+          </a:xfrm>
+        </p:spPr>
+        <p:txBody>
+          <a:bodyPr>
+            <a:normAutofit/>
+          </a:bodyPr>
+          <a:lstStyle/>
+          <a:p>
+            <a:pPr algn="just"/>
+            <a:r>
+              <a:rPr lang="en-US" sz="2000" dirty="0">
+                <a:solidFill>
+                  <a:srgbClr val="000000"/>
+                </a:solidFill>
+              </a:rPr>
+              <a:t>metadata for all 45,000 movies listed in the Full Movie Lens Dataset.</a:t>
+            </a:r>
+          </a:p>
+          <a:p>
+            <a:pPr algn="just"/>
+            <a:endParaRPr lang="en-US" sz="2000" dirty="0">
+              <a:solidFill>
+                <a:srgbClr val="000000"/>
+              </a:solidFill>
+            </a:endParaRPr>
+          </a:p>
+          <a:p>
+            <a:pPr algn="just" rtl="0">
+              <a:spcBef>
+                <a:spcPts val="0"/>
+              </a:spcBef>
+              <a:spcAft>
+                <a:spcPts val="0"/>
+              </a:spcAft>
+            </a:pPr>
+            <a:r>
+              <a:rPr lang="en-US" sz="2000" dirty="0">
+                <a:solidFill>
+                  <a:srgbClr val="000000"/>
+                </a:solidFill>
+              </a:rPr>
+              <a:t> The dataset consists of movies released on or before July 2017.</a:t>
+            </a:r>
+          </a:p>
+          <a:p>
+            <a:pPr algn="just" rtl="0">
+              <a:spcBef>
+                <a:spcPts val="0"/>
+              </a:spcBef>
+              <a:spcAft>
+                <a:spcPts val="0"/>
+              </a:spcAft>
+            </a:pPr>
+            <a:endParaRPr lang="en-US" sz="2000" dirty="0">
+              <a:solidFill>
+                <a:srgbClr val="000000"/>
+              </a:solidFill>
+            </a:endParaRPr>
+          </a:p>
+          <a:p>
+            <a:pPr algn="just"/>
+            <a:r>
+              <a:rPr lang="en-US" sz="2000" dirty="0">
+                <a:solidFill>
+                  <a:srgbClr val="000000"/>
+                </a:solidFill>
+              </a:rPr>
+              <a:t>This dataset also has files containing 26 million ratings from 270,000 users for all 45,000 movies.</a:t>
+            </a:r>
+          </a:p>
+        </p:txBody>
+      </p:sp>
+      <p:pic>
+        <p:nvPicPr>
+          <p:cNvPr id="6" name="Picture 5">
+            <a:extLst>
+              <a:ext uri="{FF2B5EF4-FFF2-40B4-BE49-F238E27FC236}">
+                <a16:creationId xmlns:a16="http://schemas.microsoft.com/office/drawing/2014/main" id="{764095FF-9469-4ED0-8AFD-100B0B82DBAF}"/>
+              </a:ext>
+            </a:extLst>
+          </p:cNvPr>
+          <p:cNvPicPr>
+            <a:picLocks noChangeAspect="1"/>
+          </p:cNvPicPr>
+          <p:nvPr/>
+        </p:nvPicPr>
+        <p:blipFill>
+          <a:blip r:embed="rId2"/>
+          <a:stretch>
+            <a:fillRect/>
+          </a:stretch>
+        </p:blipFill>
+        <p:spPr>
+          <a:xfrm>
+            <a:off x="6443662" y="1690688"/>
+            <a:ext cx="4943475" cy="4571999"/>
+          </a:xfrm>
+          <a:prstGeom prst="rect">
+            <a:avLst/>
+          </a:prstGeom>
+        </p:spPr>
+      </p:pic>
+    </p:spTree>
+    <p:extLst>
+      <p:ext uri="{BB962C8B-B14F-4D97-AF65-F5344CB8AC3E}">
+        <p14:creationId xmlns:p14="http://schemas.microsoft.com/office/powerpoint/2010/main" val="577802004"/>
+      </p:ext>
+    </p:extLst>
+  </p:cSld>
+  <p:clrMapOvr>
+    <a:masterClrMapping/>
+  </p:clrMapOvr>
+</p:sld>
+</file>
+
+<file path=ppt/slides/slide40.xml><?xml version="1.0" encoding="utf-8"?>
+<p:sld xmlns:a="http://schemas.openxmlformats.org/drawingml/2006/main" xmlns:r="http://schemas.openxmlformats.org/officeDocument/2006/relationships" xmlns:p="http://schemas.openxmlformats.org/presentationml/2006/main">
+  <p:cSld>
+    <p:spTree>
+      <p:nvGrpSpPr>
+        <p:cNvPr id="1" name=""/>
+        <p:cNvGrpSpPr/>
+        <p:nvPr/>
+      </p:nvGrpSpPr>
+      <p:grpSpPr>
+        <a:xfrm>
+          <a:off x="0" y="0"/>
+          <a:ext cx="0" cy="0"/>
+          <a:chOff x="0" y="0"/>
+          <a:chExt cx="0" cy="0"/>
+        </a:xfrm>
+      </p:grpSpPr>
+      <p:sp>
+        <p:nvSpPr>
+          <p:cNvPr id="2" name="Title 1">
+            <a:extLst>
+              <a:ext uri="{FF2B5EF4-FFF2-40B4-BE49-F238E27FC236}">
+                <a16:creationId xmlns:a16="http://schemas.microsoft.com/office/drawing/2014/main" id="{BBE4324A-23A1-4148-A01C-8D6029B2F53D}"/>
+              </a:ext>
+            </a:extLst>
+          </p:cNvPr>
+          <p:cNvSpPr>
+            <a:spLocks noGrp="1"/>
+          </p:cNvSpPr>
+          <p:nvPr>
+            <p:ph type="title"/>
+          </p:nvPr>
+        </p:nvSpPr>
+        <p:spPr/>
+        <p:txBody>
+          <a:bodyPr>
+            <a:normAutofit/>
+          </a:bodyPr>
+          <a:lstStyle/>
+          <a:p>
+            <a:r>
+              <a:rPr lang="en-US" sz="4000" b="1" dirty="0">
+                <a:latin typeface="+mn-lt"/>
+              </a:rPr>
+              <a:t>Recommendation</a:t>
+            </a:r>
+          </a:p>
+        </p:txBody>
+      </p:sp>
+      <p:sp>
+        <p:nvSpPr>
+          <p:cNvPr id="3" name="Content Placeholder 2">
+            <a:extLst>
+              <a:ext uri="{FF2B5EF4-FFF2-40B4-BE49-F238E27FC236}">
+                <a16:creationId xmlns:a16="http://schemas.microsoft.com/office/drawing/2014/main" id="{E9CD826B-7382-44DF-B961-99CAA9FA85F2}"/>
+              </a:ext>
+            </a:extLst>
+          </p:cNvPr>
+          <p:cNvSpPr>
+            <a:spLocks noGrp="1"/>
+          </p:cNvSpPr>
+          <p:nvPr>
+            <p:ph idx="1"/>
+          </p:nvPr>
+        </p:nvSpPr>
+        <p:spPr/>
+        <p:txBody>
+          <a:bodyPr>
+            <a:normAutofit/>
+          </a:bodyPr>
+          <a:lstStyle/>
+          <a:p>
+            <a:r>
+              <a:rPr lang="en-US" sz="2000" dirty="0"/>
+              <a:t>We can use content-based recommender to suggest movies based on a particular movie user watched.</a:t>
+            </a:r>
+          </a:p>
+          <a:p>
+            <a:r>
+              <a:rPr lang="en-US" sz="2000" dirty="0"/>
+              <a:t>Collaborative filter-based recommender would be advisable to provide recommendations to user not only based on their watched movie list but also their likings towards it.</a:t>
+            </a:r>
+          </a:p>
+          <a:p>
+            <a:pPr algn="just" rtl="0">
+              <a:spcBef>
+                <a:spcPts val="0"/>
+              </a:spcBef>
+              <a:spcAft>
+                <a:spcPts val="0"/>
+              </a:spcAft>
+            </a:pPr>
+            <a:endParaRPr lang="en-US" sz="2000" dirty="0">
+              <a:solidFill>
+                <a:srgbClr val="0E101A"/>
+              </a:solidFill>
+            </a:endParaRPr>
+          </a:p>
+          <a:p>
+            <a:pPr algn="just" rtl="0">
+              <a:spcBef>
+                <a:spcPts val="0"/>
+              </a:spcBef>
+              <a:spcAft>
+                <a:spcPts val="0"/>
+              </a:spcAft>
+            </a:pPr>
+            <a:r>
+              <a:rPr lang="en-US" sz="2000" dirty="0">
+                <a:solidFill>
+                  <a:srgbClr val="0E101A"/>
+                </a:solidFill>
+              </a:rPr>
+              <a:t>W</a:t>
+            </a:r>
+            <a:r>
+              <a:rPr lang="en-US" sz="2000" b="0" i="0" u="none" strike="noStrike" dirty="0">
+                <a:solidFill>
+                  <a:srgbClr val="0E101A"/>
+                </a:solidFill>
+                <a:effectLst/>
+              </a:rPr>
+              <a:t>ith a hybrid model that brings together ideas from content and collaborative filtering to build an engine, we may be able to give better movie suggestions to a particular user in the future.</a:t>
+            </a:r>
+            <a:br>
+              <a:rPr lang="en-US" sz="1400" dirty="0"/>
+            </a:br>
+            <a:endParaRPr lang="en-US" dirty="0"/>
+          </a:p>
+        </p:txBody>
+      </p:sp>
+    </p:spTree>
+    <p:extLst>
+      <p:ext uri="{BB962C8B-B14F-4D97-AF65-F5344CB8AC3E}">
+        <p14:creationId xmlns:p14="http://schemas.microsoft.com/office/powerpoint/2010/main" val="2600613124"/>
+      </p:ext>
+    </p:extLst>
+  </p:cSld>
+  <p:clrMapOvr>
+    <a:masterClrMapping/>
+  </p:clrMapOvr>
+</p:sld>
+</file>
+
+<file path=ppt/slides/slide41.xml><?xml version="1.0" encoding="utf-8"?>
 <p:sld xmlns:a="http://schemas.openxmlformats.org/drawingml/2006/main" xmlns:r="http://schemas.openxmlformats.org/officeDocument/2006/relationships" xmlns:p="http://schemas.openxmlformats.org/presentationml/2006/main">
   <p:cSld>
     <p:bg>
@@ -10412,466 +15403,6 @@
 </p:sld>
 </file>
 
-<file path=ppt/slides/slide3.xml><?xml version="1.0" encoding="utf-8"?>
-<p:sld xmlns:a="http://schemas.openxmlformats.org/drawingml/2006/main" xmlns:r="http://schemas.openxmlformats.org/officeDocument/2006/relationships" xmlns:p="http://schemas.openxmlformats.org/presentationml/2006/main">
-  <p:cSld>
-    <p:spTree>
-      <p:nvGrpSpPr>
-        <p:cNvPr id="1" name=""/>
-        <p:cNvGrpSpPr/>
-        <p:nvPr/>
-      </p:nvGrpSpPr>
-      <p:grpSpPr>
-        <a:xfrm>
-          <a:off x="0" y="0"/>
-          <a:ext cx="0" cy="0"/>
-          <a:chOff x="0" y="0"/>
-          <a:chExt cx="0" cy="0"/>
-        </a:xfrm>
-      </p:grpSpPr>
-      <p:sp>
-        <p:nvSpPr>
-          <p:cNvPr id="2" name="Title 1">
-            <a:extLst>
-              <a:ext uri="{FF2B5EF4-FFF2-40B4-BE49-F238E27FC236}">
-                <a16:creationId xmlns:a16="http://schemas.microsoft.com/office/drawing/2014/main" id="{2EA75F6A-7010-48BD-B3DF-C99102D7AE3E}"/>
-              </a:ext>
-            </a:extLst>
-          </p:cNvPr>
-          <p:cNvSpPr>
-            <a:spLocks noGrp="1"/>
-          </p:cNvSpPr>
-          <p:nvPr>
-            <p:ph type="title"/>
-          </p:nvPr>
-        </p:nvSpPr>
-        <p:spPr>
-          <a:xfrm>
-            <a:off x="838200" y="365125"/>
-            <a:ext cx="10515600" cy="1168400"/>
-          </a:xfrm>
-        </p:spPr>
-        <p:txBody>
-          <a:bodyPr>
-            <a:normAutofit/>
-          </a:bodyPr>
-          <a:lstStyle/>
-          <a:p>
-            <a:r>
-              <a:rPr lang="en-US" sz="4000" b="1" dirty="0">
-                <a:solidFill>
-                  <a:schemeClr val="tx1"/>
-                </a:solidFill>
-              </a:rPr>
-              <a:t>Why we need Recommendation system?</a:t>
-            </a:r>
-            <a:endParaRPr lang="en-US" sz="4000" dirty="0">
-              <a:latin typeface="+mn-lt"/>
-            </a:endParaRPr>
-          </a:p>
-        </p:txBody>
-      </p:sp>
-      <p:sp>
-        <p:nvSpPr>
-          <p:cNvPr id="3" name="Content Placeholder 2">
-            <a:extLst>
-              <a:ext uri="{FF2B5EF4-FFF2-40B4-BE49-F238E27FC236}">
-                <a16:creationId xmlns:a16="http://schemas.microsoft.com/office/drawing/2014/main" id="{15E79F04-9447-4143-9FF9-808E504781BC}"/>
-              </a:ext>
-            </a:extLst>
-          </p:cNvPr>
-          <p:cNvSpPr>
-            <a:spLocks noGrp="1"/>
-          </p:cNvSpPr>
-          <p:nvPr>
-            <p:ph idx="1"/>
-          </p:nvPr>
-        </p:nvSpPr>
-        <p:spPr/>
-        <p:txBody>
-          <a:bodyPr>
-            <a:noAutofit/>
-          </a:bodyPr>
-          <a:lstStyle/>
-          <a:p>
-            <a:pPr>
-              <a:spcBef>
-                <a:spcPts val="0"/>
-              </a:spcBef>
-            </a:pPr>
-            <a:r>
-              <a:rPr lang="en-US" sz="2000" dirty="0">
-                <a:solidFill>
-                  <a:srgbClr val="000000"/>
-                </a:solidFill>
-              </a:rPr>
-              <a:t>It has been estimated that there are approximately 500,000 movies currently in existence.</a:t>
-            </a:r>
-          </a:p>
-          <a:p>
-            <a:pPr>
-              <a:spcBef>
-                <a:spcPts val="0"/>
-              </a:spcBef>
-            </a:pPr>
-            <a:endParaRPr lang="en-US" sz="2000" dirty="0">
-              <a:solidFill>
-                <a:srgbClr val="000000"/>
-              </a:solidFill>
-            </a:endParaRPr>
-          </a:p>
-          <a:p>
-            <a:pPr>
-              <a:spcBef>
-                <a:spcPts val="0"/>
-              </a:spcBef>
-            </a:pPr>
-            <a:r>
-              <a:rPr lang="en-US" sz="2000" dirty="0">
-                <a:solidFill>
-                  <a:srgbClr val="000000"/>
-                </a:solidFill>
-              </a:rPr>
-              <a:t>This situation creates `selection pressure’ on individual movies, as not all movies are equally popular.</a:t>
-            </a:r>
-          </a:p>
-          <a:p>
-            <a:pPr>
-              <a:spcBef>
-                <a:spcPts val="0"/>
-              </a:spcBef>
-            </a:pPr>
-            <a:endParaRPr lang="en-US" sz="2000" dirty="0">
-              <a:solidFill>
-                <a:srgbClr val="000000"/>
-              </a:solidFill>
-            </a:endParaRPr>
-          </a:p>
-          <a:p>
-            <a:pPr>
-              <a:spcBef>
-                <a:spcPts val="0"/>
-              </a:spcBef>
-            </a:pPr>
-            <a:r>
-              <a:rPr lang="en-US" sz="2000" dirty="0">
-                <a:solidFill>
-                  <a:srgbClr val="000000"/>
-                </a:solidFill>
-              </a:rPr>
-              <a:t>The audience will not be spending their time watching every movie available to them, they will pick randomly something to watch.</a:t>
-            </a:r>
-          </a:p>
-          <a:p>
-            <a:pPr>
-              <a:spcBef>
-                <a:spcPts val="0"/>
-              </a:spcBef>
-            </a:pPr>
-            <a:endParaRPr lang="en-US" sz="2000" dirty="0">
-              <a:solidFill>
-                <a:srgbClr val="000000"/>
-              </a:solidFill>
-            </a:endParaRPr>
-          </a:p>
-          <a:p>
-            <a:pPr>
-              <a:spcBef>
-                <a:spcPts val="0"/>
-              </a:spcBef>
-            </a:pPr>
-            <a:r>
-              <a:rPr lang="en-US" sz="2000" dirty="0">
-                <a:solidFill>
-                  <a:srgbClr val="000000"/>
-                </a:solidFill>
-              </a:rPr>
-              <a:t>If a person picks a movie and does not enjoy it there will be no positive word-of-mouth.</a:t>
-            </a:r>
-          </a:p>
-          <a:p>
-            <a:pPr>
-              <a:spcBef>
-                <a:spcPts val="0"/>
-              </a:spcBef>
-            </a:pPr>
-            <a:endParaRPr lang="en-US" sz="2000" dirty="0">
-              <a:solidFill>
-                <a:srgbClr val="000000"/>
-              </a:solidFill>
-            </a:endParaRPr>
-          </a:p>
-          <a:p>
-            <a:pPr>
-              <a:spcBef>
-                <a:spcPts val="0"/>
-              </a:spcBef>
-            </a:pPr>
-            <a:r>
-              <a:rPr lang="en-US" sz="2000" dirty="0">
-                <a:solidFill>
-                  <a:srgbClr val="000000"/>
-                </a:solidFill>
-              </a:rPr>
-              <a:t>This doesn’t necessarily mean the movie was bad, it might mean it was not interesting to that individual. This is where the recommendation system is helpful.</a:t>
-            </a:r>
-          </a:p>
-          <a:p>
-            <a:pPr>
-              <a:spcBef>
-                <a:spcPts val="0"/>
-              </a:spcBef>
-            </a:pPr>
-            <a:endParaRPr lang="en-US" sz="2000" dirty="0">
-              <a:solidFill>
-                <a:srgbClr val="000000"/>
-              </a:solidFill>
-            </a:endParaRPr>
-          </a:p>
-          <a:p>
-            <a:pPr>
-              <a:spcBef>
-                <a:spcPts val="0"/>
-              </a:spcBef>
-            </a:pPr>
-            <a:r>
-              <a:rPr lang="en-US" sz="2000" dirty="0">
-                <a:solidFill>
-                  <a:srgbClr val="000000"/>
-                </a:solidFill>
-              </a:rPr>
-              <a:t>Recommendation system helps the user find items of their interest and Helps the item provider to deliver their items to the right user.</a:t>
-            </a:r>
-          </a:p>
-          <a:p>
-            <a:pPr>
-              <a:spcBef>
-                <a:spcPts val="0"/>
-              </a:spcBef>
-            </a:pPr>
-            <a:endParaRPr lang="en-US" sz="2000" dirty="0">
-              <a:solidFill>
-                <a:srgbClr val="000000"/>
-              </a:solidFill>
-            </a:endParaRPr>
-          </a:p>
-          <a:p>
-            <a:pPr>
-              <a:spcBef>
-                <a:spcPts val="0"/>
-              </a:spcBef>
-            </a:pPr>
-            <a:r>
-              <a:rPr lang="en-US" sz="2000" dirty="0">
-                <a:solidFill>
-                  <a:srgbClr val="000000"/>
-                </a:solidFill>
-              </a:rPr>
-              <a:t>It increases revenues for business through increased consumption.</a:t>
-            </a:r>
-          </a:p>
-        </p:txBody>
-      </p:sp>
-    </p:spTree>
-    <p:extLst>
-      <p:ext uri="{BB962C8B-B14F-4D97-AF65-F5344CB8AC3E}">
-        <p14:creationId xmlns:p14="http://schemas.microsoft.com/office/powerpoint/2010/main" val="1712562402"/>
-      </p:ext>
-    </p:extLst>
-  </p:cSld>
-  <p:clrMapOvr>
-    <a:masterClrMapping/>
-  </p:clrMapOvr>
-</p:sld>
-</file>
-
-<file path=ppt/slides/slide4.xml><?xml version="1.0" encoding="utf-8"?>
-<p:sld xmlns:a="http://schemas.openxmlformats.org/drawingml/2006/main" xmlns:r="http://schemas.openxmlformats.org/officeDocument/2006/relationships" xmlns:p="http://schemas.openxmlformats.org/presentationml/2006/main">
-  <p:cSld>
-    <p:spTree>
-      <p:nvGrpSpPr>
-        <p:cNvPr id="1" name=""/>
-        <p:cNvGrpSpPr/>
-        <p:nvPr/>
-      </p:nvGrpSpPr>
-      <p:grpSpPr>
-        <a:xfrm>
-          <a:off x="0" y="0"/>
-          <a:ext cx="0" cy="0"/>
-          <a:chOff x="0" y="0"/>
-          <a:chExt cx="0" cy="0"/>
-        </a:xfrm>
-      </p:grpSpPr>
-      <p:sp>
-        <p:nvSpPr>
-          <p:cNvPr id="2" name="Title 1">
-            <a:extLst>
-              <a:ext uri="{FF2B5EF4-FFF2-40B4-BE49-F238E27FC236}">
-                <a16:creationId xmlns:a16="http://schemas.microsoft.com/office/drawing/2014/main" id="{82267237-D1C4-494E-924F-9AF8F8467792}"/>
-              </a:ext>
-            </a:extLst>
-          </p:cNvPr>
-          <p:cNvSpPr>
-            <a:spLocks noGrp="1"/>
-          </p:cNvSpPr>
-          <p:nvPr>
-            <p:ph type="title"/>
-          </p:nvPr>
-        </p:nvSpPr>
-        <p:spPr/>
-        <p:txBody>
-          <a:bodyPr>
-            <a:normAutofit/>
-          </a:bodyPr>
-          <a:lstStyle/>
-          <a:p>
-            <a:r>
-              <a:rPr lang="en-US" sz="4000" b="1">
-                <a:solidFill>
-                  <a:schemeClr val="tx1"/>
-                </a:solidFill>
-                <a:latin typeface="+mn-lt"/>
-              </a:rPr>
-              <a:t>Dataset</a:t>
-            </a:r>
-            <a:endParaRPr lang="en-US" sz="4000" dirty="0">
-              <a:latin typeface="+mn-lt"/>
-            </a:endParaRPr>
-          </a:p>
-        </p:txBody>
-      </p:sp>
-      <p:sp>
-        <p:nvSpPr>
-          <p:cNvPr id="3" name="Content Placeholder 2">
-            <a:extLst>
-              <a:ext uri="{FF2B5EF4-FFF2-40B4-BE49-F238E27FC236}">
-                <a16:creationId xmlns:a16="http://schemas.microsoft.com/office/drawing/2014/main" id="{FBCA7B13-9588-4730-82DF-2CFE96B1C5A4}"/>
-              </a:ext>
-            </a:extLst>
-          </p:cNvPr>
-          <p:cNvSpPr>
-            <a:spLocks noGrp="1"/>
-          </p:cNvSpPr>
-          <p:nvPr>
-            <p:ph idx="1"/>
-          </p:nvPr>
-        </p:nvSpPr>
-        <p:spPr>
-          <a:xfrm>
-            <a:off x="838200" y="1825625"/>
-            <a:ext cx="5391150" cy="4351338"/>
-          </a:xfrm>
-        </p:spPr>
-        <p:txBody>
-          <a:bodyPr>
-            <a:normAutofit/>
-          </a:bodyPr>
-          <a:lstStyle/>
-          <a:p>
-            <a:r>
-              <a:rPr lang="en-US" sz="2000" dirty="0">
-                <a:solidFill>
-                  <a:srgbClr val="000000"/>
-                </a:solidFill>
-              </a:rPr>
-              <a:t>metadata for all 45,000 movies listed in the Full Movie Lens Dataset.</a:t>
-            </a:r>
-          </a:p>
-          <a:p>
-            <a:endParaRPr lang="en-US" sz="2000" dirty="0">
-              <a:solidFill>
-                <a:srgbClr val="000000"/>
-              </a:solidFill>
-            </a:endParaRPr>
-          </a:p>
-          <a:p>
-            <a:pPr rtl="0">
-              <a:spcBef>
-                <a:spcPts val="0"/>
-              </a:spcBef>
-              <a:spcAft>
-                <a:spcPts val="0"/>
-              </a:spcAft>
-            </a:pPr>
-            <a:r>
-              <a:rPr lang="en-US" sz="2000" dirty="0">
-                <a:solidFill>
-                  <a:srgbClr val="000000"/>
-                </a:solidFill>
-              </a:rPr>
-              <a:t> The dataset consists of movies released on or before July 2017.</a:t>
-            </a:r>
-          </a:p>
-          <a:p>
-            <a:pPr rtl="0">
-              <a:spcBef>
-                <a:spcPts val="0"/>
-              </a:spcBef>
-              <a:spcAft>
-                <a:spcPts val="0"/>
-              </a:spcAft>
-            </a:pPr>
-            <a:endParaRPr lang="en-US" sz="2000" dirty="0">
-              <a:solidFill>
-                <a:srgbClr val="000000"/>
-              </a:solidFill>
-            </a:endParaRPr>
-          </a:p>
-          <a:p>
-            <a:r>
-              <a:rPr lang="en-US" sz="2000" dirty="0">
-                <a:solidFill>
-                  <a:srgbClr val="000000"/>
-                </a:solidFill>
-              </a:rPr>
-              <a:t>This dataset also has files containing 26 million ratings from 270,000 users for all 45,000 movies.</a:t>
-            </a:r>
-          </a:p>
-        </p:txBody>
-      </p:sp>
-      <p:pic>
-        <p:nvPicPr>
-          <p:cNvPr id="6" name="Picture 5">
-            <a:extLst>
-              <a:ext uri="{FF2B5EF4-FFF2-40B4-BE49-F238E27FC236}">
-                <a16:creationId xmlns:a16="http://schemas.microsoft.com/office/drawing/2014/main" id="{764095FF-9469-4ED0-8AFD-100B0B82DBAF}"/>
-              </a:ext>
-            </a:extLst>
-          </p:cNvPr>
-          <p:cNvPicPr>
-            <a:picLocks noChangeAspect="1"/>
-          </p:cNvPicPr>
-          <p:nvPr/>
-        </p:nvPicPr>
-        <p:blipFill>
-          <a:blip r:embed="rId2"/>
-          <a:stretch>
-            <a:fillRect/>
-          </a:stretch>
-        </p:blipFill>
-        <p:spPr>
-          <a:xfrm>
-            <a:off x="6443662" y="595312"/>
-            <a:ext cx="4943475" cy="5667375"/>
-          </a:xfrm>
-          <a:prstGeom prst="rect">
-            <a:avLst/>
-          </a:prstGeom>
-        </p:spPr>
-      </p:pic>
-    </p:spTree>
-    <p:extLst>
-      <p:ext uri="{BB962C8B-B14F-4D97-AF65-F5344CB8AC3E}">
-        <p14:creationId xmlns:p14="http://schemas.microsoft.com/office/powerpoint/2010/main" val="577802004"/>
-      </p:ext>
-    </p:extLst>
-  </p:cSld>
-  <p:clrMapOvr>
-    <a:masterClrMapping/>
-  </p:clrMapOvr>
-</p:sld>
-</file>
-
 <file path=ppt/slides/slide5.xml><?xml version="1.0" encoding="utf-8"?>
 <p:sld xmlns:a="http://schemas.openxmlformats.org/drawingml/2006/main" xmlns:r="http://schemas.openxmlformats.org/officeDocument/2006/relationships" xmlns:p="http://schemas.openxmlformats.org/presentationml/2006/main">
   <p:cSld>
@@ -10950,6 +15481,7 @@
           </a:bodyPr>
           <a:lstStyle/>
           <a:p>
+            <a:pPr algn="just"/>
             <a:r>
               <a:rPr lang="en-US" sz="2000" dirty="0">
                 <a:solidFill>
@@ -10960,6 +15492,7 @@
             </a:r>
           </a:p>
           <a:p>
+            <a:pPr algn="just"/>
             <a:r>
               <a:rPr lang="en-US" sz="2000" dirty="0">
                 <a:solidFill>
@@ -10986,6 +15519,7 @@
             </a:r>
           </a:p>
           <a:p>
+            <a:pPr algn="just"/>
             <a:r>
               <a:rPr lang="en-US" sz="2000" dirty="0">
                 <a:solidFill>
@@ -10996,6 +15530,7 @@
             </a:r>
           </a:p>
           <a:p>
+            <a:pPr algn="just"/>
             <a:r>
               <a:rPr lang="en-US" sz="2000" dirty="0">
                 <a:solidFill>
@@ -11006,6 +15541,7 @@
             </a:r>
           </a:p>
           <a:p>
+            <a:pPr algn="just"/>
             <a:r>
               <a:rPr lang="en-US" sz="2000" dirty="0">
                 <a:solidFill>
@@ -11048,6 +15584,7 @@
             </a:r>
           </a:p>
           <a:p>
+            <a:pPr algn="just"/>
             <a:r>
               <a:rPr lang="en-US" sz="2000" dirty="0">
                 <a:solidFill>
@@ -11192,7 +15729,7 @@
           </a:bodyPr>
           <a:lstStyle/>
           <a:p>
-            <a:pPr>
+            <a:pPr algn="just">
               <a:lnSpc>
                 <a:spcPct val="100000"/>
               </a:lnSpc>
@@ -11207,7 +15744,7 @@
             </a:r>
           </a:p>
           <a:p>
-            <a:pPr>
+            <a:pPr algn="just">
               <a:lnSpc>
                 <a:spcPct val="100000"/>
               </a:lnSpc>
@@ -11222,7 +15759,7 @@
             </a:r>
           </a:p>
           <a:p>
-            <a:pPr>
+            <a:pPr algn="just">
               <a:lnSpc>
                 <a:spcPct val="100000"/>
               </a:lnSpc>
@@ -11240,7 +15777,7 @@
             </a:r>
           </a:p>
           <a:p>
-            <a:pPr>
+            <a:pPr algn="just">
               <a:lnSpc>
                 <a:spcPct val="100000"/>
               </a:lnSpc>
@@ -11291,8 +15828,8 @@
         </p:blipFill>
         <p:spPr bwMode="auto">
           <a:xfrm>
-            <a:off x="6276974" y="1168400"/>
-            <a:ext cx="5549265" cy="5689600"/>
+            <a:off x="6276974" y="1825625"/>
+            <a:ext cx="5549265" cy="4351338"/>
           </a:xfrm>
           <a:prstGeom prst="rect">
             <a:avLst/>
@@ -11466,7 +16003,7 @@
         <p:spPr>
           <a:xfrm>
             <a:off x="838200" y="1825625"/>
-            <a:ext cx="4152774" cy="4303464"/>
+            <a:ext cx="4838700" cy="4303464"/>
           </a:xfrm>
         </p:spPr>
         <p:txBody>
@@ -11475,7 +16012,7 @@
           </a:bodyPr>
           <a:lstStyle/>
           <a:p>
-            <a:pPr rtl="0">
+            <a:pPr algn="just" rtl="0">
               <a:spcBef>
                 <a:spcPts val="0"/>
               </a:spcBef>
@@ -11489,7 +16026,7 @@
             </a:r>
           </a:p>
           <a:p>
-            <a:pPr marL="0" indent="0" rtl="0">
+            <a:pPr marL="0" indent="0" algn="just" rtl="0">
               <a:spcBef>
                 <a:spcPts val="0"/>
               </a:spcBef>
@@ -11501,7 +16038,7 @@
             <a:endParaRPr lang="en-US" sz="2000" dirty="0"/>
           </a:p>
           <a:p>
-            <a:pPr rtl="0">
+            <a:pPr algn="just" rtl="0">
               <a:spcBef>
                 <a:spcPts val="876"/>
               </a:spcBef>
@@ -11547,8 +16084,8 @@
         </p:blipFill>
         <p:spPr bwMode="auto">
           <a:xfrm>
-            <a:off x="5829174" y="924560"/>
-            <a:ext cx="5986905" cy="5750560"/>
+            <a:off x="5829174" y="1571626"/>
+            <a:ext cx="5986905" cy="4557464"/>
           </a:xfrm>
           <a:prstGeom prst="rect">
             <a:avLst/>
@@ -11807,8 +16344,8 @@
         </p:blipFill>
         <p:spPr bwMode="auto">
           <a:xfrm>
-            <a:off x="6624638" y="1290320"/>
-            <a:ext cx="4729162" cy="5202555"/>
+            <a:off x="6624638" y="1825625"/>
+            <a:ext cx="4729162" cy="4175126"/>
           </a:xfrm>
           <a:prstGeom prst="rect">
             <a:avLst/>
@@ -11919,6 +16456,7 @@
           <a:bodyPr/>
           <a:lstStyle/>
           <a:p>
+            <a:pPr algn="just"/>
             <a:r>
               <a:rPr lang="en-US" sz="2000" b="0" i="0" u="none" strike="noStrike" dirty="0">
                 <a:solidFill>
@@ -11936,7 +16474,7 @@
             </a:endParaRPr>
           </a:p>
           <a:p>
-            <a:pPr rtl="0">
+            <a:pPr algn="just" rtl="0">
               <a:spcBef>
                 <a:spcPts val="876"/>
               </a:spcBef>
@@ -11951,7 +16489,7 @@
                 </a:solidFill>
                 <a:effectLst/>
               </a:rPr>
-              <a:t> It is interesting to note that Christopher Nolan directed both movies.</a:t>
+              <a:t>It is interesting to note that Christopher Nolan directed both movies.</a:t>
             </a:r>
             <a:endParaRPr lang="en-US" sz="2000" b="0" dirty="0">
               <a:effectLst/>
@@ -11997,8 +16535,8 @@
         </p:blipFill>
         <p:spPr bwMode="auto">
           <a:xfrm>
-            <a:off x="6502401" y="1300480"/>
-            <a:ext cx="5069840" cy="5090160"/>
+            <a:off x="6530976" y="1690688"/>
+            <a:ext cx="4737099" cy="4486275"/>
           </a:xfrm>
           <a:prstGeom prst="rect">
             <a:avLst/>

--- a/Capstone2_Recommendation System for movies/Recommendation system.pptx
+++ b/Capstone2_Recommendation System for movies/Recommendation system.pptx
@@ -7859,7 +7859,7 @@
         <p:spPr bwMode="auto">
           <a:xfrm>
             <a:off x="5724525" y="1690688"/>
-            <a:ext cx="5629275" cy="4486275"/>
+            <a:ext cx="5629275" cy="4351339"/>
           </a:xfrm>
           <a:prstGeom prst="rect">
             <a:avLst/>
@@ -14759,8 +14759,8 @@
         </p:blipFill>
         <p:spPr>
           <a:xfrm>
-            <a:off x="6443662" y="1690688"/>
-            <a:ext cx="4943475" cy="4571999"/>
+            <a:off x="6443662" y="1690689"/>
+            <a:ext cx="4943475" cy="4351338"/>
           </a:xfrm>
           <a:prstGeom prst="rect">
             <a:avLst/>
@@ -16085,7 +16085,7 @@
         <p:spPr bwMode="auto">
           <a:xfrm>
             <a:off x="5829174" y="1571626"/>
-            <a:ext cx="5986905" cy="4557464"/>
+            <a:ext cx="5986905" cy="4303464"/>
           </a:xfrm>
           <a:prstGeom prst="rect">
             <a:avLst/>
